--- a/윈도우어플리케이션개발_개별발표2_MiroRefactoring_201633019신소연.pptx
+++ b/윈도우어플리케이션개발_개별발표2_MiroRefactoring_201633019신소연.pptx
@@ -1,19 +1,19 @@
 
 <file path=ppt/presentation.xml><?xml version="1.0" encoding="utf-8"?>
-<p:presentation xmlns:a="http://schemas.openxmlformats.org/drawingml/2006/main" xmlns:r="http://schemas.openxmlformats.org/officeDocument/2006/relationships" xmlns:p="http://schemas.openxmlformats.org/presentationml/2006/main" saveSubsetFonts="1">
+<p:presentation xmlns:r="http://schemas.openxmlformats.org/officeDocument/2006/relationships" xmlns:c="http://schemas.openxmlformats.org/drawingml/2006/chart" xmlns:a="http://schemas.openxmlformats.org/drawingml/2006/main" xmlns:dgm="http://schemas.openxmlformats.org/drawingml/2006/diagram" xmlns:dsp="http://schemas.microsoft.com/office/drawing/2008/diagram" xmlns:p="http://schemas.openxmlformats.org/presentationml/2006/main" saveSubsetFonts="1">
   <p:sldMasterIdLst>
-    <p:sldMasterId id="2147483648" r:id="rId1"/>
+    <p:sldMasterId id="2147483660" r:id="rId1"/>
   </p:sldMasterIdLst>
   <p:sldIdLst>
     <p:sldId id="256" r:id="rId2"/>
     <p:sldId id="257" r:id="rId3"/>
     <p:sldId id="258" r:id="rId4"/>
-    <p:sldId id="260" r:id="rId5"/>
-    <p:sldId id="261" r:id="rId6"/>
-    <p:sldId id="262" r:id="rId7"/>
-    <p:sldId id="263" r:id="rId8"/>
-    <p:sldId id="264" r:id="rId9"/>
-    <p:sldId id="265" r:id="rId10"/>
+    <p:sldId id="259" r:id="rId5"/>
+    <p:sldId id="260" r:id="rId6"/>
+    <p:sldId id="261" r:id="rId7"/>
+    <p:sldId id="262" r:id="rId8"/>
+    <p:sldId id="263" r:id="rId9"/>
+    <p:sldId id="264" r:id="rId10"/>
   </p:sldIdLst>
   <p:sldSz cx="9144000" cy="6858000" type="screen4x3"/>
   <p:notesSz cx="6858000" cy="9144000"/>
@@ -112,22 +112,6 @@
       </a:defRPr>
     </a:lvl9pPr>
   </p:defaultTextStyle>
-  <p:extLst>
-    <p:ext uri="{EFAFB233-063F-42B5-8137-9DF3F51BA10A}">
-      <p15:sldGuideLst xmlns:p15="http://schemas.microsoft.com/office/powerpoint/2012/main">
-        <p15:guide id="1" orient="horz" pos="2160">
-          <p15:clr>
-            <a:srgbClr val="A4A3A4"/>
-          </p15:clr>
-        </p15:guide>
-        <p15:guide id="2" pos="2880">
-          <p15:clr>
-            <a:srgbClr val="A4A3A4"/>
-          </p15:clr>
-        </p15:guide>
-      </p15:sldGuideLst>
-    </p:ext>
-  </p:extLst>
 </p:presentation>
 </file>
 
@@ -3103,7 +3087,7 @@
 </file>
 
 <file path=ppt/slides/slide1.xml><?xml version="1.0" encoding="utf-8"?>
-<p:sld xmlns:a="http://schemas.openxmlformats.org/drawingml/2006/main" xmlns:r="http://schemas.openxmlformats.org/officeDocument/2006/relationships" xmlns:p="http://schemas.openxmlformats.org/presentationml/2006/main">
+<p:sld xmlns:r="http://schemas.openxmlformats.org/officeDocument/2006/relationships" xmlns:c="http://schemas.openxmlformats.org/drawingml/2006/chart" xmlns:a="http://schemas.openxmlformats.org/drawingml/2006/main" xmlns:dgm="http://schemas.openxmlformats.org/drawingml/2006/diagram" xmlns:dsp="http://schemas.microsoft.com/office/drawing/2008/diagram" xmlns:p="http://schemas.openxmlformats.org/presentationml/2006/main">
   <p:cSld>
     <p:spTree>
       <p:nvGrpSpPr>
@@ -3127,14 +3111,8 @@
           </p:cNvPicPr>
           <p:nvPr/>
         </p:nvPicPr>
-        <p:blipFill>
-          <a:blip r:embed="rId2">
-            <a:extLst>
-              <a:ext uri="{28A0092B-C50C-407E-A947-70E740481C1C}">
-                <a14:useLocalDpi xmlns:a14="http://schemas.microsoft.com/office/drawing/2010/main" val="0"/>
-              </a:ext>
-            </a:extLst>
-          </a:blip>
+        <p:blipFill rotWithShape="1">
+          <a:blip r:embed="rId2"/>
           <a:stretch>
             <a:fillRect/>
           </a:stretch>
@@ -3157,8 +3135,8 @@
         </p:nvSpPr>
         <p:spPr>
           <a:xfrm>
-            <a:off x="1909253" y="1971995"/>
-            <a:ext cx="5325497" cy="461665"/>
+            <a:off x="1927860" y="1971995"/>
+            <a:ext cx="5278754" cy="445450"/>
           </a:xfrm>
           <a:prstGeom prst="rect">
             <a:avLst/>
@@ -3166,48 +3144,50 @@
           <a:noFill/>
         </p:spPr>
         <p:txBody>
-          <a:bodyPr wrap="none" rtlCol="0">
+          <a:bodyPr wrap="none">
             <a:spAutoFit/>
           </a:bodyPr>
           <a:lstStyle/>
           <a:p>
-            <a:pPr algn="ctr"/>
-            <a:r>
-              <a:rPr lang="en-US" altLang="ko-KR" sz="2400" dirty="0" smtClean="0">
-                <a:solidFill>
-                  <a:srgbClr val="FF3399"/>
-                </a:solidFill>
-                <a:latin typeface="Noto Sans CJK SC Thin" pitchFamily="34" charset="-127"/>
-                <a:ea typeface="Noto Sans CJK SC Thin" pitchFamily="34" charset="-127"/>
+            <a:pPr algn="ctr">
+              <a:defRPr lang="ko-KR" altLang="en-US"/>
+            </a:pPr>
+            <a:r>
+              <a:rPr lang="en-US" altLang="ko-KR" sz="2400">
+                <a:solidFill>
+                  <a:srgbClr val="ff3399"/>
+                </a:solidFill>
+                <a:latin typeface="Noto Sans CJK SC Thin"/>
+                <a:ea typeface="Noto Sans CJK SC Thin"/>
               </a:rPr>
               <a:t>[</a:t>
             </a:r>
             <a:r>
-              <a:rPr lang="ko-KR" altLang="en-US" sz="2400" dirty="0" smtClean="0">
-                <a:solidFill>
-                  <a:srgbClr val="FF3399"/>
-                </a:solidFill>
-                <a:latin typeface="Noto Sans CJK SC Thin" pitchFamily="34" charset="-127"/>
-                <a:ea typeface="Noto Sans CJK SC Thin" pitchFamily="34" charset="-127"/>
+              <a:rPr lang="ko-KR" altLang="en-US" sz="2400">
+                <a:solidFill>
+                  <a:srgbClr val="ff3399"/>
+                </a:solidFill>
+                <a:latin typeface="Noto Sans CJK SC Thin"/>
+                <a:ea typeface="Noto Sans CJK SC Thin"/>
               </a:rPr>
               <a:t>윈도우어플리케이션 개발 개인프로젝트</a:t>
             </a:r>
             <a:r>
-              <a:rPr lang="en-US" altLang="ko-KR" sz="2400" dirty="0" smtClean="0">
-                <a:solidFill>
-                  <a:srgbClr val="FF3399"/>
-                </a:solidFill>
-                <a:latin typeface="Noto Sans CJK SC Thin" pitchFamily="34" charset="-127"/>
-                <a:ea typeface="Noto Sans CJK SC Thin" pitchFamily="34" charset="-127"/>
+              <a:rPr lang="en-US" altLang="ko-KR" sz="2400">
+                <a:solidFill>
+                  <a:srgbClr val="ff3399"/>
+                </a:solidFill>
+                <a:latin typeface="Noto Sans CJK SC Thin"/>
+                <a:ea typeface="Noto Sans CJK SC Thin"/>
               </a:rPr>
               <a:t>]</a:t>
             </a:r>
-            <a:endParaRPr lang="en-US" altLang="ko-KR" sz="2400" dirty="0" smtClean="0">
+            <a:endParaRPr lang="en-US" altLang="ko-KR" sz="2400">
               <a:solidFill>
-                <a:srgbClr val="FF3399"/>
+                <a:srgbClr val="ff3399"/>
               </a:solidFill>
-              <a:latin typeface="Noto Sans CJK SC Thin" pitchFamily="34" charset="-127"/>
-              <a:ea typeface="Noto Sans CJK SC Thin" pitchFamily="34" charset="-127"/>
+              <a:latin typeface="Noto Sans CJK SC Thin"/>
+              <a:ea typeface="Noto Sans CJK SC Thin"/>
             </a:endParaRPr>
           </a:p>
         </p:txBody>
@@ -3220,8 +3200,8 @@
         </p:nvSpPr>
         <p:spPr>
           <a:xfrm>
-            <a:off x="3206893" y="2433660"/>
-            <a:ext cx="2730235" cy="923330"/>
+            <a:off x="2185034" y="2433660"/>
+            <a:ext cx="5231282" cy="1736385"/>
           </a:xfrm>
           <a:prstGeom prst="rect">
             <a:avLst/>
@@ -3229,28 +3209,52 @@
           <a:noFill/>
         </p:spPr>
         <p:txBody>
-          <a:bodyPr wrap="none" rtlCol="0">
+          <a:bodyPr wrap="square">
             <a:spAutoFit/>
           </a:bodyPr>
           <a:lstStyle/>
           <a:p>
-            <a:pPr algn="ctr"/>
-            <a:r>
-              <a:rPr lang="ko-KR" altLang="en-US" sz="5400" dirty="0" err="1" smtClean="0">
-                <a:solidFill>
-                  <a:srgbClr val="FF3399"/>
-                </a:solidFill>
-                <a:latin typeface="Noto Sans CJK SC Bold" pitchFamily="34" charset="-127"/>
-                <a:ea typeface="Noto Sans CJK SC Bold" pitchFamily="34" charset="-127"/>
+            <a:pPr algn="ctr">
+              <a:defRPr lang="ko-KR" altLang="en-US"/>
+            </a:pPr>
+            <a:r>
+              <a:rPr lang="en-US" altLang="ko-KR" sz="5400">
+                <a:solidFill>
+                  <a:srgbClr val="ff3399"/>
+                </a:solidFill>
+                <a:latin typeface="Noto Sans CJK SC Bold"/>
+                <a:ea typeface="Noto Sans CJK SC Bold"/>
               </a:rPr>
-              <a:t>미로탐색</a:t>
-            </a:r>
-            <a:endParaRPr lang="ko-KR" altLang="en-US" sz="5400" dirty="0">
+              <a:t>Miro Program</a:t>
+            </a:r>
+            <a:endParaRPr lang="en-US" altLang="ko-KR" sz="5400">
               <a:solidFill>
-                <a:srgbClr val="FF3399"/>
+                <a:srgbClr val="ff3399"/>
               </a:solidFill>
-              <a:latin typeface="Noto Sans CJK SC Bold" pitchFamily="34" charset="-127"/>
-              <a:ea typeface="Noto Sans CJK SC Bold" pitchFamily="34" charset="-127"/>
+              <a:latin typeface="Noto Sans CJK SC Bold"/>
+              <a:ea typeface="Noto Sans CJK SC Bold"/>
+            </a:endParaRPr>
+          </a:p>
+          <a:p>
+            <a:pPr algn="ctr">
+              <a:defRPr lang="ko-KR" altLang="en-US"/>
+            </a:pPr>
+            <a:r>
+              <a:rPr lang="en-US" altLang="ko-KR" sz="5400">
+                <a:solidFill>
+                  <a:srgbClr val="ff3399"/>
+                </a:solidFill>
+                <a:latin typeface="Noto Sans CJK SC Bold"/>
+                <a:ea typeface="Noto Sans CJK SC Bold"/>
+              </a:rPr>
+              <a:t>Refactoring</a:t>
+            </a:r>
+            <a:endParaRPr lang="en-US" altLang="ko-KR" sz="5400">
+              <a:solidFill>
+                <a:srgbClr val="ff3399"/>
+              </a:solidFill>
+              <a:latin typeface="Noto Sans CJK SC Bold"/>
+              <a:ea typeface="Noto Sans CJK SC Bold"/>
             </a:endParaRPr>
           </a:p>
         </p:txBody>
@@ -3263,8 +3267,8 @@
         </p:nvSpPr>
         <p:spPr>
           <a:xfrm>
-            <a:off x="3735876" y="5661310"/>
-            <a:ext cx="1672254" cy="307777"/>
+            <a:off x="3328035" y="5661310"/>
+            <a:ext cx="2506979" cy="423260"/>
           </a:xfrm>
           <a:prstGeom prst="rect">
             <a:avLst/>
@@ -3272,52 +3276,57 @@
           <a:noFill/>
         </p:spPr>
         <p:txBody>
-          <a:bodyPr wrap="none" rtlCol="0">
+          <a:bodyPr wrap="none">
             <a:spAutoFit/>
           </a:bodyPr>
           <a:lstStyle/>
           <a:p>
-            <a:pPr algn="ctr"/>
-            <a:r>
-              <a:rPr lang="en-US" altLang="ko-KR" sz="1400" dirty="0" smtClean="0">
-                <a:solidFill>
-                  <a:srgbClr val="FF3399"/>
-                </a:solidFill>
-                <a:latin typeface="Noto Sans CJK SC Bold" pitchFamily="34" charset="-127"/>
-                <a:ea typeface="Noto Sans CJK SC Bold" pitchFamily="34" charset="-127"/>
+            <a:pPr algn="ctr">
+              <a:defRPr lang="ko-KR" altLang="en-US"/>
+            </a:pPr>
+            <a:r>
+              <a:rPr lang="en-US" altLang="ko-KR" sz="2200">
+                <a:solidFill>
+                  <a:srgbClr val="ff3399"/>
+                </a:solidFill>
+                <a:latin typeface="Noto Sans CJK SC Bold"/>
+                <a:ea typeface="Noto Sans CJK SC Bold"/>
               </a:rPr>
               <a:t>201633019 </a:t>
             </a:r>
             <a:r>
-              <a:rPr lang="ko-KR" altLang="en-US" sz="1400" dirty="0" err="1" smtClean="0">
-                <a:solidFill>
-                  <a:srgbClr val="FF3399"/>
-                </a:solidFill>
-                <a:latin typeface="Noto Sans CJK SC Bold" pitchFamily="34" charset="-127"/>
-                <a:ea typeface="Noto Sans CJK SC Bold" pitchFamily="34" charset="-127"/>
+              <a:rPr lang="ko-KR" altLang="en-US" sz="2200">
+                <a:solidFill>
+                  <a:srgbClr val="ff3399"/>
+                </a:solidFill>
+                <a:latin typeface="Noto Sans CJK SC Bold"/>
+                <a:ea typeface="Noto Sans CJK SC Bold"/>
               </a:rPr>
               <a:t>신소연</a:t>
             </a:r>
-            <a:endParaRPr lang="ko-KR" altLang="en-US" sz="1400" dirty="0">
+            <a:endParaRPr lang="ko-KR" altLang="en-US" sz="2200">
               <a:solidFill>
-                <a:srgbClr val="FF3399"/>
+                <a:srgbClr val="ff3399"/>
               </a:solidFill>
-              <a:latin typeface="Noto Sans CJK SC Bold" pitchFamily="34" charset="-127"/>
-              <a:ea typeface="Noto Sans CJK SC Bold" pitchFamily="34" charset="-127"/>
+              <a:latin typeface="Noto Sans CJK SC Bold"/>
+              <a:ea typeface="Noto Sans CJK SC Bold"/>
             </a:endParaRPr>
           </a:p>
         </p:txBody>
       </p:sp>
     </p:spTree>
-    <p:extLst>
-      <p:ext uri="{BB962C8B-B14F-4D97-AF65-F5344CB8AC3E}">
-        <p14:creationId xmlns:p14="http://schemas.microsoft.com/office/powerpoint/2010/main" val="1126835423"/>
-      </p:ext>
-    </p:extLst>
   </p:cSld>
   <p:clrMapOvr>
     <a:masterClrMapping/>
   </p:clrMapOvr>
+  <mc:AlternateContent xmlns:mc="http://schemas.openxmlformats.org/markup-compatibility/2006">
+    <mc:Choice xmlns:p14="http://schemas.microsoft.com/office/powerpoint/2010/main" Requires="p14">
+      <p:transition xmlns:mc="http://schemas.openxmlformats.org/markup-compatibility/2006" xmlns:p14="http://schemas.microsoft.com/office/powerpoint/2010/main" mc:Ignorable="p14" p14:dur="500"/>
+    </mc:Choice>
+    <mc:Fallback>
+      <p:transition/>
+    </mc:Fallback>
+  </mc:AlternateContent>
 </p:sld>
 </file>
 
@@ -4586,41 +4595,41 @@
 </file>
 
 <file path=ppt/theme/theme1.xml><?xml version="1.0" encoding="utf-8"?>
-<a:theme xmlns:a="http://schemas.openxmlformats.org/drawingml/2006/main" name="Office 테마">
+<a:theme xmlns:r="http://schemas.openxmlformats.org/officeDocument/2006/relationships" xmlns:c="http://schemas.openxmlformats.org/drawingml/2006/chart" xmlns:dgm="http://schemas.openxmlformats.org/drawingml/2006/diagram" xmlns:dsp="http://schemas.microsoft.com/office/drawing/2008/diagram" xmlns:a="http://schemas.openxmlformats.org/drawingml/2006/main" xmlns:pic="http://schemas.openxmlformats.org/drawingml/2006/picture" xmlns:wp="http://schemas.openxmlformats.org/drawingml/2006/wordprocessingDrawing" xmlns:xdr="http://schemas.openxmlformats.org/drawingml/2006/spreadsheetDrawing" name="Office 테마">
   <a:themeElements>
     <a:clrScheme name="Office">
       <a:dk1>
         <a:sysClr val="windowText" lastClr="000000"/>
       </a:dk1>
       <a:lt1>
-        <a:sysClr val="window" lastClr="FFFFFF"/>
+        <a:sysClr val="window" lastClr="ffffff"/>
       </a:lt1>
       <a:dk2>
-        <a:srgbClr val="1F497D"/>
+        <a:srgbClr val="1f497d"/>
       </a:dk2>
       <a:lt2>
-        <a:srgbClr val="EEECE1"/>
+        <a:srgbClr val="eeece1"/>
       </a:lt2>
       <a:accent1>
-        <a:srgbClr val="4F81BD"/>
+        <a:srgbClr val="4f81bd"/>
       </a:accent1>
       <a:accent2>
-        <a:srgbClr val="C0504D"/>
+        <a:srgbClr val="c0504d"/>
       </a:accent2>
       <a:accent3>
-        <a:srgbClr val="9BBB59"/>
+        <a:srgbClr val="9bbb59"/>
       </a:accent3>
       <a:accent4>
-        <a:srgbClr val="8064A2"/>
+        <a:srgbClr val="8064a2"/>
       </a:accent4>
       <a:accent5>
-        <a:srgbClr val="4BACC6"/>
+        <a:srgbClr val="4bacc6"/>
       </a:accent5>
       <a:accent6>
-        <a:srgbClr val="F79646"/>
+        <a:srgbClr val="f79646"/>
       </a:accent6>
       <a:hlink>
-        <a:srgbClr val="0000FF"/>
+        <a:srgbClr val="0000ff"/>
       </a:hlink>
       <a:folHlink>
         <a:srgbClr val="800080"/>
@@ -4800,17 +4809,6 @@
               </a:srgbClr>
             </a:outerShdw>
           </a:effectLst>
-          <a:scene3d>
-            <a:camera prst="orthographicFront">
-              <a:rot lat="0" lon="0" rev="0"/>
-            </a:camera>
-            <a:lightRig rig="threePt" dir="t">
-              <a:rot lat="0" lon="0" rev="1200000"/>
-            </a:lightRig>
-          </a:scene3d>
-          <a:sp3d>
-            <a:bevelT w="63500" h="25400"/>
-          </a:sp3d>
         </a:effectStyle>
       </a:effectStyleLst>
       <a:bgFillStyleLst>
@@ -4865,7 +4863,5 @@
       </a:bgFillStyleLst>
     </a:fmtScheme>
   </a:themeElements>
-  <a:objectDefaults/>
-  <a:extraClrSchemeLst/>
 </a:theme>
 </file>
--- a/윈도우어플리케이션개발_개별발표2_MiroRefactoring_201633019신소연.pptx
+++ b/윈도우어플리케이션개발_개별발표2_MiroRefactoring_201633019신소연.pptx
@@ -1,6 +1,6 @@
 
 <file path=ppt/presentation.xml><?xml version="1.0" encoding="utf-8"?>
-<p:presentation xmlns:r="http://schemas.openxmlformats.org/officeDocument/2006/relationships" xmlns:c="http://schemas.openxmlformats.org/drawingml/2006/chart" xmlns:a="http://schemas.openxmlformats.org/drawingml/2006/main" xmlns:dgm="http://schemas.openxmlformats.org/drawingml/2006/diagram" xmlns:dsp="http://schemas.microsoft.com/office/drawing/2008/diagram" xmlns:p="http://schemas.openxmlformats.org/presentationml/2006/main" saveSubsetFonts="1">
+<p:presentation xmlns:a="http://schemas.openxmlformats.org/drawingml/2006/main" xmlns:r="http://schemas.openxmlformats.org/officeDocument/2006/relationships" xmlns:p="http://schemas.openxmlformats.org/presentationml/2006/main" saveSubsetFonts="1">
   <p:sldMasterIdLst>
     <p:sldMasterId id="2147483660" r:id="rId1"/>
   </p:sldMasterIdLst>
@@ -8,12 +8,15 @@
     <p:sldId id="256" r:id="rId2"/>
     <p:sldId id="257" r:id="rId3"/>
     <p:sldId id="258" r:id="rId4"/>
-    <p:sldId id="259" r:id="rId5"/>
-    <p:sldId id="260" r:id="rId6"/>
-    <p:sldId id="261" r:id="rId7"/>
-    <p:sldId id="262" r:id="rId8"/>
-    <p:sldId id="263" r:id="rId9"/>
-    <p:sldId id="264" r:id="rId10"/>
+    <p:sldId id="270" r:id="rId5"/>
+    <p:sldId id="266" r:id="rId6"/>
+    <p:sldId id="267" r:id="rId7"/>
+    <p:sldId id="268" r:id="rId8"/>
+    <p:sldId id="269" r:id="rId9"/>
+    <p:sldId id="271" r:id="rId10"/>
+    <p:sldId id="272" r:id="rId11"/>
+    <p:sldId id="273" r:id="rId12"/>
+    <p:sldId id="274" r:id="rId13"/>
   </p:sldIdLst>
   <p:sldSz cx="9144000" cy="6858000" type="screen4x3"/>
   <p:notesSz cx="6858000" cy="9144000"/>
@@ -112,6 +115,22 @@
       </a:defRPr>
     </a:lvl9pPr>
   </p:defaultTextStyle>
+  <p:extLst>
+    <p:ext uri="{EFAFB233-063F-42B5-8137-9DF3F51BA10A}">
+      <p15:sldGuideLst xmlns:p15="http://schemas.microsoft.com/office/powerpoint/2012/main">
+        <p15:guide id="1" orient="horz" pos="2159">
+          <p15:clr>
+            <a:srgbClr val="A4A3A4"/>
+          </p15:clr>
+        </p15:guide>
+        <p15:guide id="2" pos="2879">
+          <p15:clr>
+            <a:srgbClr val="A4A3A4"/>
+          </p15:clr>
+        </p15:guide>
+      </p15:sldGuideLst>
+    </p:ext>
+  </p:extLst>
 </p:presentation>
 </file>
 
@@ -296,7 +315,7 @@
           <a:p>
             <a:fld id="{1456B580-5ED3-4800-967E-FCB406CD89B6}" type="datetimeFigureOut">
               <a:rPr lang="ko-KR" altLang="en-US" smtClean="0"/>
-              <a:t>2018-12-12</a:t>
+              <a:t>2018-12-17</a:t>
             </a:fld>
             <a:endParaRPr lang="ko-KR" altLang="en-US"/>
           </a:p>
@@ -466,7 +485,7 @@
           <a:p>
             <a:fld id="{1456B580-5ED3-4800-967E-FCB406CD89B6}" type="datetimeFigureOut">
               <a:rPr lang="ko-KR" altLang="en-US" smtClean="0"/>
-              <a:t>2018-12-12</a:t>
+              <a:t>2018-12-17</a:t>
             </a:fld>
             <a:endParaRPr lang="ko-KR" altLang="en-US"/>
           </a:p>
@@ -646,7 +665,7 @@
           <a:p>
             <a:fld id="{1456B580-5ED3-4800-967E-FCB406CD89B6}" type="datetimeFigureOut">
               <a:rPr lang="ko-KR" altLang="en-US" smtClean="0"/>
-              <a:t>2018-12-12</a:t>
+              <a:t>2018-12-17</a:t>
             </a:fld>
             <a:endParaRPr lang="ko-KR" altLang="en-US"/>
           </a:p>
@@ -816,7 +835,7 @@
           <a:p>
             <a:fld id="{1456B580-5ED3-4800-967E-FCB406CD89B6}" type="datetimeFigureOut">
               <a:rPr lang="ko-KR" altLang="en-US" smtClean="0"/>
-              <a:t>2018-12-12</a:t>
+              <a:t>2018-12-17</a:t>
             </a:fld>
             <a:endParaRPr lang="ko-KR" altLang="en-US"/>
           </a:p>
@@ -1062,7 +1081,7 @@
           <a:p>
             <a:fld id="{1456B580-5ED3-4800-967E-FCB406CD89B6}" type="datetimeFigureOut">
               <a:rPr lang="ko-KR" altLang="en-US" smtClean="0"/>
-              <a:t>2018-12-12</a:t>
+              <a:t>2018-12-17</a:t>
             </a:fld>
             <a:endParaRPr lang="ko-KR" altLang="en-US"/>
           </a:p>
@@ -1350,7 +1369,7 @@
           <a:p>
             <a:fld id="{1456B580-5ED3-4800-967E-FCB406CD89B6}" type="datetimeFigureOut">
               <a:rPr lang="ko-KR" altLang="en-US" smtClean="0"/>
-              <a:t>2018-12-12</a:t>
+              <a:t>2018-12-17</a:t>
             </a:fld>
             <a:endParaRPr lang="ko-KR" altLang="en-US"/>
           </a:p>
@@ -1772,7 +1791,7 @@
           <a:p>
             <a:fld id="{1456B580-5ED3-4800-967E-FCB406CD89B6}" type="datetimeFigureOut">
               <a:rPr lang="ko-KR" altLang="en-US" smtClean="0"/>
-              <a:t>2018-12-12</a:t>
+              <a:t>2018-12-17</a:t>
             </a:fld>
             <a:endParaRPr lang="ko-KR" altLang="en-US"/>
           </a:p>
@@ -1890,7 +1909,7 @@
           <a:p>
             <a:fld id="{1456B580-5ED3-4800-967E-FCB406CD89B6}" type="datetimeFigureOut">
               <a:rPr lang="ko-KR" altLang="en-US" smtClean="0"/>
-              <a:t>2018-12-12</a:t>
+              <a:t>2018-12-17</a:t>
             </a:fld>
             <a:endParaRPr lang="ko-KR" altLang="en-US"/>
           </a:p>
@@ -1985,7 +2004,7 @@
           <a:p>
             <a:fld id="{1456B580-5ED3-4800-967E-FCB406CD89B6}" type="datetimeFigureOut">
               <a:rPr lang="ko-KR" altLang="en-US" smtClean="0"/>
-              <a:t>2018-12-12</a:t>
+              <a:t>2018-12-17</a:t>
             </a:fld>
             <a:endParaRPr lang="ko-KR" altLang="en-US"/>
           </a:p>
@@ -2262,7 +2281,7 @@
           <a:p>
             <a:fld id="{1456B580-5ED3-4800-967E-FCB406CD89B6}" type="datetimeFigureOut">
               <a:rPr lang="ko-KR" altLang="en-US" smtClean="0"/>
-              <a:t>2018-12-12</a:t>
+              <a:t>2018-12-17</a:t>
             </a:fld>
             <a:endParaRPr lang="ko-KR" altLang="en-US"/>
           </a:p>
@@ -2515,7 +2534,7 @@
           <a:p>
             <a:fld id="{1456B580-5ED3-4800-967E-FCB406CD89B6}" type="datetimeFigureOut">
               <a:rPr lang="ko-KR" altLang="en-US" smtClean="0"/>
-              <a:t>2018-12-12</a:t>
+              <a:t>2018-12-17</a:t>
             </a:fld>
             <a:endParaRPr lang="ko-KR" altLang="en-US"/>
           </a:p>
@@ -2728,7 +2747,7 @@
           <a:p>
             <a:fld id="{1456B580-5ED3-4800-967E-FCB406CD89B6}" type="datetimeFigureOut">
               <a:rPr lang="ko-KR" altLang="en-US" smtClean="0"/>
-              <a:t>2018-12-12</a:t>
+              <a:t>2018-12-17</a:t>
             </a:fld>
             <a:endParaRPr lang="ko-KR" altLang="en-US"/>
           </a:p>
@@ -3087,7 +3106,7 @@
 </file>
 
 <file path=ppt/slides/slide1.xml><?xml version="1.0" encoding="utf-8"?>
-<p:sld xmlns:r="http://schemas.openxmlformats.org/officeDocument/2006/relationships" xmlns:c="http://schemas.openxmlformats.org/drawingml/2006/chart" xmlns:a="http://schemas.openxmlformats.org/drawingml/2006/main" xmlns:dgm="http://schemas.openxmlformats.org/drawingml/2006/diagram" xmlns:dsp="http://schemas.microsoft.com/office/drawing/2008/diagram" xmlns:p="http://schemas.openxmlformats.org/presentationml/2006/main">
+<p:sld xmlns:a="http://schemas.openxmlformats.org/drawingml/2006/main" xmlns:r="http://schemas.openxmlformats.org/officeDocument/2006/relationships" xmlns:p="http://schemas.openxmlformats.org/presentationml/2006/main">
   <p:cSld>
     <p:spTree>
       <p:nvGrpSpPr>
@@ -3155,7 +3174,7 @@
             <a:r>
               <a:rPr lang="en-US" altLang="ko-KR" sz="2400">
                 <a:solidFill>
-                  <a:srgbClr val="ff3399"/>
+                  <a:srgbClr val="FF3399"/>
                 </a:solidFill>
                 <a:latin typeface="Noto Sans CJK SC Thin"/>
                 <a:ea typeface="Noto Sans CJK SC Thin"/>
@@ -3165,7 +3184,7 @@
             <a:r>
               <a:rPr lang="ko-KR" altLang="en-US" sz="2400">
                 <a:solidFill>
-                  <a:srgbClr val="ff3399"/>
+                  <a:srgbClr val="FF3399"/>
                 </a:solidFill>
                 <a:latin typeface="Noto Sans CJK SC Thin"/>
                 <a:ea typeface="Noto Sans CJK SC Thin"/>
@@ -3175,20 +3194,13 @@
             <a:r>
               <a:rPr lang="en-US" altLang="ko-KR" sz="2400">
                 <a:solidFill>
-                  <a:srgbClr val="ff3399"/>
+                  <a:srgbClr val="FF3399"/>
                 </a:solidFill>
                 <a:latin typeface="Noto Sans CJK SC Thin"/>
                 <a:ea typeface="Noto Sans CJK SC Thin"/>
               </a:rPr>
               <a:t>]</a:t>
             </a:r>
-            <a:endParaRPr lang="en-US" altLang="ko-KR" sz="2400">
-              <a:solidFill>
-                <a:srgbClr val="ff3399"/>
-              </a:solidFill>
-              <a:latin typeface="Noto Sans CJK SC Thin"/>
-              <a:ea typeface="Noto Sans CJK SC Thin"/>
-            </a:endParaRPr>
           </a:p>
         </p:txBody>
       </p:sp>
@@ -3220,20 +3232,13 @@
             <a:r>
               <a:rPr lang="en-US" altLang="ko-KR" sz="5400">
                 <a:solidFill>
-                  <a:srgbClr val="ff3399"/>
+                  <a:srgbClr val="FF3399"/>
                 </a:solidFill>
                 <a:latin typeface="Noto Sans CJK SC Bold"/>
                 <a:ea typeface="Noto Sans CJK SC Bold"/>
               </a:rPr>
               <a:t>Miro Program</a:t>
             </a:r>
-            <a:endParaRPr lang="en-US" altLang="ko-KR" sz="5400">
-              <a:solidFill>
-                <a:srgbClr val="ff3399"/>
-              </a:solidFill>
-              <a:latin typeface="Noto Sans CJK SC Bold"/>
-              <a:ea typeface="Noto Sans CJK SC Bold"/>
-            </a:endParaRPr>
           </a:p>
           <a:p>
             <a:pPr algn="ctr">
@@ -3242,20 +3247,13 @@
             <a:r>
               <a:rPr lang="en-US" altLang="ko-KR" sz="5400">
                 <a:solidFill>
-                  <a:srgbClr val="ff3399"/>
+                  <a:srgbClr val="FF3399"/>
                 </a:solidFill>
                 <a:latin typeface="Noto Sans CJK SC Bold"/>
                 <a:ea typeface="Noto Sans CJK SC Bold"/>
               </a:rPr>
               <a:t>Refactoring</a:t>
             </a:r>
-            <a:endParaRPr lang="en-US" altLang="ko-KR" sz="5400">
-              <a:solidFill>
-                <a:srgbClr val="ff3399"/>
-              </a:solidFill>
-              <a:latin typeface="Noto Sans CJK SC Bold"/>
-              <a:ea typeface="Noto Sans CJK SC Bold"/>
-            </a:endParaRPr>
           </a:p>
         </p:txBody>
       </p:sp>
@@ -3287,7 +3285,7 @@
             <a:r>
               <a:rPr lang="en-US" altLang="ko-KR" sz="2200">
                 <a:solidFill>
-                  <a:srgbClr val="ff3399"/>
+                  <a:srgbClr val="FF3399"/>
                 </a:solidFill>
                 <a:latin typeface="Noto Sans CJK SC Bold"/>
                 <a:ea typeface="Noto Sans CJK SC Bold"/>
@@ -3297,20 +3295,13 @@
             <a:r>
               <a:rPr lang="ko-KR" altLang="en-US" sz="2200">
                 <a:solidFill>
-                  <a:srgbClr val="ff3399"/>
+                  <a:srgbClr val="FF3399"/>
                 </a:solidFill>
                 <a:latin typeface="Noto Sans CJK SC Bold"/>
                 <a:ea typeface="Noto Sans CJK SC Bold"/>
               </a:rPr>
               <a:t>신소연</a:t>
             </a:r>
-            <a:endParaRPr lang="ko-KR" altLang="en-US" sz="2200">
-              <a:solidFill>
-                <a:srgbClr val="ff3399"/>
-              </a:solidFill>
-              <a:latin typeface="Noto Sans CJK SC Bold"/>
-              <a:ea typeface="Noto Sans CJK SC Bold"/>
-            </a:endParaRPr>
           </a:p>
         </p:txBody>
       </p:sp>
@@ -3319,14 +3310,1301 @@
   <p:clrMapOvr>
     <a:masterClrMapping/>
   </p:clrMapOvr>
-  <mc:AlternateContent xmlns:mc="http://schemas.openxmlformats.org/markup-compatibility/2006">
-    <mc:Choice xmlns:p14="http://schemas.microsoft.com/office/powerpoint/2010/main" Requires="p14">
-      <p:transition xmlns:mc="http://schemas.openxmlformats.org/markup-compatibility/2006" xmlns:p14="http://schemas.microsoft.com/office/powerpoint/2010/main" mc:Ignorable="p14" p14:dur="500"/>
+  <mc:AlternateContent xmlns:mc="http://schemas.openxmlformats.org/markup-compatibility/2006" xmlns:p14="http://schemas.microsoft.com/office/powerpoint/2010/main">
+    <mc:Choice Requires="p14">
+      <p:transition/>
     </mc:Choice>
-    <mc:Fallback>
+    <mc:Fallback xmlns:dsp="http://schemas.microsoft.com/office/drawing/2008/diagram" xmlns:dgm="http://schemas.openxmlformats.org/drawingml/2006/diagram" xmlns:c="http://schemas.openxmlformats.org/drawingml/2006/chart" xmlns="">
       <p:transition/>
     </mc:Fallback>
   </mc:AlternateContent>
+</p:sld>
+</file>
+
+<file path=ppt/slides/slide10.xml><?xml version="1.0" encoding="utf-8"?>
+<p:sld xmlns:a="http://schemas.openxmlformats.org/drawingml/2006/main" xmlns:r="http://schemas.openxmlformats.org/officeDocument/2006/relationships" xmlns:p="http://schemas.openxmlformats.org/presentationml/2006/main">
+  <p:cSld>
+    <p:spTree>
+      <p:nvGrpSpPr>
+        <p:cNvPr id="1" name=""/>
+        <p:cNvGrpSpPr/>
+        <p:nvPr/>
+      </p:nvGrpSpPr>
+      <p:grpSpPr>
+        <a:xfrm>
+          <a:off x="0" y="0"/>
+          <a:ext cx="0" cy="0"/>
+          <a:chOff x="0" y="0"/>
+          <a:chExt cx="0" cy="0"/>
+        </a:xfrm>
+      </p:grpSpPr>
+      <p:pic>
+        <p:nvPicPr>
+          <p:cNvPr id="6" name="그림 5"/>
+          <p:cNvPicPr>
+            <a:picLocks noChangeAspect="1"/>
+          </p:cNvPicPr>
+          <p:nvPr/>
+        </p:nvPicPr>
+        <p:blipFill>
+          <a:blip r:embed="rId2">
+            <a:extLst>
+              <a:ext uri="{28A0092B-C50C-407E-A947-70E740481C1C}">
+                <a14:useLocalDpi xmlns:a14="http://schemas.microsoft.com/office/drawing/2010/main" val="0"/>
+              </a:ext>
+            </a:extLst>
+          </a:blip>
+          <a:stretch>
+            <a:fillRect/>
+          </a:stretch>
+        </p:blipFill>
+        <p:spPr>
+          <a:xfrm>
+            <a:off x="0" y="0"/>
+            <a:ext cx="9144000" cy="6858000"/>
+          </a:xfrm>
+          <a:prstGeom prst="rect">
+            <a:avLst/>
+          </a:prstGeom>
+        </p:spPr>
+      </p:pic>
+      <p:sp>
+        <p:nvSpPr>
+          <p:cNvPr id="9" name="TextBox 8"/>
+          <p:cNvSpPr txBox="1"/>
+          <p:nvPr/>
+        </p:nvSpPr>
+        <p:spPr>
+          <a:xfrm>
+            <a:off x="467430" y="426076"/>
+            <a:ext cx="545342" cy="338554"/>
+          </a:xfrm>
+          <a:prstGeom prst="rect">
+            <a:avLst/>
+          </a:prstGeom>
+          <a:noFill/>
+          <a:ln>
+            <a:noFill/>
+          </a:ln>
+          <a:effectLst>
+            <a:outerShdw blurRad="50800" dist="50800" dir="5400000" sx="1000" sy="1000" algn="ctr" rotWithShape="0">
+              <a:srgbClr val="000000"/>
+            </a:outerShdw>
+          </a:effectLst>
+        </p:spPr>
+        <p:txBody>
+          <a:bodyPr wrap="none" rtlCol="0">
+            <a:spAutoFit/>
+          </a:bodyPr>
+          <a:lstStyle/>
+          <a:p>
+            <a:r>
+              <a:rPr lang="en-US" altLang="ko-KR" sz="1600" dirty="0" smtClean="0">
+                <a:solidFill>
+                  <a:srgbClr val="FF3399"/>
+                </a:solidFill>
+                <a:latin typeface="Noto Sans CJK SC Bold" pitchFamily="34" charset="-127"/>
+                <a:ea typeface="Noto Sans CJK SC Bold" pitchFamily="34" charset="-127"/>
+              </a:rPr>
+              <a:t>#03</a:t>
+            </a:r>
+            <a:endParaRPr lang="ko-KR" altLang="en-US" sz="1600" dirty="0">
+              <a:solidFill>
+                <a:srgbClr val="FF3399"/>
+              </a:solidFill>
+              <a:latin typeface="Noto Sans CJK SC Bold" pitchFamily="34" charset="-127"/>
+              <a:ea typeface="Noto Sans CJK SC Bold" pitchFamily="34" charset="-127"/>
+            </a:endParaRPr>
+          </a:p>
+        </p:txBody>
+      </p:sp>
+      <p:sp>
+        <p:nvSpPr>
+          <p:cNvPr id="10" name="TextBox 9"/>
+          <p:cNvSpPr txBox="1"/>
+          <p:nvPr/>
+        </p:nvSpPr>
+        <p:spPr>
+          <a:xfrm>
+            <a:off x="899592" y="372202"/>
+            <a:ext cx="3262432" cy="461665"/>
+          </a:xfrm>
+          <a:prstGeom prst="rect">
+            <a:avLst/>
+          </a:prstGeom>
+          <a:noFill/>
+        </p:spPr>
+        <p:txBody>
+          <a:bodyPr wrap="none" rtlCol="0">
+            <a:spAutoFit/>
+          </a:bodyPr>
+          <a:lstStyle/>
+          <a:p>
+            <a:r>
+              <a:rPr lang="ko-KR" altLang="en-US" sz="2400" dirty="0" smtClean="0">
+                <a:solidFill>
+                  <a:srgbClr val="FF3399"/>
+                </a:solidFill>
+                <a:latin typeface="Noto Sans CJK SC Bold" pitchFamily="34" charset="-127"/>
+                <a:ea typeface="Noto Sans CJK SC Bold" pitchFamily="34" charset="-127"/>
+              </a:rPr>
+              <a:t>클래스관계도 </a:t>
+            </a:r>
+            <a:r>
+              <a:rPr lang="en-US" altLang="ko-KR" sz="2400" dirty="0" smtClean="0">
+                <a:solidFill>
+                  <a:srgbClr val="FF3399"/>
+                </a:solidFill>
+                <a:latin typeface="Noto Sans CJK SC Bold" pitchFamily="34" charset="-127"/>
+                <a:ea typeface="Noto Sans CJK SC Bold" pitchFamily="34" charset="-127"/>
+              </a:rPr>
+              <a:t>: </a:t>
+            </a:r>
+            <a:r>
+              <a:rPr lang="ko-KR" altLang="en-US" sz="2400" dirty="0" err="1" smtClean="0">
+                <a:solidFill>
+                  <a:srgbClr val="FF3399"/>
+                </a:solidFill>
+                <a:latin typeface="Noto Sans CJK SC Bold" pitchFamily="34" charset="-127"/>
+                <a:ea typeface="Noto Sans CJK SC Bold" pitchFamily="34" charset="-127"/>
+              </a:rPr>
+              <a:t>상속관계</a:t>
+            </a:r>
+            <a:endParaRPr lang="ko-KR" altLang="en-US" sz="2400" dirty="0">
+              <a:solidFill>
+                <a:srgbClr val="FF3399"/>
+              </a:solidFill>
+              <a:latin typeface="Noto Sans CJK SC Bold" pitchFamily="34" charset="-127"/>
+              <a:ea typeface="Noto Sans CJK SC Bold" pitchFamily="34" charset="-127"/>
+            </a:endParaRPr>
+          </a:p>
+        </p:txBody>
+      </p:sp>
+      <p:sp>
+        <p:nvSpPr>
+          <p:cNvPr id="2" name="직사각형 1"/>
+          <p:cNvSpPr/>
+          <p:nvPr/>
+        </p:nvSpPr>
+        <p:spPr>
+          <a:xfrm>
+            <a:off x="3311860" y="2096852"/>
+            <a:ext cx="2052228" cy="945778"/>
+          </a:xfrm>
+          <a:prstGeom prst="rect">
+            <a:avLst/>
+          </a:prstGeom>
+          <a:solidFill>
+            <a:schemeClr val="accent2">
+              <a:lumMod val="60000"/>
+              <a:lumOff val="40000"/>
+            </a:schemeClr>
+          </a:solidFill>
+          <a:ln>
+            <a:noFill/>
+          </a:ln>
+        </p:spPr>
+        <p:style>
+          <a:lnRef idx="2">
+            <a:schemeClr val="accent1">
+              <a:shade val="50000"/>
+            </a:schemeClr>
+          </a:lnRef>
+          <a:fillRef idx="1">
+            <a:schemeClr val="accent1"/>
+          </a:fillRef>
+          <a:effectRef idx="0">
+            <a:schemeClr val="accent1"/>
+          </a:effectRef>
+          <a:fontRef idx="minor">
+            <a:schemeClr val="lt1"/>
+          </a:fontRef>
+        </p:style>
+        <p:txBody>
+          <a:bodyPr rtlCol="0" anchor="ctr"/>
+          <a:lstStyle/>
+          <a:p>
+            <a:pPr algn="ctr"/>
+            <a:r>
+              <a:rPr lang="en-US" altLang="ko-KR" dirty="0" err="1" smtClean="0"/>
+              <a:t>ViewModelBase</a:t>
+            </a:r>
+            <a:endParaRPr lang="ko-KR" altLang="en-US" dirty="0"/>
+          </a:p>
+        </p:txBody>
+      </p:sp>
+      <p:sp>
+        <p:nvSpPr>
+          <p:cNvPr id="8" name="직사각형 7"/>
+          <p:cNvSpPr/>
+          <p:nvPr/>
+        </p:nvSpPr>
+        <p:spPr>
+          <a:xfrm>
+            <a:off x="2102808" y="3945116"/>
+            <a:ext cx="2052228" cy="945778"/>
+          </a:xfrm>
+          <a:prstGeom prst="rect">
+            <a:avLst/>
+          </a:prstGeom>
+          <a:solidFill>
+            <a:schemeClr val="accent2">
+              <a:lumMod val="60000"/>
+              <a:lumOff val="40000"/>
+            </a:schemeClr>
+          </a:solidFill>
+          <a:ln>
+            <a:noFill/>
+          </a:ln>
+        </p:spPr>
+        <p:style>
+          <a:lnRef idx="2">
+            <a:schemeClr val="accent1">
+              <a:shade val="50000"/>
+            </a:schemeClr>
+          </a:lnRef>
+          <a:fillRef idx="1">
+            <a:schemeClr val="accent1"/>
+          </a:fillRef>
+          <a:effectRef idx="0">
+            <a:schemeClr val="accent1"/>
+          </a:effectRef>
+          <a:fontRef idx="minor">
+            <a:schemeClr val="lt1"/>
+          </a:fontRef>
+        </p:style>
+        <p:txBody>
+          <a:bodyPr rtlCol="0" anchor="ctr"/>
+          <a:lstStyle/>
+          <a:p>
+            <a:pPr algn="ctr"/>
+            <a:r>
+              <a:rPr lang="en-US" altLang="ko-KR" dirty="0" err="1" smtClean="0"/>
+              <a:t>ViewModelBase</a:t>
+            </a:r>
+            <a:endParaRPr lang="ko-KR" altLang="en-US" dirty="0"/>
+          </a:p>
+        </p:txBody>
+      </p:sp>
+      <p:sp>
+        <p:nvSpPr>
+          <p:cNvPr id="11" name="직사각형 10"/>
+          <p:cNvSpPr/>
+          <p:nvPr/>
+        </p:nvSpPr>
+        <p:spPr>
+          <a:xfrm>
+            <a:off x="4540883" y="3942069"/>
+            <a:ext cx="2052228" cy="945778"/>
+          </a:xfrm>
+          <a:prstGeom prst="rect">
+            <a:avLst/>
+          </a:prstGeom>
+          <a:solidFill>
+            <a:schemeClr val="accent2">
+              <a:lumMod val="60000"/>
+              <a:lumOff val="40000"/>
+            </a:schemeClr>
+          </a:solidFill>
+          <a:ln>
+            <a:noFill/>
+          </a:ln>
+        </p:spPr>
+        <p:style>
+          <a:lnRef idx="2">
+            <a:schemeClr val="accent1">
+              <a:shade val="50000"/>
+            </a:schemeClr>
+          </a:lnRef>
+          <a:fillRef idx="1">
+            <a:schemeClr val="accent1"/>
+          </a:fillRef>
+          <a:effectRef idx="0">
+            <a:schemeClr val="accent1"/>
+          </a:effectRef>
+          <a:fontRef idx="minor">
+            <a:schemeClr val="lt1"/>
+          </a:fontRef>
+        </p:style>
+        <p:txBody>
+          <a:bodyPr rtlCol="0" anchor="ctr"/>
+          <a:lstStyle/>
+          <a:p>
+            <a:pPr algn="ctr"/>
+            <a:r>
+              <a:rPr lang="en-US" altLang="ko-KR" dirty="0" err="1" smtClean="0"/>
+              <a:t>ViewModelBase</a:t>
+            </a:r>
+            <a:endParaRPr lang="ko-KR" altLang="en-US" dirty="0"/>
+          </a:p>
+        </p:txBody>
+      </p:sp>
+      <p:cxnSp>
+        <p:nvCxnSpPr>
+          <p:cNvPr id="4" name="직선 화살표 연결선 3"/>
+          <p:cNvCxnSpPr>
+            <a:stCxn id="8" idx="0"/>
+          </p:cNvCxnSpPr>
+          <p:nvPr/>
+        </p:nvCxnSpPr>
+        <p:spPr>
+          <a:xfrm flipV="1">
+            <a:off x="3128922" y="3092015"/>
+            <a:ext cx="730420" cy="853101"/>
+          </a:xfrm>
+          <a:prstGeom prst="straightConnector1">
+            <a:avLst/>
+          </a:prstGeom>
+          <a:ln>
+            <a:tailEnd type="triangle"/>
+          </a:ln>
+        </p:spPr>
+        <p:style>
+          <a:lnRef idx="1">
+            <a:schemeClr val="accent1"/>
+          </a:lnRef>
+          <a:fillRef idx="0">
+            <a:schemeClr val="accent1"/>
+          </a:fillRef>
+          <a:effectRef idx="0">
+            <a:schemeClr val="accent1"/>
+          </a:effectRef>
+          <a:fontRef idx="minor">
+            <a:schemeClr val="tx1"/>
+          </a:fontRef>
+        </p:style>
+      </p:cxnSp>
+      <p:cxnSp>
+        <p:nvCxnSpPr>
+          <p:cNvPr id="12" name="직선 화살표 연결선 11"/>
+          <p:cNvCxnSpPr/>
+          <p:nvPr/>
+        </p:nvCxnSpPr>
+        <p:spPr>
+          <a:xfrm flipH="1" flipV="1">
+            <a:off x="4680012" y="3092015"/>
+            <a:ext cx="886986" cy="850054"/>
+          </a:xfrm>
+          <a:prstGeom prst="straightConnector1">
+            <a:avLst/>
+          </a:prstGeom>
+          <a:ln>
+            <a:tailEnd type="triangle"/>
+          </a:ln>
+        </p:spPr>
+        <p:style>
+          <a:lnRef idx="1">
+            <a:schemeClr val="accent1"/>
+          </a:lnRef>
+          <a:fillRef idx="0">
+            <a:schemeClr val="accent1"/>
+          </a:fillRef>
+          <a:effectRef idx="0">
+            <a:schemeClr val="accent1"/>
+          </a:effectRef>
+          <a:fontRef idx="minor">
+            <a:schemeClr val="tx1"/>
+          </a:fontRef>
+        </p:style>
+      </p:cxnSp>
+    </p:spTree>
+    <p:extLst>
+      <p:ext uri="{BB962C8B-B14F-4D97-AF65-F5344CB8AC3E}">
+        <p14:creationId xmlns:p14="http://schemas.microsoft.com/office/powerpoint/2010/main" val="1275865505"/>
+      </p:ext>
+    </p:extLst>
+  </p:cSld>
+  <p:clrMapOvr>
+    <a:masterClrMapping/>
+  </p:clrMapOvr>
+</p:sld>
+</file>
+
+<file path=ppt/slides/slide11.xml><?xml version="1.0" encoding="utf-8"?>
+<p:sld xmlns:a="http://schemas.openxmlformats.org/drawingml/2006/main" xmlns:r="http://schemas.openxmlformats.org/officeDocument/2006/relationships" xmlns:p="http://schemas.openxmlformats.org/presentationml/2006/main">
+  <p:cSld>
+    <p:spTree>
+      <p:nvGrpSpPr>
+        <p:cNvPr id="1" name=""/>
+        <p:cNvGrpSpPr/>
+        <p:nvPr/>
+      </p:nvGrpSpPr>
+      <p:grpSpPr>
+        <a:xfrm>
+          <a:off x="0" y="0"/>
+          <a:ext cx="0" cy="0"/>
+          <a:chOff x="0" y="0"/>
+          <a:chExt cx="0" cy="0"/>
+        </a:xfrm>
+      </p:grpSpPr>
+      <p:pic>
+        <p:nvPicPr>
+          <p:cNvPr id="6" name="그림 5"/>
+          <p:cNvPicPr>
+            <a:picLocks noChangeAspect="1"/>
+          </p:cNvPicPr>
+          <p:nvPr/>
+        </p:nvPicPr>
+        <p:blipFill>
+          <a:blip r:embed="rId2">
+            <a:extLst>
+              <a:ext uri="{28A0092B-C50C-407E-A947-70E740481C1C}">
+                <a14:useLocalDpi xmlns:a14="http://schemas.microsoft.com/office/drawing/2010/main" val="0"/>
+              </a:ext>
+            </a:extLst>
+          </a:blip>
+          <a:stretch>
+            <a:fillRect/>
+          </a:stretch>
+        </p:blipFill>
+        <p:spPr>
+          <a:xfrm>
+            <a:off x="0" y="0"/>
+            <a:ext cx="9144000" cy="6858000"/>
+          </a:xfrm>
+          <a:prstGeom prst="rect">
+            <a:avLst/>
+          </a:prstGeom>
+        </p:spPr>
+      </p:pic>
+      <p:sp>
+        <p:nvSpPr>
+          <p:cNvPr id="9" name="TextBox 8"/>
+          <p:cNvSpPr txBox="1"/>
+          <p:nvPr/>
+        </p:nvSpPr>
+        <p:spPr>
+          <a:xfrm>
+            <a:off x="467430" y="426076"/>
+            <a:ext cx="545342" cy="338554"/>
+          </a:xfrm>
+          <a:prstGeom prst="rect">
+            <a:avLst/>
+          </a:prstGeom>
+          <a:noFill/>
+          <a:ln>
+            <a:noFill/>
+          </a:ln>
+          <a:effectLst>
+            <a:outerShdw blurRad="50800" dist="50800" dir="5400000" sx="1000" sy="1000" algn="ctr" rotWithShape="0">
+              <a:srgbClr val="000000"/>
+            </a:outerShdw>
+          </a:effectLst>
+        </p:spPr>
+        <p:txBody>
+          <a:bodyPr wrap="none" rtlCol="0">
+            <a:spAutoFit/>
+          </a:bodyPr>
+          <a:lstStyle/>
+          <a:p>
+            <a:r>
+              <a:rPr lang="en-US" altLang="ko-KR" sz="1600" dirty="0" smtClean="0">
+                <a:solidFill>
+                  <a:srgbClr val="FF3399"/>
+                </a:solidFill>
+                <a:latin typeface="Noto Sans CJK SC Bold" pitchFamily="34" charset="-127"/>
+                <a:ea typeface="Noto Sans CJK SC Bold" pitchFamily="34" charset="-127"/>
+              </a:rPr>
+              <a:t>#03</a:t>
+            </a:r>
+            <a:endParaRPr lang="ko-KR" altLang="en-US" sz="1600" dirty="0">
+              <a:solidFill>
+                <a:srgbClr val="FF3399"/>
+              </a:solidFill>
+              <a:latin typeface="Noto Sans CJK SC Bold" pitchFamily="34" charset="-127"/>
+              <a:ea typeface="Noto Sans CJK SC Bold" pitchFamily="34" charset="-127"/>
+            </a:endParaRPr>
+          </a:p>
+        </p:txBody>
+      </p:sp>
+      <p:sp>
+        <p:nvSpPr>
+          <p:cNvPr id="10" name="TextBox 9"/>
+          <p:cNvSpPr txBox="1"/>
+          <p:nvPr/>
+        </p:nvSpPr>
+        <p:spPr>
+          <a:xfrm>
+            <a:off x="899592" y="372202"/>
+            <a:ext cx="3262432" cy="461665"/>
+          </a:xfrm>
+          <a:prstGeom prst="rect">
+            <a:avLst/>
+          </a:prstGeom>
+          <a:noFill/>
+        </p:spPr>
+        <p:txBody>
+          <a:bodyPr wrap="none" rtlCol="0">
+            <a:spAutoFit/>
+          </a:bodyPr>
+          <a:lstStyle/>
+          <a:p>
+            <a:r>
+              <a:rPr lang="ko-KR" altLang="en-US" sz="2400" dirty="0" smtClean="0">
+                <a:solidFill>
+                  <a:srgbClr val="FF3399"/>
+                </a:solidFill>
+                <a:latin typeface="Noto Sans CJK SC Bold" pitchFamily="34" charset="-127"/>
+                <a:ea typeface="Noto Sans CJK SC Bold" pitchFamily="34" charset="-127"/>
+              </a:rPr>
+              <a:t>클래스관계도 </a:t>
+            </a:r>
+            <a:r>
+              <a:rPr lang="en-US" altLang="ko-KR" sz="2400" dirty="0" smtClean="0">
+                <a:solidFill>
+                  <a:srgbClr val="FF3399"/>
+                </a:solidFill>
+                <a:latin typeface="Noto Sans CJK SC Bold" pitchFamily="34" charset="-127"/>
+                <a:ea typeface="Noto Sans CJK SC Bold" pitchFamily="34" charset="-127"/>
+              </a:rPr>
+              <a:t>: </a:t>
+            </a:r>
+            <a:r>
+              <a:rPr lang="ko-KR" altLang="en-US" sz="2400" dirty="0" err="1" smtClean="0">
+                <a:solidFill>
+                  <a:srgbClr val="FF3399"/>
+                </a:solidFill>
+                <a:latin typeface="Noto Sans CJK SC Bold" pitchFamily="34" charset="-127"/>
+                <a:ea typeface="Noto Sans CJK SC Bold" pitchFamily="34" charset="-127"/>
+              </a:rPr>
+              <a:t>집합관계</a:t>
+            </a:r>
+            <a:endParaRPr lang="ko-KR" altLang="en-US" sz="2400" dirty="0">
+              <a:solidFill>
+                <a:srgbClr val="FF3399"/>
+              </a:solidFill>
+              <a:latin typeface="Noto Sans CJK SC Bold" pitchFamily="34" charset="-127"/>
+              <a:ea typeface="Noto Sans CJK SC Bold" pitchFamily="34" charset="-127"/>
+            </a:endParaRPr>
+          </a:p>
+        </p:txBody>
+      </p:sp>
+      <p:sp>
+        <p:nvSpPr>
+          <p:cNvPr id="2" name="직사각형 1"/>
+          <p:cNvSpPr/>
+          <p:nvPr/>
+        </p:nvSpPr>
+        <p:spPr>
+          <a:xfrm>
+            <a:off x="3311860" y="2096852"/>
+            <a:ext cx="2052228" cy="945778"/>
+          </a:xfrm>
+          <a:prstGeom prst="rect">
+            <a:avLst/>
+          </a:prstGeom>
+          <a:solidFill>
+            <a:schemeClr val="accent2">
+              <a:lumMod val="60000"/>
+              <a:lumOff val="40000"/>
+            </a:schemeClr>
+          </a:solidFill>
+          <a:ln>
+            <a:noFill/>
+          </a:ln>
+        </p:spPr>
+        <p:style>
+          <a:lnRef idx="2">
+            <a:schemeClr val="accent1">
+              <a:shade val="50000"/>
+            </a:schemeClr>
+          </a:lnRef>
+          <a:fillRef idx="1">
+            <a:schemeClr val="accent1"/>
+          </a:fillRef>
+          <a:effectRef idx="0">
+            <a:schemeClr val="accent1"/>
+          </a:effectRef>
+          <a:fontRef idx="minor">
+            <a:schemeClr val="lt1"/>
+          </a:fontRef>
+        </p:style>
+        <p:txBody>
+          <a:bodyPr rtlCol="0" anchor="ctr"/>
+          <a:lstStyle/>
+          <a:p>
+            <a:pPr algn="ctr"/>
+            <a:r>
+              <a:rPr lang="en-US" altLang="ko-KR" dirty="0"/>
+              <a:t> </a:t>
+            </a:r>
+            <a:r>
+              <a:rPr lang="en-US" altLang="ko-KR" dirty="0" smtClean="0"/>
+              <a:t>Node</a:t>
+            </a:r>
+            <a:endParaRPr lang="ko-KR" altLang="en-US" dirty="0"/>
+          </a:p>
+        </p:txBody>
+      </p:sp>
+      <p:sp>
+        <p:nvSpPr>
+          <p:cNvPr id="8" name="직사각형 7"/>
+          <p:cNvSpPr/>
+          <p:nvPr/>
+        </p:nvSpPr>
+        <p:spPr>
+          <a:xfrm>
+            <a:off x="2102808" y="3945116"/>
+            <a:ext cx="2052228" cy="945778"/>
+          </a:xfrm>
+          <a:prstGeom prst="rect">
+            <a:avLst/>
+          </a:prstGeom>
+          <a:solidFill>
+            <a:schemeClr val="accent2">
+              <a:lumMod val="60000"/>
+              <a:lumOff val="40000"/>
+            </a:schemeClr>
+          </a:solidFill>
+          <a:ln>
+            <a:noFill/>
+          </a:ln>
+        </p:spPr>
+        <p:style>
+          <a:lnRef idx="2">
+            <a:schemeClr val="accent1">
+              <a:shade val="50000"/>
+            </a:schemeClr>
+          </a:lnRef>
+          <a:fillRef idx="1">
+            <a:schemeClr val="accent1"/>
+          </a:fillRef>
+          <a:effectRef idx="0">
+            <a:schemeClr val="accent1"/>
+          </a:effectRef>
+          <a:fontRef idx="minor">
+            <a:schemeClr val="lt1"/>
+          </a:fontRef>
+        </p:style>
+        <p:txBody>
+          <a:bodyPr rtlCol="0" anchor="ctr"/>
+          <a:lstStyle/>
+          <a:p>
+            <a:pPr algn="ctr"/>
+            <a:r>
+              <a:rPr lang="en-US" altLang="ko-KR" dirty="0" err="1" smtClean="0"/>
+              <a:t>LinkedQueue</a:t>
+            </a:r>
+            <a:endParaRPr lang="ko-KR" altLang="en-US" dirty="0"/>
+          </a:p>
+        </p:txBody>
+      </p:sp>
+      <p:sp>
+        <p:nvSpPr>
+          <p:cNvPr id="11" name="직사각형 10"/>
+          <p:cNvSpPr/>
+          <p:nvPr/>
+        </p:nvSpPr>
+        <p:spPr>
+          <a:xfrm>
+            <a:off x="4540883" y="3942069"/>
+            <a:ext cx="2052228" cy="945778"/>
+          </a:xfrm>
+          <a:prstGeom prst="rect">
+            <a:avLst/>
+          </a:prstGeom>
+          <a:solidFill>
+            <a:schemeClr val="accent2">
+              <a:lumMod val="60000"/>
+              <a:lumOff val="40000"/>
+            </a:schemeClr>
+          </a:solidFill>
+          <a:ln>
+            <a:noFill/>
+          </a:ln>
+        </p:spPr>
+        <p:style>
+          <a:lnRef idx="2">
+            <a:schemeClr val="accent1">
+              <a:shade val="50000"/>
+            </a:schemeClr>
+          </a:lnRef>
+          <a:fillRef idx="1">
+            <a:schemeClr val="accent1"/>
+          </a:fillRef>
+          <a:effectRef idx="0">
+            <a:schemeClr val="accent1"/>
+          </a:effectRef>
+          <a:fontRef idx="minor">
+            <a:schemeClr val="lt1"/>
+          </a:fontRef>
+        </p:style>
+        <p:txBody>
+          <a:bodyPr rtlCol="0" anchor="ctr"/>
+          <a:lstStyle/>
+          <a:p>
+            <a:pPr algn="ctr"/>
+            <a:r>
+              <a:rPr lang="en-US" altLang="ko-KR" dirty="0" err="1" smtClean="0"/>
+              <a:t>LinkedStack</a:t>
+            </a:r>
+            <a:endParaRPr lang="ko-KR" altLang="en-US" dirty="0"/>
+          </a:p>
+        </p:txBody>
+      </p:sp>
+      <p:cxnSp>
+        <p:nvCxnSpPr>
+          <p:cNvPr id="4" name="직선 화살표 연결선 3"/>
+          <p:cNvCxnSpPr>
+            <a:stCxn id="8" idx="0"/>
+          </p:cNvCxnSpPr>
+          <p:nvPr/>
+        </p:nvCxnSpPr>
+        <p:spPr>
+          <a:xfrm flipV="1">
+            <a:off x="3128922" y="3092015"/>
+            <a:ext cx="730420" cy="853101"/>
+          </a:xfrm>
+          <a:prstGeom prst="straightConnector1">
+            <a:avLst/>
+          </a:prstGeom>
+          <a:ln>
+            <a:tailEnd type="triangle"/>
+          </a:ln>
+        </p:spPr>
+        <p:style>
+          <a:lnRef idx="1">
+            <a:schemeClr val="accent1"/>
+          </a:lnRef>
+          <a:fillRef idx="0">
+            <a:schemeClr val="accent1"/>
+          </a:fillRef>
+          <a:effectRef idx="0">
+            <a:schemeClr val="accent1"/>
+          </a:effectRef>
+          <a:fontRef idx="minor">
+            <a:schemeClr val="tx1"/>
+          </a:fontRef>
+        </p:style>
+      </p:cxnSp>
+      <p:cxnSp>
+        <p:nvCxnSpPr>
+          <p:cNvPr id="12" name="직선 화살표 연결선 11"/>
+          <p:cNvCxnSpPr/>
+          <p:nvPr/>
+        </p:nvCxnSpPr>
+        <p:spPr>
+          <a:xfrm flipH="1" flipV="1">
+            <a:off x="4680012" y="3092015"/>
+            <a:ext cx="886986" cy="850054"/>
+          </a:xfrm>
+          <a:prstGeom prst="straightConnector1">
+            <a:avLst/>
+          </a:prstGeom>
+          <a:ln>
+            <a:tailEnd type="triangle"/>
+          </a:ln>
+        </p:spPr>
+        <p:style>
+          <a:lnRef idx="1">
+            <a:schemeClr val="accent1"/>
+          </a:lnRef>
+          <a:fillRef idx="0">
+            <a:schemeClr val="accent1"/>
+          </a:fillRef>
+          <a:effectRef idx="0">
+            <a:schemeClr val="accent1"/>
+          </a:effectRef>
+          <a:fontRef idx="minor">
+            <a:schemeClr val="tx1"/>
+          </a:fontRef>
+        </p:style>
+      </p:cxnSp>
+    </p:spTree>
+    <p:extLst>
+      <p:ext uri="{BB962C8B-B14F-4D97-AF65-F5344CB8AC3E}">
+        <p14:creationId xmlns:p14="http://schemas.microsoft.com/office/powerpoint/2010/main" val="3216337343"/>
+      </p:ext>
+    </p:extLst>
+  </p:cSld>
+  <p:clrMapOvr>
+    <a:masterClrMapping/>
+  </p:clrMapOvr>
+</p:sld>
+</file>
+
+<file path=ppt/slides/slide12.xml><?xml version="1.0" encoding="utf-8"?>
+<p:sld xmlns:a="http://schemas.openxmlformats.org/drawingml/2006/main" xmlns:r="http://schemas.openxmlformats.org/officeDocument/2006/relationships" xmlns:p="http://schemas.openxmlformats.org/presentationml/2006/main">
+  <p:cSld>
+    <p:spTree>
+      <p:nvGrpSpPr>
+        <p:cNvPr id="1" name=""/>
+        <p:cNvGrpSpPr/>
+        <p:nvPr/>
+      </p:nvGrpSpPr>
+      <p:grpSpPr>
+        <a:xfrm>
+          <a:off x="0" y="0"/>
+          <a:ext cx="0" cy="0"/>
+          <a:chOff x="0" y="0"/>
+          <a:chExt cx="0" cy="0"/>
+        </a:xfrm>
+      </p:grpSpPr>
+      <p:pic>
+        <p:nvPicPr>
+          <p:cNvPr id="6" name="그림 5"/>
+          <p:cNvPicPr>
+            <a:picLocks noChangeAspect="1"/>
+          </p:cNvPicPr>
+          <p:nvPr/>
+        </p:nvPicPr>
+        <p:blipFill>
+          <a:blip r:embed="rId2">
+            <a:extLst>
+              <a:ext uri="{28A0092B-C50C-407E-A947-70E740481C1C}">
+                <a14:useLocalDpi xmlns:a14="http://schemas.microsoft.com/office/drawing/2010/main" val="0"/>
+              </a:ext>
+            </a:extLst>
+          </a:blip>
+          <a:stretch>
+            <a:fillRect/>
+          </a:stretch>
+        </p:blipFill>
+        <p:spPr>
+          <a:xfrm>
+            <a:off x="0" y="0"/>
+            <a:ext cx="9144000" cy="6858000"/>
+          </a:xfrm>
+          <a:prstGeom prst="rect">
+            <a:avLst/>
+          </a:prstGeom>
+        </p:spPr>
+      </p:pic>
+      <p:sp>
+        <p:nvSpPr>
+          <p:cNvPr id="9" name="TextBox 8"/>
+          <p:cNvSpPr txBox="1"/>
+          <p:nvPr/>
+        </p:nvSpPr>
+        <p:spPr>
+          <a:xfrm>
+            <a:off x="467430" y="426076"/>
+            <a:ext cx="545342" cy="338554"/>
+          </a:xfrm>
+          <a:prstGeom prst="rect">
+            <a:avLst/>
+          </a:prstGeom>
+          <a:noFill/>
+          <a:ln>
+            <a:noFill/>
+          </a:ln>
+          <a:effectLst>
+            <a:outerShdw blurRad="50800" dist="50800" dir="5400000" sx="1000" sy="1000" algn="ctr" rotWithShape="0">
+              <a:srgbClr val="000000"/>
+            </a:outerShdw>
+          </a:effectLst>
+        </p:spPr>
+        <p:txBody>
+          <a:bodyPr wrap="none" rtlCol="0">
+            <a:spAutoFit/>
+          </a:bodyPr>
+          <a:lstStyle/>
+          <a:p>
+            <a:r>
+              <a:rPr lang="en-US" altLang="ko-KR" sz="1600" dirty="0" smtClean="0">
+                <a:solidFill>
+                  <a:srgbClr val="FF3399"/>
+                </a:solidFill>
+                <a:latin typeface="Noto Sans CJK SC Bold" pitchFamily="34" charset="-127"/>
+                <a:ea typeface="Noto Sans CJK SC Bold" pitchFamily="34" charset="-127"/>
+              </a:rPr>
+              <a:t>#03</a:t>
+            </a:r>
+            <a:endParaRPr lang="ko-KR" altLang="en-US" sz="1600" dirty="0">
+              <a:solidFill>
+                <a:srgbClr val="FF3399"/>
+              </a:solidFill>
+              <a:latin typeface="Noto Sans CJK SC Bold" pitchFamily="34" charset="-127"/>
+              <a:ea typeface="Noto Sans CJK SC Bold" pitchFamily="34" charset="-127"/>
+            </a:endParaRPr>
+          </a:p>
+        </p:txBody>
+      </p:sp>
+      <p:sp>
+        <p:nvSpPr>
+          <p:cNvPr id="10" name="TextBox 9"/>
+          <p:cNvSpPr txBox="1"/>
+          <p:nvPr/>
+        </p:nvSpPr>
+        <p:spPr>
+          <a:xfrm>
+            <a:off x="899592" y="372202"/>
+            <a:ext cx="3262432" cy="461665"/>
+          </a:xfrm>
+          <a:prstGeom prst="rect">
+            <a:avLst/>
+          </a:prstGeom>
+          <a:noFill/>
+        </p:spPr>
+        <p:txBody>
+          <a:bodyPr wrap="none" rtlCol="0">
+            <a:spAutoFit/>
+          </a:bodyPr>
+          <a:lstStyle/>
+          <a:p>
+            <a:r>
+              <a:rPr lang="ko-KR" altLang="en-US" sz="2400" dirty="0" smtClean="0">
+                <a:solidFill>
+                  <a:srgbClr val="FF3399"/>
+                </a:solidFill>
+                <a:latin typeface="Noto Sans CJK SC Bold" pitchFamily="34" charset="-127"/>
+                <a:ea typeface="Noto Sans CJK SC Bold" pitchFamily="34" charset="-127"/>
+              </a:rPr>
+              <a:t>클래스관계도 </a:t>
+            </a:r>
+            <a:r>
+              <a:rPr lang="en-US" altLang="ko-KR" sz="2400" dirty="0" smtClean="0">
+                <a:solidFill>
+                  <a:srgbClr val="FF3399"/>
+                </a:solidFill>
+                <a:latin typeface="Noto Sans CJK SC Bold" pitchFamily="34" charset="-127"/>
+                <a:ea typeface="Noto Sans CJK SC Bold" pitchFamily="34" charset="-127"/>
+              </a:rPr>
+              <a:t>: </a:t>
+            </a:r>
+            <a:r>
+              <a:rPr lang="ko-KR" altLang="en-US" sz="2400" dirty="0" smtClean="0">
+                <a:solidFill>
+                  <a:srgbClr val="FF3399"/>
+                </a:solidFill>
+                <a:latin typeface="Noto Sans CJK SC Bold" pitchFamily="34" charset="-127"/>
+                <a:ea typeface="Noto Sans CJK SC Bold" pitchFamily="34" charset="-127"/>
+              </a:rPr>
+              <a:t>의존관계</a:t>
+            </a:r>
+            <a:endParaRPr lang="ko-KR" altLang="en-US" sz="2400" dirty="0">
+              <a:solidFill>
+                <a:srgbClr val="FF3399"/>
+              </a:solidFill>
+              <a:latin typeface="Noto Sans CJK SC Bold" pitchFamily="34" charset="-127"/>
+              <a:ea typeface="Noto Sans CJK SC Bold" pitchFamily="34" charset="-127"/>
+            </a:endParaRPr>
+          </a:p>
+        </p:txBody>
+      </p:sp>
+      <p:sp>
+        <p:nvSpPr>
+          <p:cNvPr id="2" name="직사각형 1"/>
+          <p:cNvSpPr/>
+          <p:nvPr/>
+        </p:nvSpPr>
+        <p:spPr>
+          <a:xfrm>
+            <a:off x="3254204" y="3140968"/>
+            <a:ext cx="2052228" cy="945778"/>
+          </a:xfrm>
+          <a:prstGeom prst="rect">
+            <a:avLst/>
+          </a:prstGeom>
+          <a:solidFill>
+            <a:schemeClr val="accent2">
+              <a:lumMod val="60000"/>
+              <a:lumOff val="40000"/>
+            </a:schemeClr>
+          </a:solidFill>
+          <a:ln>
+            <a:noFill/>
+          </a:ln>
+        </p:spPr>
+        <p:style>
+          <a:lnRef idx="2">
+            <a:schemeClr val="accent1">
+              <a:shade val="50000"/>
+            </a:schemeClr>
+          </a:lnRef>
+          <a:fillRef idx="1">
+            <a:schemeClr val="accent1"/>
+          </a:fillRef>
+          <a:effectRef idx="0">
+            <a:schemeClr val="accent1"/>
+          </a:effectRef>
+          <a:fontRef idx="minor">
+            <a:schemeClr val="lt1"/>
+          </a:fontRef>
+        </p:style>
+        <p:txBody>
+          <a:bodyPr rtlCol="0" anchor="ctr"/>
+          <a:lstStyle/>
+          <a:p>
+            <a:pPr algn="ctr"/>
+            <a:r>
+              <a:rPr lang="en-US" altLang="ko-KR" dirty="0" err="1" smtClean="0"/>
+              <a:t>MiroList</a:t>
+            </a:r>
+            <a:endParaRPr lang="ko-KR" altLang="en-US" dirty="0"/>
+          </a:p>
+        </p:txBody>
+      </p:sp>
+      <p:sp>
+        <p:nvSpPr>
+          <p:cNvPr id="8" name="직사각형 7"/>
+          <p:cNvSpPr/>
+          <p:nvPr/>
+        </p:nvSpPr>
+        <p:spPr>
+          <a:xfrm>
+            <a:off x="1381996" y="4939847"/>
+            <a:ext cx="2988332" cy="945778"/>
+          </a:xfrm>
+          <a:prstGeom prst="rect">
+            <a:avLst/>
+          </a:prstGeom>
+          <a:solidFill>
+            <a:schemeClr val="accent2">
+              <a:lumMod val="60000"/>
+              <a:lumOff val="40000"/>
+            </a:schemeClr>
+          </a:solidFill>
+          <a:ln>
+            <a:noFill/>
+          </a:ln>
+        </p:spPr>
+        <p:style>
+          <a:lnRef idx="2">
+            <a:schemeClr val="accent1">
+              <a:shade val="50000"/>
+            </a:schemeClr>
+          </a:lnRef>
+          <a:fillRef idx="1">
+            <a:schemeClr val="accent1"/>
+          </a:fillRef>
+          <a:effectRef idx="0">
+            <a:schemeClr val="accent1"/>
+          </a:effectRef>
+          <a:fontRef idx="minor">
+            <a:schemeClr val="lt1"/>
+          </a:fontRef>
+        </p:style>
+        <p:txBody>
+          <a:bodyPr rtlCol="0" anchor="ctr"/>
+          <a:lstStyle/>
+          <a:p>
+            <a:pPr algn="ctr"/>
+            <a:r>
+              <a:rPr lang="en-US" altLang="ko-KR" dirty="0" err="1" smtClean="0"/>
+              <a:t>CreateMiroViewModel</a:t>
+            </a:r>
+            <a:endParaRPr lang="ko-KR" altLang="en-US" dirty="0"/>
+          </a:p>
+        </p:txBody>
+      </p:sp>
+      <p:sp>
+        <p:nvSpPr>
+          <p:cNvPr id="11" name="직사각형 10"/>
+          <p:cNvSpPr/>
+          <p:nvPr/>
+        </p:nvSpPr>
+        <p:spPr>
+          <a:xfrm>
+            <a:off x="4555234" y="4936800"/>
+            <a:ext cx="3055453" cy="945778"/>
+          </a:xfrm>
+          <a:prstGeom prst="rect">
+            <a:avLst/>
+          </a:prstGeom>
+          <a:solidFill>
+            <a:schemeClr val="accent2">
+              <a:lumMod val="60000"/>
+              <a:lumOff val="40000"/>
+            </a:schemeClr>
+          </a:solidFill>
+          <a:ln>
+            <a:noFill/>
+          </a:ln>
+        </p:spPr>
+        <p:style>
+          <a:lnRef idx="2">
+            <a:schemeClr val="accent1">
+              <a:shade val="50000"/>
+            </a:schemeClr>
+          </a:lnRef>
+          <a:fillRef idx="1">
+            <a:schemeClr val="accent1"/>
+          </a:fillRef>
+          <a:effectRef idx="0">
+            <a:schemeClr val="accent1"/>
+          </a:effectRef>
+          <a:fontRef idx="minor">
+            <a:schemeClr val="lt1"/>
+          </a:fontRef>
+        </p:style>
+        <p:txBody>
+          <a:bodyPr rtlCol="0" anchor="ctr"/>
+          <a:lstStyle/>
+          <a:p>
+            <a:pPr algn="ctr"/>
+            <a:r>
+              <a:rPr lang="en-US" altLang="ko-KR" dirty="0" err="1" smtClean="0"/>
+              <a:t>EscapeMiroViewModel</a:t>
+            </a:r>
+            <a:endParaRPr lang="ko-KR" altLang="en-US" dirty="0"/>
+          </a:p>
+        </p:txBody>
+      </p:sp>
+      <p:cxnSp>
+        <p:nvCxnSpPr>
+          <p:cNvPr id="4" name="직선 화살표 연결선 3"/>
+          <p:cNvCxnSpPr>
+            <a:stCxn id="8" idx="0"/>
+          </p:cNvCxnSpPr>
+          <p:nvPr/>
+        </p:nvCxnSpPr>
+        <p:spPr>
+          <a:xfrm flipV="1">
+            <a:off x="3143274" y="4086746"/>
+            <a:ext cx="730420" cy="853101"/>
+          </a:xfrm>
+          <a:prstGeom prst="straightConnector1">
+            <a:avLst/>
+          </a:prstGeom>
+          <a:ln>
+            <a:tailEnd type="triangle"/>
+          </a:ln>
+        </p:spPr>
+        <p:style>
+          <a:lnRef idx="1">
+            <a:schemeClr val="accent1"/>
+          </a:lnRef>
+          <a:fillRef idx="0">
+            <a:schemeClr val="accent1"/>
+          </a:fillRef>
+          <a:effectRef idx="0">
+            <a:schemeClr val="accent1"/>
+          </a:effectRef>
+          <a:fontRef idx="minor">
+            <a:schemeClr val="tx1"/>
+          </a:fontRef>
+        </p:style>
+      </p:cxnSp>
+      <p:cxnSp>
+        <p:nvCxnSpPr>
+          <p:cNvPr id="12" name="직선 화살표 연결선 11"/>
+          <p:cNvCxnSpPr/>
+          <p:nvPr/>
+        </p:nvCxnSpPr>
+        <p:spPr>
+          <a:xfrm flipH="1" flipV="1">
+            <a:off x="4694364" y="4086746"/>
+            <a:ext cx="886986" cy="850054"/>
+          </a:xfrm>
+          <a:prstGeom prst="straightConnector1">
+            <a:avLst/>
+          </a:prstGeom>
+          <a:ln>
+            <a:tailEnd type="triangle"/>
+          </a:ln>
+        </p:spPr>
+        <p:style>
+          <a:lnRef idx="1">
+            <a:schemeClr val="accent1"/>
+          </a:lnRef>
+          <a:fillRef idx="0">
+            <a:schemeClr val="accent1"/>
+          </a:fillRef>
+          <a:effectRef idx="0">
+            <a:schemeClr val="accent1"/>
+          </a:effectRef>
+          <a:fontRef idx="minor">
+            <a:schemeClr val="tx1"/>
+          </a:fontRef>
+        </p:style>
+      </p:cxnSp>
+      <p:sp>
+        <p:nvSpPr>
+          <p:cNvPr id="13" name="직사각형 12"/>
+          <p:cNvSpPr/>
+          <p:nvPr/>
+        </p:nvSpPr>
+        <p:spPr>
+          <a:xfrm>
+            <a:off x="3254204" y="1550438"/>
+            <a:ext cx="2052228" cy="945778"/>
+          </a:xfrm>
+          <a:prstGeom prst="rect">
+            <a:avLst/>
+          </a:prstGeom>
+          <a:solidFill>
+            <a:schemeClr val="accent2">
+              <a:lumMod val="60000"/>
+              <a:lumOff val="40000"/>
+            </a:schemeClr>
+          </a:solidFill>
+          <a:ln>
+            <a:noFill/>
+          </a:ln>
+        </p:spPr>
+        <p:style>
+          <a:lnRef idx="2">
+            <a:schemeClr val="accent1">
+              <a:shade val="50000"/>
+            </a:schemeClr>
+          </a:lnRef>
+          <a:fillRef idx="1">
+            <a:schemeClr val="accent1"/>
+          </a:fillRef>
+          <a:effectRef idx="0">
+            <a:schemeClr val="accent1"/>
+          </a:effectRef>
+          <a:fontRef idx="minor">
+            <a:schemeClr val="lt1"/>
+          </a:fontRef>
+        </p:style>
+        <p:txBody>
+          <a:bodyPr rtlCol="0" anchor="ctr"/>
+          <a:lstStyle/>
+          <a:p>
+            <a:pPr algn="ctr"/>
+            <a:r>
+              <a:rPr lang="en-US" altLang="ko-KR" dirty="0" smtClean="0"/>
+              <a:t>Miro</a:t>
+            </a:r>
+            <a:endParaRPr lang="ko-KR" altLang="en-US" dirty="0"/>
+          </a:p>
+        </p:txBody>
+      </p:sp>
+      <p:cxnSp>
+        <p:nvCxnSpPr>
+          <p:cNvPr id="5" name="직선 화살표 연결선 4"/>
+          <p:cNvCxnSpPr/>
+          <p:nvPr/>
+        </p:nvCxnSpPr>
+        <p:spPr>
+          <a:xfrm flipV="1">
+            <a:off x="4280318" y="2496216"/>
+            <a:ext cx="0" cy="615108"/>
+          </a:xfrm>
+          <a:prstGeom prst="straightConnector1">
+            <a:avLst/>
+          </a:prstGeom>
+          <a:ln>
+            <a:tailEnd type="triangle"/>
+          </a:ln>
+        </p:spPr>
+        <p:style>
+          <a:lnRef idx="1">
+            <a:schemeClr val="accent1"/>
+          </a:lnRef>
+          <a:fillRef idx="0">
+            <a:schemeClr val="accent1"/>
+          </a:fillRef>
+          <a:effectRef idx="0">
+            <a:schemeClr val="accent1"/>
+          </a:effectRef>
+          <a:fontRef idx="minor">
+            <a:schemeClr val="tx1"/>
+          </a:fontRef>
+        </p:style>
+      </p:cxnSp>
+    </p:spTree>
+    <p:extLst>
+      <p:ext uri="{BB962C8B-B14F-4D97-AF65-F5344CB8AC3E}">
+        <p14:creationId xmlns:p14="http://schemas.microsoft.com/office/powerpoint/2010/main" val="3015047444"/>
+      </p:ext>
+    </p:extLst>
+  </p:cSld>
+  <p:clrMapOvr>
+    <a:masterClrMapping/>
+  </p:clrMapOvr>
 </p:sld>
 </file>
 
@@ -3428,7 +4706,7 @@
         <p:spPr>
           <a:xfrm>
             <a:off x="4355970" y="1395303"/>
-            <a:ext cx="2374368" cy="4718728"/>
+            <a:ext cx="3348994" cy="2377574"/>
           </a:xfrm>
           <a:prstGeom prst="rect">
             <a:avLst/>
@@ -3454,8 +4732,25 @@
                 <a:latin typeface="Noto Sans CJK SC Bold" pitchFamily="34" charset="-127"/>
                 <a:ea typeface="Noto Sans CJK SC Bold" pitchFamily="34" charset="-127"/>
               </a:rPr>
-              <a:t>01. ONE</a:t>
-            </a:r>
+              <a:t>01. </a:t>
+            </a:r>
+            <a:r>
+              <a:rPr lang="ko-KR" altLang="en-US" sz="3300" dirty="0" smtClean="0">
+                <a:solidFill>
+                  <a:srgbClr val="FF3399"/>
+                </a:solidFill>
+                <a:latin typeface="Noto Sans CJK SC Bold" pitchFamily="34" charset="-127"/>
+                <a:ea typeface="Noto Sans CJK SC Bold" pitchFamily="34" charset="-127"/>
+              </a:rPr>
+              <a:t>프로그램 시연</a:t>
+            </a:r>
+            <a:endParaRPr lang="en-US" altLang="ko-KR" sz="3300" dirty="0" smtClean="0">
+              <a:solidFill>
+                <a:srgbClr val="FF3399"/>
+              </a:solidFill>
+              <a:latin typeface="Noto Sans CJK SC Bold" pitchFamily="34" charset="-127"/>
+              <a:ea typeface="Noto Sans CJK SC Bold" pitchFamily="34" charset="-127"/>
+            </a:endParaRPr>
           </a:p>
           <a:p>
             <a:pPr>
@@ -3471,8 +4766,25 @@
                 <a:latin typeface="Noto Sans CJK SC Bold" pitchFamily="34" charset="-127"/>
                 <a:ea typeface="Noto Sans CJK SC Bold" pitchFamily="34" charset="-127"/>
               </a:rPr>
-              <a:t>02. TWO</a:t>
-            </a:r>
+              <a:t>02. </a:t>
+            </a:r>
+            <a:r>
+              <a:rPr lang="ko-KR" altLang="en-US" sz="3300" dirty="0" smtClean="0">
+                <a:solidFill>
+                  <a:srgbClr val="FF3399"/>
+                </a:solidFill>
+                <a:latin typeface="Noto Sans CJK SC Bold" pitchFamily="34" charset="-127"/>
+                <a:ea typeface="Noto Sans CJK SC Bold" pitchFamily="34" charset="-127"/>
+              </a:rPr>
+              <a:t>클래스 구성</a:t>
+            </a:r>
+            <a:endParaRPr lang="en-US" altLang="ko-KR" sz="3300" dirty="0" smtClean="0">
+              <a:solidFill>
+                <a:srgbClr val="FF3399"/>
+              </a:solidFill>
+              <a:latin typeface="Noto Sans CJK SC Bold" pitchFamily="34" charset="-127"/>
+              <a:ea typeface="Noto Sans CJK SC Bold" pitchFamily="34" charset="-127"/>
+            </a:endParaRPr>
           </a:p>
           <a:p>
             <a:pPr>
@@ -3488,58 +4800,17 @@
                 <a:latin typeface="Noto Sans CJK SC Bold" pitchFamily="34" charset="-127"/>
                 <a:ea typeface="Noto Sans CJK SC Bold" pitchFamily="34" charset="-127"/>
               </a:rPr>
-              <a:t>03. THREE</a:t>
-            </a:r>
-          </a:p>
-          <a:p>
-            <a:pPr>
-              <a:lnSpc>
-                <a:spcPct val="150000"/>
-              </a:lnSpc>
-            </a:pPr>
-            <a:r>
-              <a:rPr lang="en-US" altLang="ko-KR" sz="3300" dirty="0" smtClean="0">
+              <a:t>03. </a:t>
+            </a:r>
+            <a:r>
+              <a:rPr lang="ko-KR" altLang="en-US" sz="3300" dirty="0" smtClean="0">
                 <a:solidFill>
                   <a:srgbClr val="FF3399"/>
                 </a:solidFill>
                 <a:latin typeface="Noto Sans CJK SC Bold" pitchFamily="34" charset="-127"/>
                 <a:ea typeface="Noto Sans CJK SC Bold" pitchFamily="34" charset="-127"/>
               </a:rPr>
-              <a:t>04. FOUR</a:t>
-            </a:r>
-          </a:p>
-          <a:p>
-            <a:pPr>
-              <a:lnSpc>
-                <a:spcPct val="150000"/>
-              </a:lnSpc>
-            </a:pPr>
-            <a:r>
-              <a:rPr lang="en-US" altLang="ko-KR" sz="3300" dirty="0" smtClean="0">
-                <a:solidFill>
-                  <a:srgbClr val="FF3399"/>
-                </a:solidFill>
-                <a:latin typeface="Noto Sans CJK SC Bold" pitchFamily="34" charset="-127"/>
-                <a:ea typeface="Noto Sans CJK SC Bold" pitchFamily="34" charset="-127"/>
-              </a:rPr>
-              <a:t>05. FIVE</a:t>
-            </a:r>
-          </a:p>
-          <a:p>
-            <a:pPr>
-              <a:lnSpc>
-                <a:spcPct val="150000"/>
-              </a:lnSpc>
-            </a:pPr>
-            <a:r>
-              <a:rPr lang="en-US" altLang="ko-KR" sz="3300" dirty="0" smtClean="0">
-                <a:solidFill>
-                  <a:srgbClr val="FF3399"/>
-                </a:solidFill>
-                <a:latin typeface="Noto Sans CJK SC Bold" pitchFamily="34" charset="-127"/>
-                <a:ea typeface="Noto Sans CJK SC Bold" pitchFamily="34" charset="-127"/>
-              </a:rPr>
-              <a:t>06. SIX</a:t>
+              <a:t>클래스 관계도</a:t>
             </a:r>
             <a:endParaRPr lang="ko-KR" altLang="en-US" sz="3300" dirty="0">
               <a:solidFill>
@@ -3613,62 +4884,6 @@
       </p:pic>
       <p:sp>
         <p:nvSpPr>
-          <p:cNvPr id="6" name="TextBox 5"/>
-          <p:cNvSpPr txBox="1"/>
-          <p:nvPr/>
-        </p:nvSpPr>
-        <p:spPr>
-          <a:xfrm>
-            <a:off x="3059790" y="1988800"/>
-            <a:ext cx="5417189" cy="3093154"/>
-          </a:xfrm>
-          <a:prstGeom prst="rect">
-            <a:avLst/>
-          </a:prstGeom>
-          <a:noFill/>
-        </p:spPr>
-        <p:txBody>
-          <a:bodyPr wrap="none" rtlCol="0">
-            <a:spAutoFit/>
-          </a:bodyPr>
-          <a:lstStyle/>
-          <a:p>
-            <a:pPr algn="ctr"/>
-            <a:r>
-              <a:rPr lang="en-US" altLang="ko-KR" sz="11500" dirty="0" smtClean="0">
-                <a:solidFill>
-                  <a:srgbClr val="FF3399"/>
-                </a:solidFill>
-                <a:latin typeface="Noto Sans CJK SC Thin" pitchFamily="34" charset="-127"/>
-                <a:ea typeface="Noto Sans CJK SC Thin" pitchFamily="34" charset="-127"/>
-              </a:rPr>
-              <a:t>CHERRY</a:t>
-            </a:r>
-            <a:endParaRPr lang="en-US" altLang="ko-KR" sz="11500" dirty="0" smtClean="0">
-              <a:solidFill>
-                <a:srgbClr val="FF3399"/>
-              </a:solidFill>
-              <a:latin typeface="Noto Sans CJK SC Bold" pitchFamily="34" charset="-127"/>
-              <a:ea typeface="Noto Sans CJK SC Bold" pitchFamily="34" charset="-127"/>
-            </a:endParaRPr>
-          </a:p>
-          <a:p>
-            <a:pPr algn="ctr"/>
-            <a:r>
-              <a:rPr lang="en-US" altLang="ko-KR" sz="8000" dirty="0" smtClean="0">
-                <a:solidFill>
-                  <a:srgbClr val="FF3399"/>
-                </a:solidFill>
-                <a:latin typeface="Noto Sans CJK SC Bold" pitchFamily="34" charset="-127"/>
-                <a:ea typeface="Noto Sans CJK SC Bold" pitchFamily="34" charset="-127"/>
-              </a:rPr>
-              <a:t>BLOSSOM</a:t>
-            </a:r>
-          </a:p>
-        </p:txBody>
-      </p:sp>
-      <p:sp>
-        <p:nvSpPr>
           <p:cNvPr id="9" name="TextBox 8"/>
           <p:cNvSpPr txBox="1"/>
           <p:nvPr/>
@@ -3705,7 +4920,7 @@
                 <a:latin typeface="Noto Sans CJK SC Bold" pitchFamily="34" charset="-127"/>
                 <a:ea typeface="Noto Sans CJK SC Bold" pitchFamily="34" charset="-127"/>
               </a:rPr>
-              <a:t>#01</a:t>
+              <a:t>#02</a:t>
             </a:r>
             <a:endParaRPr lang="ko-KR" altLang="en-US" sz="1600" dirty="0">
               <a:solidFill>
@@ -3725,8 +4940,8 @@
         </p:nvSpPr>
         <p:spPr>
           <a:xfrm>
-            <a:off x="467430" y="764630"/>
-            <a:ext cx="1677190" cy="830997"/>
+            <a:off x="935596" y="364520"/>
+            <a:ext cx="5220580" cy="461665"/>
           </a:xfrm>
           <a:prstGeom prst="rect">
             <a:avLst/>
@@ -3734,32 +4949,20 @@
           <a:noFill/>
         </p:spPr>
         <p:txBody>
-          <a:bodyPr wrap="none" rtlCol="0">
+          <a:bodyPr wrap="square" rtlCol="0">
             <a:spAutoFit/>
           </a:bodyPr>
           <a:lstStyle/>
           <a:p>
             <a:r>
-              <a:rPr lang="en-US" altLang="ko-KR" sz="2400" dirty="0" smtClean="0">
+              <a:rPr lang="ko-KR" altLang="en-US" sz="2400" dirty="0" smtClean="0">
                 <a:solidFill>
                   <a:srgbClr val="FF3399"/>
                 </a:solidFill>
                 <a:latin typeface="Noto Sans CJK SC Bold" pitchFamily="34" charset="-127"/>
                 <a:ea typeface="Noto Sans CJK SC Bold" pitchFamily="34" charset="-127"/>
               </a:rPr>
-              <a:t>CHERRY</a:t>
-            </a:r>
-          </a:p>
-          <a:p>
-            <a:r>
-              <a:rPr lang="en-US" altLang="ko-KR" sz="2400" dirty="0" smtClean="0">
-                <a:solidFill>
-                  <a:srgbClr val="FF3399"/>
-                </a:solidFill>
-                <a:latin typeface="Noto Sans CJK SC Bold" pitchFamily="34" charset="-127"/>
-                <a:ea typeface="Noto Sans CJK SC Bold" pitchFamily="34" charset="-127"/>
-              </a:rPr>
-              <a:t>BLOSSOM</a:t>
+              <a:t>클래스 구성</a:t>
             </a:r>
             <a:endParaRPr lang="ko-KR" altLang="en-US" sz="2400" dirty="0">
               <a:solidFill>
@@ -3771,6 +4974,30 @@
           </a:p>
         </p:txBody>
       </p:sp>
+      <p:pic>
+        <p:nvPicPr>
+          <p:cNvPr id="5" name="그림 4"/>
+          <p:cNvPicPr>
+            <a:picLocks noChangeAspect="1"/>
+          </p:cNvPicPr>
+          <p:nvPr/>
+        </p:nvPicPr>
+        <p:blipFill>
+          <a:blip r:embed="rId3"/>
+          <a:stretch>
+            <a:fillRect/>
+          </a:stretch>
+        </p:blipFill>
+        <p:spPr>
+          <a:xfrm>
+            <a:off x="3548384" y="80628"/>
+            <a:ext cx="3687912" cy="6708488"/>
+          </a:xfrm>
+          <a:prstGeom prst="rect">
+            <a:avLst/>
+          </a:prstGeom>
+        </p:spPr>
+      </p:pic>
     </p:spTree>
     <p:extLst>
       <p:ext uri="{BB962C8B-B14F-4D97-AF65-F5344CB8AC3E}">
@@ -3803,7 +5030,7 @@
       </p:grpSpPr>
       <p:pic>
         <p:nvPicPr>
-          <p:cNvPr id="6" name="그림 5"/>
+          <p:cNvPr id="7" name="그림 6"/>
           <p:cNvPicPr>
             <a:picLocks noChangeAspect="1"/>
           </p:cNvPicPr>
@@ -3869,7 +5096,17 @@
                 <a:latin typeface="Noto Sans CJK SC Bold" pitchFamily="34" charset="-127"/>
                 <a:ea typeface="Noto Sans CJK SC Bold" pitchFamily="34" charset="-127"/>
               </a:rPr>
-              <a:t>#02</a:t>
+              <a:t>#</a:t>
+            </a:r>
+            <a:r>
+              <a:rPr lang="en-US" altLang="ko-KR" sz="1600" dirty="0" smtClean="0">
+                <a:solidFill>
+                  <a:srgbClr val="FF3399"/>
+                </a:solidFill>
+                <a:latin typeface="Noto Sans CJK SC Bold" pitchFamily="34" charset="-127"/>
+                <a:ea typeface="Noto Sans CJK SC Bold" pitchFamily="34" charset="-127"/>
+              </a:rPr>
+              <a:t>02</a:t>
             </a:r>
             <a:endParaRPr lang="ko-KR" altLang="en-US" sz="1600" dirty="0">
               <a:solidFill>
@@ -3889,8 +5126,8 @@
         </p:nvSpPr>
         <p:spPr>
           <a:xfrm>
-            <a:off x="467430" y="764630"/>
-            <a:ext cx="1673856" cy="1200329"/>
+            <a:off x="935596" y="364520"/>
+            <a:ext cx="5220580" cy="461665"/>
           </a:xfrm>
           <a:prstGeom prst="rect">
             <a:avLst/>
@@ -3898,7 +5135,7 @@
           <a:noFill/>
         </p:spPr>
         <p:txBody>
-          <a:bodyPr wrap="none" rtlCol="0">
+          <a:bodyPr wrap="square" rtlCol="0">
             <a:spAutoFit/>
           </a:bodyPr>
           <a:lstStyle/>
@@ -3911,9 +5148,19 @@
                 <a:latin typeface="Noto Sans CJK SC Bold" pitchFamily="34" charset="-127"/>
                 <a:ea typeface="Noto Sans CJK SC Bold" pitchFamily="34" charset="-127"/>
               </a:rPr>
-              <a:t>이미지</a:t>
-            </a:r>
-            <a:endParaRPr lang="en-US" altLang="ko-KR" sz="2400" dirty="0" smtClean="0">
+              <a:t>클래스 구성 </a:t>
+            </a:r>
+            <a:r>
+              <a:rPr lang="en-US" altLang="ko-KR" sz="2400" dirty="0" smtClean="0">
+                <a:solidFill>
+                  <a:srgbClr val="FF3399"/>
+                </a:solidFill>
+                <a:latin typeface="Noto Sans CJK SC Bold" pitchFamily="34" charset="-127"/>
+                <a:ea typeface="Noto Sans CJK SC Bold" pitchFamily="34" charset="-127"/>
+              </a:rPr>
+              <a:t>: Maze directory</a:t>
+            </a:r>
+            <a:endParaRPr lang="ko-KR" altLang="en-US" sz="2400" dirty="0">
               <a:solidFill>
                 <a:srgbClr val="FF3399"/>
               </a:solidFill>
@@ -3921,73 +5168,497 @@
               <a:ea typeface="Noto Sans CJK SC Bold" pitchFamily="34" charset="-127"/>
             </a:endParaRPr>
           </a:p>
-          <a:p>
-            <a:r>
-              <a:rPr lang="ko-KR" altLang="en-US" sz="2400" dirty="0" smtClean="0">
-                <a:solidFill>
-                  <a:srgbClr val="FF3399"/>
-                </a:solidFill>
-                <a:latin typeface="Noto Sans CJK SC Bold" pitchFamily="34" charset="-127"/>
-                <a:ea typeface="Noto Sans CJK SC Bold" pitchFamily="34" charset="-127"/>
-              </a:rPr>
-              <a:t>다운방법 및</a:t>
-            </a:r>
-            <a:endParaRPr lang="en-US" altLang="ko-KR" sz="2400" dirty="0" smtClean="0">
-              <a:solidFill>
-                <a:srgbClr val="FF3399"/>
-              </a:solidFill>
-              <a:latin typeface="Noto Sans CJK SC Bold" pitchFamily="34" charset="-127"/>
-              <a:ea typeface="Noto Sans CJK SC Bold" pitchFamily="34" charset="-127"/>
-            </a:endParaRPr>
-          </a:p>
-          <a:p>
-            <a:r>
-              <a:rPr lang="ko-KR" altLang="en-US" sz="2400" dirty="0" smtClean="0">
-                <a:solidFill>
-                  <a:srgbClr val="FF3399"/>
-                </a:solidFill>
-                <a:latin typeface="Noto Sans CJK SC Bold" pitchFamily="34" charset="-127"/>
-                <a:ea typeface="Noto Sans CJK SC Bold" pitchFamily="34" charset="-127"/>
-              </a:rPr>
-              <a:t>저작</a:t>
-            </a:r>
-            <a:r>
-              <a:rPr lang="ko-KR" altLang="en-US" sz="2400" dirty="0">
-                <a:solidFill>
-                  <a:srgbClr val="FF3399"/>
-                </a:solidFill>
-                <a:latin typeface="Noto Sans CJK SC Bold" pitchFamily="34" charset="-127"/>
-                <a:ea typeface="Noto Sans CJK SC Bold" pitchFamily="34" charset="-127"/>
-              </a:rPr>
-              <a:t>권</a:t>
-            </a:r>
+        </p:txBody>
+      </p:sp>
+      <p:sp>
+        <p:nvSpPr>
+          <p:cNvPr id="2" name="직사각형 1"/>
+          <p:cNvSpPr/>
+          <p:nvPr/>
+        </p:nvSpPr>
+        <p:spPr>
+          <a:xfrm>
+            <a:off x="323528" y="1700808"/>
+            <a:ext cx="2988332" cy="4932548"/>
+          </a:xfrm>
+          <a:prstGeom prst="rect">
+            <a:avLst/>
+          </a:prstGeom>
+          <a:solidFill>
+            <a:schemeClr val="accent2">
+              <a:lumMod val="60000"/>
+              <a:lumOff val="40000"/>
+            </a:schemeClr>
+          </a:solidFill>
+          <a:ln>
+            <a:noFill/>
+          </a:ln>
+        </p:spPr>
+        <p:style>
+          <a:lnRef idx="2">
+            <a:schemeClr val="accent1">
+              <a:shade val="50000"/>
+            </a:schemeClr>
+          </a:lnRef>
+          <a:fillRef idx="1">
+            <a:schemeClr val="accent1"/>
+          </a:fillRef>
+          <a:effectRef idx="0">
+            <a:schemeClr val="accent1"/>
+          </a:effectRef>
+          <a:fontRef idx="minor">
+            <a:schemeClr val="lt1"/>
+          </a:fontRef>
+        </p:style>
+        <p:txBody>
+          <a:bodyPr rtlCol="0" anchor="ctr"/>
+          <a:lstStyle/>
+          <a:p>
+            <a:pPr algn="ctr"/>
+            <a:endParaRPr lang="ko-KR" altLang="en-US"/>
+          </a:p>
+        </p:txBody>
+      </p:sp>
+      <p:sp>
+        <p:nvSpPr>
+          <p:cNvPr id="15" name="TextBox 14"/>
+          <p:cNvSpPr txBox="1"/>
+          <p:nvPr/>
+        </p:nvSpPr>
+        <p:spPr>
+          <a:xfrm>
+            <a:off x="323528" y="1701223"/>
+            <a:ext cx="2304370" cy="369332"/>
+          </a:xfrm>
+          <a:prstGeom prst="rect">
+            <a:avLst/>
+          </a:prstGeom>
+          <a:noFill/>
+        </p:spPr>
+        <p:txBody>
+          <a:bodyPr wrap="square" rtlCol="0">
+            <a:spAutoFit/>
+          </a:bodyPr>
+          <a:lstStyle/>
+          <a:p>
+            <a:r>
+              <a:rPr lang="en-US" altLang="ko-KR" dirty="0" smtClean="0"/>
+              <a:t>Miro class</a:t>
+            </a:r>
+            <a:endParaRPr lang="ko-KR" altLang="en-US" dirty="0"/>
+          </a:p>
+        </p:txBody>
+      </p:sp>
+      <p:sp>
+        <p:nvSpPr>
+          <p:cNvPr id="16" name="직사각형 15"/>
+          <p:cNvSpPr/>
+          <p:nvPr/>
+        </p:nvSpPr>
+        <p:spPr>
+          <a:xfrm>
+            <a:off x="323528" y="2095406"/>
+            <a:ext cx="2988332" cy="2197690"/>
+          </a:xfrm>
+          <a:prstGeom prst="rect">
+            <a:avLst/>
+          </a:prstGeom>
+          <a:solidFill>
+            <a:schemeClr val="accent2">
+              <a:lumMod val="40000"/>
+              <a:lumOff val="60000"/>
+            </a:schemeClr>
+          </a:solidFill>
+          <a:ln>
+            <a:noFill/>
+          </a:ln>
+        </p:spPr>
+        <p:style>
+          <a:lnRef idx="2">
+            <a:schemeClr val="accent1">
+              <a:shade val="50000"/>
+            </a:schemeClr>
+          </a:lnRef>
+          <a:fillRef idx="1">
+            <a:schemeClr val="accent1"/>
+          </a:fillRef>
+          <a:effectRef idx="0">
+            <a:schemeClr val="accent1"/>
+          </a:effectRef>
+          <a:fontRef idx="minor">
+            <a:schemeClr val="lt1"/>
+          </a:fontRef>
+        </p:style>
+        <p:txBody>
+          <a:bodyPr rtlCol="0" anchor="ctr"/>
+          <a:lstStyle/>
+          <a:p>
+            <a:pPr algn="ctr"/>
+            <a:endParaRPr lang="ko-KR" altLang="en-US"/>
+          </a:p>
+        </p:txBody>
+      </p:sp>
+      <p:sp>
+        <p:nvSpPr>
+          <p:cNvPr id="18" name="TextBox 17"/>
+          <p:cNvSpPr txBox="1"/>
+          <p:nvPr/>
+        </p:nvSpPr>
+        <p:spPr>
+          <a:xfrm>
+            <a:off x="326273" y="2179796"/>
+            <a:ext cx="3204356" cy="3139321"/>
+          </a:xfrm>
+          <a:prstGeom prst="rect">
+            <a:avLst/>
+          </a:prstGeom>
+          <a:noFill/>
+        </p:spPr>
+        <p:txBody>
+          <a:bodyPr wrap="square" rtlCol="0">
+            <a:spAutoFit/>
+          </a:bodyPr>
+          <a:lstStyle/>
+          <a:p>
+            <a:r>
+              <a:rPr lang="en-US" altLang="ko-KR" dirty="0" smtClean="0"/>
+              <a:t>Char[][] </a:t>
+            </a:r>
+            <a:r>
+              <a:rPr lang="en-US" altLang="ko-KR" dirty="0" err="1" smtClean="0"/>
+              <a:t>miro</a:t>
+            </a:r>
+            <a:endParaRPr lang="en-US" altLang="ko-KR" dirty="0"/>
+          </a:p>
+          <a:p>
+            <a:r>
+              <a:rPr lang="en-US" altLang="ko-KR" dirty="0" err="1" smtClean="0"/>
+              <a:t>Int</a:t>
+            </a:r>
+            <a:r>
+              <a:rPr lang="en-US" altLang="ko-KR" dirty="0" smtClean="0"/>
+              <a:t> </a:t>
+            </a:r>
+            <a:r>
+              <a:rPr lang="en-US" altLang="ko-KR" dirty="0" err="1" smtClean="0"/>
+              <a:t>RowSize</a:t>
+            </a:r>
+            <a:endParaRPr lang="en-US" altLang="ko-KR" dirty="0" smtClean="0"/>
+          </a:p>
+          <a:p>
+            <a:r>
+              <a:rPr lang="en-US" altLang="ko-KR" dirty="0" err="1" smtClean="0"/>
+              <a:t>Int</a:t>
+            </a:r>
+            <a:r>
+              <a:rPr lang="en-US" altLang="ko-KR" dirty="0" smtClean="0"/>
+              <a:t> </a:t>
+            </a:r>
+            <a:r>
+              <a:rPr lang="en-US" altLang="ko-KR" dirty="0" err="1" smtClean="0"/>
+              <a:t>ColSize</a:t>
+            </a:r>
+            <a:endParaRPr lang="en-US" altLang="ko-KR" dirty="0" smtClean="0"/>
+          </a:p>
+          <a:p>
+            <a:r>
+              <a:rPr lang="en-US" altLang="ko-KR" dirty="0" smtClean="0"/>
+              <a:t>String filename</a:t>
+            </a:r>
+          </a:p>
+          <a:p>
+            <a:r>
+              <a:rPr lang="en-US" altLang="ko-KR" dirty="0" smtClean="0"/>
+              <a:t>String </a:t>
+            </a:r>
+            <a:r>
+              <a:rPr lang="en-US" altLang="ko-KR" dirty="0" err="1" smtClean="0"/>
+              <a:t>mazeFile</a:t>
+            </a:r>
+            <a:endParaRPr lang="en-US" altLang="ko-KR" dirty="0" smtClean="0"/>
+          </a:p>
+          <a:p>
+            <a:r>
+              <a:rPr lang="en-US" altLang="ko-KR" dirty="0" smtClean="0"/>
+              <a:t>Bool </a:t>
+            </a:r>
+            <a:r>
+              <a:rPr lang="en-US" altLang="ko-KR" dirty="0" err="1" smtClean="0"/>
+              <a:t>isFindEntry</a:t>
+            </a:r>
+            <a:endParaRPr lang="en-US" altLang="ko-KR" dirty="0" smtClean="0"/>
+          </a:p>
+          <a:p>
+            <a:r>
+              <a:rPr lang="en-US" altLang="ko-KR" dirty="0" smtClean="0"/>
+              <a:t>Node Entry</a:t>
+            </a:r>
+          </a:p>
+          <a:p>
+            <a:endParaRPr lang="en-US" altLang="ko-KR" dirty="0"/>
+          </a:p>
+          <a:p>
+            <a:r>
+              <a:rPr lang="en-US" altLang="ko-KR" dirty="0" smtClean="0"/>
+              <a:t>Load(string filename) : void</a:t>
+            </a:r>
+          </a:p>
+          <a:p>
+            <a:r>
+              <a:rPr lang="en-US" altLang="ko-KR" dirty="0" smtClean="0"/>
+              <a:t>Print() : string</a:t>
+            </a:r>
+          </a:p>
+          <a:p>
+            <a:r>
+              <a:rPr lang="en-US" altLang="ko-KR" dirty="0" err="1" smtClean="0"/>
+              <a:t>FindEntry</a:t>
+            </a:r>
+            <a:r>
+              <a:rPr lang="en-US" altLang="ko-KR" dirty="0" smtClean="0"/>
+              <a:t>() : void</a:t>
+            </a:r>
+            <a:endParaRPr lang="ko-KR" altLang="en-US" dirty="0"/>
+          </a:p>
+        </p:txBody>
+      </p:sp>
+      <p:sp>
+        <p:nvSpPr>
+          <p:cNvPr id="19" name="직사각형 18"/>
+          <p:cNvSpPr/>
+          <p:nvPr/>
+        </p:nvSpPr>
+        <p:spPr>
+          <a:xfrm>
+            <a:off x="4067944" y="1657536"/>
+            <a:ext cx="4932548" cy="4932548"/>
+          </a:xfrm>
+          <a:prstGeom prst="rect">
+            <a:avLst/>
+          </a:prstGeom>
+          <a:solidFill>
+            <a:schemeClr val="accent2">
+              <a:lumMod val="60000"/>
+              <a:lumOff val="40000"/>
+            </a:schemeClr>
+          </a:solidFill>
+          <a:ln>
+            <a:noFill/>
+          </a:ln>
+        </p:spPr>
+        <p:style>
+          <a:lnRef idx="2">
+            <a:schemeClr val="accent1">
+              <a:shade val="50000"/>
+            </a:schemeClr>
+          </a:lnRef>
+          <a:fillRef idx="1">
+            <a:schemeClr val="accent1"/>
+          </a:fillRef>
+          <a:effectRef idx="0">
+            <a:schemeClr val="accent1"/>
+          </a:effectRef>
+          <a:fontRef idx="minor">
+            <a:schemeClr val="lt1"/>
+          </a:fontRef>
+        </p:style>
+        <p:txBody>
+          <a:bodyPr rtlCol="0" anchor="ctr"/>
+          <a:lstStyle/>
+          <a:p>
+            <a:pPr algn="ctr"/>
+            <a:endParaRPr lang="ko-KR" altLang="en-US"/>
+          </a:p>
+        </p:txBody>
+      </p:sp>
+      <p:sp>
+        <p:nvSpPr>
+          <p:cNvPr id="20" name="TextBox 19"/>
+          <p:cNvSpPr txBox="1"/>
+          <p:nvPr/>
+        </p:nvSpPr>
+        <p:spPr>
+          <a:xfrm>
+            <a:off x="4067943" y="1657951"/>
+            <a:ext cx="3207101" cy="369332"/>
+          </a:xfrm>
+          <a:prstGeom prst="rect">
+            <a:avLst/>
+          </a:prstGeom>
+          <a:noFill/>
+        </p:spPr>
+        <p:txBody>
+          <a:bodyPr wrap="square" rtlCol="0">
+            <a:spAutoFit/>
+          </a:bodyPr>
+          <a:lstStyle/>
+          <a:p>
+            <a:r>
+              <a:rPr lang="en-US" altLang="ko-KR" dirty="0" err="1" smtClean="0"/>
+              <a:t>MiroList</a:t>
+            </a:r>
+            <a:r>
+              <a:rPr lang="en-US" altLang="ko-KR" dirty="0" smtClean="0"/>
+              <a:t> class</a:t>
+            </a:r>
+            <a:endParaRPr lang="ko-KR" altLang="en-US" dirty="0"/>
+          </a:p>
+        </p:txBody>
+      </p:sp>
+      <p:sp>
+        <p:nvSpPr>
+          <p:cNvPr id="21" name="직사각형 20"/>
+          <p:cNvSpPr/>
+          <p:nvPr/>
+        </p:nvSpPr>
+        <p:spPr>
+          <a:xfrm>
+            <a:off x="4067944" y="2052134"/>
+            <a:ext cx="4932548" cy="2197690"/>
+          </a:xfrm>
+          <a:prstGeom prst="rect">
+            <a:avLst/>
+          </a:prstGeom>
+          <a:solidFill>
+            <a:schemeClr val="accent2">
+              <a:lumMod val="40000"/>
+              <a:lumOff val="60000"/>
+            </a:schemeClr>
+          </a:solidFill>
+          <a:ln>
+            <a:noFill/>
+          </a:ln>
+        </p:spPr>
+        <p:style>
+          <a:lnRef idx="2">
+            <a:schemeClr val="accent1">
+              <a:shade val="50000"/>
+            </a:schemeClr>
+          </a:lnRef>
+          <a:fillRef idx="1">
+            <a:schemeClr val="accent1"/>
+          </a:fillRef>
+          <a:effectRef idx="0">
+            <a:schemeClr val="accent1"/>
+          </a:effectRef>
+          <a:fontRef idx="minor">
+            <a:schemeClr val="lt1"/>
+          </a:fontRef>
+        </p:style>
+        <p:txBody>
+          <a:bodyPr rtlCol="0" anchor="ctr"/>
+          <a:lstStyle/>
+          <a:p>
+            <a:pPr algn="ctr"/>
+            <a:endParaRPr lang="ko-KR" altLang="en-US"/>
+          </a:p>
+        </p:txBody>
+      </p:sp>
+      <p:sp>
+        <p:nvSpPr>
+          <p:cNvPr id="22" name="TextBox 21"/>
+          <p:cNvSpPr txBox="1"/>
+          <p:nvPr/>
+        </p:nvSpPr>
+        <p:spPr>
+          <a:xfrm>
+            <a:off x="4070688" y="2136524"/>
+            <a:ext cx="5073312" cy="2862322"/>
+          </a:xfrm>
+          <a:prstGeom prst="rect">
+            <a:avLst/>
+          </a:prstGeom>
+          <a:noFill/>
+        </p:spPr>
+        <p:txBody>
+          <a:bodyPr wrap="square" rtlCol="0">
+            <a:spAutoFit/>
+          </a:bodyPr>
+          <a:lstStyle/>
+          <a:p>
+            <a:r>
+              <a:rPr lang="en-US" altLang="ko-KR" dirty="0" smtClean="0"/>
+              <a:t>List&lt;Miro&gt; _</a:t>
+            </a:r>
+            <a:r>
+              <a:rPr lang="en-US" altLang="ko-KR" dirty="0" err="1" smtClean="0"/>
+              <a:t>Mirolist</a:t>
+            </a:r>
+            <a:endParaRPr lang="en-US" altLang="ko-KR" dirty="0" smtClean="0"/>
+          </a:p>
+          <a:p>
+            <a:r>
+              <a:rPr lang="en-US" altLang="ko-KR" dirty="0" smtClean="0"/>
+              <a:t>String[] filenames</a:t>
+            </a:r>
+          </a:p>
+          <a:p>
+            <a:endParaRPr lang="en-US" altLang="ko-KR" dirty="0"/>
+          </a:p>
+          <a:p>
+            <a:endParaRPr lang="en-US" altLang="ko-KR" dirty="0" smtClean="0"/>
+          </a:p>
+          <a:p>
+            <a:endParaRPr lang="en-US" altLang="ko-KR" dirty="0"/>
+          </a:p>
+          <a:p>
+            <a:endParaRPr lang="en-US" altLang="ko-KR" dirty="0" smtClean="0"/>
+          </a:p>
+          <a:p>
+            <a:endParaRPr lang="en-US" altLang="ko-KR" dirty="0"/>
+          </a:p>
+          <a:p>
+            <a:endParaRPr lang="en-US" altLang="ko-KR" dirty="0"/>
+          </a:p>
+          <a:p>
+            <a:r>
+              <a:rPr lang="en-US" altLang="ko-KR" dirty="0" err="1" smtClean="0"/>
+              <a:t>FillMiroList</a:t>
+            </a:r>
+            <a:r>
+              <a:rPr lang="en-US" altLang="ko-KR" dirty="0" smtClean="0"/>
+              <a:t>() :void</a:t>
+            </a:r>
+          </a:p>
+          <a:p>
+            <a:r>
+              <a:rPr lang="en-US" altLang="ko-KR" dirty="0" err="1" smtClean="0"/>
+              <a:t>Addlist</a:t>
+            </a:r>
+            <a:r>
+              <a:rPr lang="en-US" altLang="ko-KR" dirty="0" smtClean="0"/>
+              <a:t>(string </a:t>
+            </a:r>
+            <a:r>
+              <a:rPr lang="en-US" altLang="ko-KR" dirty="0" err="1" smtClean="0"/>
+              <a:t>mazefile</a:t>
+            </a:r>
+            <a:r>
+              <a:rPr lang="en-US" altLang="ko-KR" dirty="0" smtClean="0"/>
+              <a:t>, string filename) : void</a:t>
+            </a:r>
+            <a:endParaRPr lang="ko-KR" altLang="en-US" dirty="0"/>
           </a:p>
         </p:txBody>
       </p:sp>
       <p:pic>
         <p:nvPicPr>
-          <p:cNvPr id="7" name="그림 6"/>
+          <p:cNvPr id="4" name="그림 3"/>
           <p:cNvPicPr>
             <a:picLocks noChangeAspect="1"/>
           </p:cNvPicPr>
           <p:nvPr/>
         </p:nvPicPr>
         <p:blipFill>
-          <a:blip r:embed="rId3">
-            <a:extLst>
-              <a:ext uri="{28A0092B-C50C-407E-A947-70E740481C1C}">
-                <a14:useLocalDpi xmlns:a14="http://schemas.microsoft.com/office/drawing/2010/main" val="0"/>
-              </a:ext>
-            </a:extLst>
-          </a:blip>
+          <a:blip r:embed="rId3"/>
           <a:stretch>
             <a:fillRect/>
           </a:stretch>
         </p:blipFill>
         <p:spPr>
           <a:xfrm>
-            <a:off x="1984685" y="1340710"/>
-            <a:ext cx="6619875" cy="4924425"/>
+            <a:off x="5364361" y="458788"/>
+            <a:ext cx="2519961" cy="1021606"/>
           </a:xfrm>
           <a:prstGeom prst="rect">
             <a:avLst/>
@@ -3997,7 +5668,7 @@
     </p:spTree>
     <p:extLst>
       <p:ext uri="{BB962C8B-B14F-4D97-AF65-F5344CB8AC3E}">
-        <p14:creationId xmlns:p14="http://schemas.microsoft.com/office/powerpoint/2010/main" val="3268651950"/>
+        <p14:creationId xmlns:p14="http://schemas.microsoft.com/office/powerpoint/2010/main" val="1254651750"/>
       </p:ext>
     </p:extLst>
   </p:cSld>
@@ -4085,6 +5756,16 @@
           <a:lstStyle/>
           <a:p>
             <a:r>
+              <a:rPr lang="en-US" altLang="ko-KR" sz="1600" dirty="0">
+                <a:solidFill>
+                  <a:srgbClr val="FF3399"/>
+                </a:solidFill>
+                <a:latin typeface="Noto Sans CJK SC Bold" pitchFamily="34" charset="-127"/>
+                <a:ea typeface="Noto Sans CJK SC Bold" pitchFamily="34" charset="-127"/>
+              </a:rPr>
+              <a:t>#</a:t>
+            </a:r>
+            <a:r>
               <a:rPr lang="en-US" altLang="ko-KR" sz="1600" dirty="0" smtClean="0">
                 <a:solidFill>
                   <a:srgbClr val="FF3399"/>
@@ -4092,7 +5773,7 @@
                 <a:latin typeface="Noto Sans CJK SC Bold" pitchFamily="34" charset="-127"/>
                 <a:ea typeface="Noto Sans CJK SC Bold" pitchFamily="34" charset="-127"/>
               </a:rPr>
-              <a:t>#03</a:t>
+              <a:t>02</a:t>
             </a:r>
             <a:endParaRPr lang="ko-KR" altLang="en-US" sz="1600" dirty="0">
               <a:solidFill>
@@ -4112,8 +5793,8 @@
         </p:nvSpPr>
         <p:spPr>
           <a:xfrm>
-            <a:off x="467430" y="764630"/>
-            <a:ext cx="1248227" cy="461665"/>
+            <a:off x="935596" y="364520"/>
+            <a:ext cx="4766048" cy="461665"/>
           </a:xfrm>
           <a:prstGeom prst="rect">
             <a:avLst/>
@@ -4126,6 +5807,16 @@
           </a:bodyPr>
           <a:lstStyle/>
           <a:p>
+            <a:r>
+              <a:rPr lang="ko-KR" altLang="en-US" sz="2400" dirty="0" smtClean="0">
+                <a:solidFill>
+                  <a:srgbClr val="FF3399"/>
+                </a:solidFill>
+                <a:latin typeface="Noto Sans CJK SC Bold" pitchFamily="34" charset="-127"/>
+                <a:ea typeface="Noto Sans CJK SC Bold" pitchFamily="34" charset="-127"/>
+              </a:rPr>
+              <a:t>클래스 구성 </a:t>
+            </a:r>
             <a:r>
               <a:rPr lang="en-US" altLang="ko-KR" sz="2400" dirty="0" smtClean="0">
                 <a:solidFill>
@@ -4134,7 +5825,27 @@
                 <a:latin typeface="Noto Sans CJK SC Bold" pitchFamily="34" charset="-127"/>
                 <a:ea typeface="Noto Sans CJK SC Bold" pitchFamily="34" charset="-127"/>
               </a:rPr>
-              <a:t>GRAPH</a:t>
+              <a:t>:</a:t>
+            </a:r>
+            <a:r>
+              <a:rPr lang="ko-KR" altLang="en-US" sz="2400" dirty="0" smtClean="0">
+                <a:solidFill>
+                  <a:srgbClr val="FF3399"/>
+                </a:solidFill>
+                <a:latin typeface="Noto Sans CJK SC Bold" pitchFamily="34" charset="-127"/>
+                <a:ea typeface="Noto Sans CJK SC Bold" pitchFamily="34" charset="-127"/>
+              </a:rPr>
+              <a:t> </a:t>
+            </a:r>
+            <a:r>
+              <a:rPr lang="en-US" altLang="ko-KR" sz="2400" dirty="0" smtClean="0">
+                <a:solidFill>
+                  <a:srgbClr val="FF3399"/>
+                </a:solidFill>
+                <a:latin typeface="Noto Sans CJK SC Bold" pitchFamily="34" charset="-127"/>
+                <a:ea typeface="Noto Sans CJK SC Bold" pitchFamily="34" charset="-127"/>
+              </a:rPr>
+              <a:t>Resource directory</a:t>
             </a:r>
             <a:endParaRPr lang="ko-KR" altLang="en-US" sz="2400" dirty="0">
               <a:solidFill>
@@ -4146,30 +5857,678 @@
           </a:p>
         </p:txBody>
       </p:sp>
+      <p:grpSp>
+        <p:nvGrpSpPr>
+          <p:cNvPr id="4" name="그룹 3"/>
+          <p:cNvGrpSpPr/>
+          <p:nvPr/>
+        </p:nvGrpSpPr>
+        <p:grpSpPr>
+          <a:xfrm>
+            <a:off x="323528" y="1700808"/>
+            <a:ext cx="2304370" cy="4932548"/>
+            <a:chOff x="323528" y="1700808"/>
+            <a:chExt cx="2304370" cy="4932548"/>
+          </a:xfrm>
+        </p:grpSpPr>
+        <p:sp>
+          <p:nvSpPr>
+            <p:cNvPr id="2" name="직사각형 1"/>
+            <p:cNvSpPr/>
+            <p:nvPr/>
+          </p:nvSpPr>
+          <p:spPr>
+            <a:xfrm>
+              <a:off x="323528" y="1700808"/>
+              <a:ext cx="1908212" cy="4932548"/>
+            </a:xfrm>
+            <a:prstGeom prst="rect">
+              <a:avLst/>
+            </a:prstGeom>
+            <a:solidFill>
+              <a:schemeClr val="accent2">
+                <a:lumMod val="60000"/>
+                <a:lumOff val="40000"/>
+              </a:schemeClr>
+            </a:solidFill>
+            <a:ln>
+              <a:noFill/>
+            </a:ln>
+          </p:spPr>
+          <p:style>
+            <a:lnRef idx="2">
+              <a:schemeClr val="accent1">
+                <a:shade val="50000"/>
+              </a:schemeClr>
+            </a:lnRef>
+            <a:fillRef idx="1">
+              <a:schemeClr val="accent1"/>
+            </a:fillRef>
+            <a:effectRef idx="0">
+              <a:schemeClr val="accent1"/>
+            </a:effectRef>
+            <a:fontRef idx="minor">
+              <a:schemeClr val="lt1"/>
+            </a:fontRef>
+          </p:style>
+          <p:txBody>
+            <a:bodyPr rtlCol="0" anchor="ctr"/>
+            <a:lstStyle/>
+            <a:p>
+              <a:pPr algn="ctr"/>
+              <a:endParaRPr lang="ko-KR" altLang="en-US"/>
+            </a:p>
+          </p:txBody>
+        </p:sp>
+        <p:sp>
+          <p:nvSpPr>
+            <p:cNvPr id="15" name="TextBox 14"/>
+            <p:cNvSpPr txBox="1"/>
+            <p:nvPr/>
+          </p:nvSpPr>
+          <p:spPr>
+            <a:xfrm>
+              <a:off x="323528" y="1701223"/>
+              <a:ext cx="2304370" cy="369332"/>
+            </a:xfrm>
+            <a:prstGeom prst="rect">
+              <a:avLst/>
+            </a:prstGeom>
+            <a:noFill/>
+          </p:spPr>
+          <p:txBody>
+            <a:bodyPr wrap="square" rtlCol="0">
+              <a:spAutoFit/>
+            </a:bodyPr>
+            <a:lstStyle/>
+            <a:p>
+              <a:r>
+                <a:rPr lang="en-US" altLang="ko-KR" dirty="0" smtClean="0"/>
+                <a:t>Node class</a:t>
+              </a:r>
+              <a:endParaRPr lang="ko-KR" altLang="en-US" dirty="0"/>
+            </a:p>
+          </p:txBody>
+        </p:sp>
+        <p:sp>
+          <p:nvSpPr>
+            <p:cNvPr id="16" name="직사각형 15"/>
+            <p:cNvSpPr/>
+            <p:nvPr/>
+          </p:nvSpPr>
+          <p:spPr>
+            <a:xfrm>
+              <a:off x="323528" y="2095406"/>
+              <a:ext cx="1908212" cy="2197690"/>
+            </a:xfrm>
+            <a:prstGeom prst="rect">
+              <a:avLst/>
+            </a:prstGeom>
+            <a:solidFill>
+              <a:schemeClr val="accent2">
+                <a:lumMod val="40000"/>
+                <a:lumOff val="60000"/>
+              </a:schemeClr>
+            </a:solidFill>
+            <a:ln>
+              <a:noFill/>
+            </a:ln>
+          </p:spPr>
+          <p:style>
+            <a:lnRef idx="2">
+              <a:schemeClr val="accent1">
+                <a:shade val="50000"/>
+              </a:schemeClr>
+            </a:lnRef>
+            <a:fillRef idx="1">
+              <a:schemeClr val="accent1"/>
+            </a:fillRef>
+            <a:effectRef idx="0">
+              <a:schemeClr val="accent1"/>
+            </a:effectRef>
+            <a:fontRef idx="minor">
+              <a:schemeClr val="lt1"/>
+            </a:fontRef>
+          </p:style>
+          <p:txBody>
+            <a:bodyPr rtlCol="0" anchor="ctr"/>
+            <a:lstStyle/>
+            <a:p>
+              <a:pPr algn="ctr"/>
+              <a:endParaRPr lang="ko-KR" altLang="en-US"/>
+            </a:p>
+          </p:txBody>
+        </p:sp>
+        <p:sp>
+          <p:nvSpPr>
+            <p:cNvPr id="18" name="TextBox 17"/>
+            <p:cNvSpPr txBox="1"/>
+            <p:nvPr/>
+          </p:nvSpPr>
+          <p:spPr>
+            <a:xfrm>
+              <a:off x="326273" y="2179796"/>
+              <a:ext cx="1905467" cy="2585323"/>
+            </a:xfrm>
+            <a:prstGeom prst="rect">
+              <a:avLst/>
+            </a:prstGeom>
+            <a:noFill/>
+          </p:spPr>
+          <p:txBody>
+            <a:bodyPr wrap="square" rtlCol="0">
+              <a:spAutoFit/>
+            </a:bodyPr>
+            <a:lstStyle/>
+            <a:p>
+              <a:r>
+                <a:rPr lang="en-US" altLang="ko-KR" dirty="0" err="1" smtClean="0"/>
+                <a:t>Int</a:t>
+              </a:r>
+              <a:r>
+                <a:rPr lang="en-US" altLang="ko-KR" dirty="0" smtClean="0"/>
+                <a:t> row</a:t>
+              </a:r>
+            </a:p>
+            <a:p>
+              <a:r>
+                <a:rPr lang="en-US" altLang="ko-KR" dirty="0" err="1" smtClean="0"/>
+                <a:t>Int</a:t>
+              </a:r>
+              <a:r>
+                <a:rPr lang="en-US" altLang="ko-KR" dirty="0" smtClean="0"/>
+                <a:t> col</a:t>
+              </a:r>
+            </a:p>
+            <a:p>
+              <a:r>
+                <a:rPr lang="en-US" altLang="ko-KR" dirty="0" smtClean="0"/>
+                <a:t>Node link</a:t>
+              </a:r>
+            </a:p>
+            <a:p>
+              <a:endParaRPr lang="en-US" altLang="ko-KR" dirty="0"/>
+            </a:p>
+            <a:p>
+              <a:endParaRPr lang="en-US" altLang="ko-KR" dirty="0" smtClean="0"/>
+            </a:p>
+            <a:p>
+              <a:endParaRPr lang="en-US" altLang="ko-KR" dirty="0"/>
+            </a:p>
+            <a:p>
+              <a:endParaRPr lang="en-US" altLang="ko-KR" dirty="0" smtClean="0"/>
+            </a:p>
+            <a:p>
+              <a:endParaRPr lang="en-US" altLang="ko-KR" dirty="0"/>
+            </a:p>
+            <a:p>
+              <a:r>
+                <a:rPr lang="en-US" altLang="ko-KR" dirty="0" smtClean="0"/>
+                <a:t>Display() : void</a:t>
+              </a:r>
+            </a:p>
+          </p:txBody>
+        </p:sp>
+      </p:grpSp>
+      <p:sp>
+        <p:nvSpPr>
+          <p:cNvPr id="17" name="직사각형 16"/>
+          <p:cNvSpPr/>
+          <p:nvPr/>
+        </p:nvSpPr>
+        <p:spPr>
+          <a:xfrm>
+            <a:off x="2335692" y="1700808"/>
+            <a:ext cx="3748476" cy="4932548"/>
+          </a:xfrm>
+          <a:prstGeom prst="rect">
+            <a:avLst/>
+          </a:prstGeom>
+          <a:solidFill>
+            <a:schemeClr val="accent2">
+              <a:lumMod val="60000"/>
+              <a:lumOff val="40000"/>
+            </a:schemeClr>
+          </a:solidFill>
+          <a:ln>
+            <a:noFill/>
+          </a:ln>
+        </p:spPr>
+        <p:style>
+          <a:lnRef idx="2">
+            <a:schemeClr val="accent1">
+              <a:shade val="50000"/>
+            </a:schemeClr>
+          </a:lnRef>
+          <a:fillRef idx="1">
+            <a:schemeClr val="accent1"/>
+          </a:fillRef>
+          <a:effectRef idx="0">
+            <a:schemeClr val="accent1"/>
+          </a:effectRef>
+          <a:fontRef idx="minor">
+            <a:schemeClr val="lt1"/>
+          </a:fontRef>
+        </p:style>
+        <p:txBody>
+          <a:bodyPr rtlCol="0" anchor="ctr"/>
+          <a:lstStyle/>
+          <a:p>
+            <a:pPr algn="ctr"/>
+            <a:endParaRPr lang="ko-KR" altLang="en-US"/>
+          </a:p>
+        </p:txBody>
+      </p:sp>
+      <p:sp>
+        <p:nvSpPr>
+          <p:cNvPr id="23" name="TextBox 22"/>
+          <p:cNvSpPr txBox="1"/>
+          <p:nvPr/>
+        </p:nvSpPr>
+        <p:spPr>
+          <a:xfrm>
+            <a:off x="2342495" y="1712364"/>
+            <a:ext cx="2304370" cy="369332"/>
+          </a:xfrm>
+          <a:prstGeom prst="rect">
+            <a:avLst/>
+          </a:prstGeom>
+          <a:noFill/>
+        </p:spPr>
+        <p:txBody>
+          <a:bodyPr wrap="square" rtlCol="0">
+            <a:spAutoFit/>
+          </a:bodyPr>
+          <a:lstStyle/>
+          <a:p>
+            <a:r>
+              <a:rPr lang="en-US" altLang="ko-KR" dirty="0" smtClean="0"/>
+              <a:t>Command class</a:t>
+            </a:r>
+            <a:endParaRPr lang="ko-KR" altLang="en-US" dirty="0"/>
+          </a:p>
+        </p:txBody>
+      </p:sp>
+      <p:sp>
+        <p:nvSpPr>
+          <p:cNvPr id="24" name="직사각형 23"/>
+          <p:cNvSpPr/>
+          <p:nvPr/>
+        </p:nvSpPr>
+        <p:spPr>
+          <a:xfrm>
+            <a:off x="2335692" y="2095406"/>
+            <a:ext cx="3748476" cy="2197690"/>
+          </a:xfrm>
+          <a:prstGeom prst="rect">
+            <a:avLst/>
+          </a:prstGeom>
+          <a:solidFill>
+            <a:schemeClr val="accent2">
+              <a:lumMod val="40000"/>
+              <a:lumOff val="60000"/>
+            </a:schemeClr>
+          </a:solidFill>
+          <a:ln>
+            <a:noFill/>
+          </a:ln>
+        </p:spPr>
+        <p:style>
+          <a:lnRef idx="2">
+            <a:schemeClr val="accent1">
+              <a:shade val="50000"/>
+            </a:schemeClr>
+          </a:lnRef>
+          <a:fillRef idx="1">
+            <a:schemeClr val="accent1"/>
+          </a:fillRef>
+          <a:effectRef idx="0">
+            <a:schemeClr val="accent1"/>
+          </a:effectRef>
+          <a:fontRef idx="minor">
+            <a:schemeClr val="lt1"/>
+          </a:fontRef>
+        </p:style>
+        <p:txBody>
+          <a:bodyPr rtlCol="0" anchor="ctr"/>
+          <a:lstStyle/>
+          <a:p>
+            <a:pPr algn="ctr"/>
+            <a:endParaRPr lang="ko-KR" altLang="en-US"/>
+          </a:p>
+        </p:txBody>
+      </p:sp>
+      <p:sp>
+        <p:nvSpPr>
+          <p:cNvPr id="25" name="TextBox 24"/>
+          <p:cNvSpPr txBox="1"/>
+          <p:nvPr/>
+        </p:nvSpPr>
+        <p:spPr>
+          <a:xfrm>
+            <a:off x="2338437" y="2179796"/>
+            <a:ext cx="3745731" cy="2862322"/>
+          </a:xfrm>
+          <a:prstGeom prst="rect">
+            <a:avLst/>
+          </a:prstGeom>
+          <a:noFill/>
+        </p:spPr>
+        <p:txBody>
+          <a:bodyPr wrap="square" rtlCol="0">
+            <a:spAutoFit/>
+          </a:bodyPr>
+          <a:lstStyle/>
+          <a:p>
+            <a:r>
+              <a:rPr lang="en-US" altLang="ko-KR" dirty="0" smtClean="0"/>
+              <a:t>Action&lt;object&gt; _</a:t>
+            </a:r>
+            <a:r>
+              <a:rPr lang="en-US" altLang="ko-KR" dirty="0" err="1" smtClean="0"/>
+              <a:t>executeMethod</a:t>
+            </a:r>
+            <a:endParaRPr lang="en-US" altLang="ko-KR" dirty="0" smtClean="0"/>
+          </a:p>
+          <a:p>
+            <a:r>
+              <a:rPr lang="en-US" altLang="ko-KR" dirty="0" err="1" smtClean="0"/>
+              <a:t>EventHandler</a:t>
+            </a:r>
+            <a:r>
+              <a:rPr lang="en-US" altLang="ko-KR" dirty="0" smtClean="0"/>
+              <a:t> </a:t>
+            </a:r>
+            <a:r>
+              <a:rPr lang="en-US" altLang="ko-KR" dirty="0" err="1" smtClean="0"/>
+              <a:t>canExecuteChanged</a:t>
+            </a:r>
+            <a:r>
+              <a:rPr lang="en-US" altLang="ko-KR" dirty="0" smtClean="0"/>
+              <a:t>;</a:t>
+            </a:r>
+          </a:p>
+          <a:p>
+            <a:endParaRPr lang="en-US" altLang="ko-KR" dirty="0"/>
+          </a:p>
+          <a:p>
+            <a:endParaRPr lang="en-US" altLang="ko-KR" dirty="0" smtClean="0"/>
+          </a:p>
+          <a:p>
+            <a:endParaRPr lang="en-US" altLang="ko-KR" dirty="0"/>
+          </a:p>
+          <a:p>
+            <a:endParaRPr lang="en-US" altLang="ko-KR" dirty="0" smtClean="0"/>
+          </a:p>
+          <a:p>
+            <a:endParaRPr lang="en-US" altLang="ko-KR" dirty="0"/>
+          </a:p>
+          <a:p>
+            <a:endParaRPr lang="en-US" altLang="ko-KR" dirty="0" smtClean="0"/>
+          </a:p>
+          <a:p>
+            <a:r>
+              <a:rPr lang="en-US" altLang="ko-KR" dirty="0" err="1" smtClean="0"/>
+              <a:t>CanExecute</a:t>
+            </a:r>
+            <a:r>
+              <a:rPr lang="en-US" altLang="ko-KR" dirty="0" smtClean="0"/>
+              <a:t>(object) : bool</a:t>
+            </a:r>
+          </a:p>
+          <a:p>
+            <a:r>
+              <a:rPr lang="en-US" altLang="ko-KR" dirty="0" smtClean="0"/>
+              <a:t>Execute(object) : void</a:t>
+            </a:r>
+          </a:p>
+        </p:txBody>
+      </p:sp>
+      <p:sp>
+        <p:nvSpPr>
+          <p:cNvPr id="26" name="직사각형 25"/>
+          <p:cNvSpPr/>
+          <p:nvPr/>
+        </p:nvSpPr>
+        <p:spPr>
+          <a:xfrm>
+            <a:off x="6182914" y="1697236"/>
+            <a:ext cx="2710719" cy="4932548"/>
+          </a:xfrm>
+          <a:prstGeom prst="rect">
+            <a:avLst/>
+          </a:prstGeom>
+          <a:solidFill>
+            <a:schemeClr val="accent2">
+              <a:lumMod val="60000"/>
+              <a:lumOff val="40000"/>
+            </a:schemeClr>
+          </a:solidFill>
+          <a:ln>
+            <a:noFill/>
+          </a:ln>
+        </p:spPr>
+        <p:style>
+          <a:lnRef idx="2">
+            <a:schemeClr val="accent1">
+              <a:shade val="50000"/>
+            </a:schemeClr>
+          </a:lnRef>
+          <a:fillRef idx="1">
+            <a:schemeClr val="accent1"/>
+          </a:fillRef>
+          <a:effectRef idx="0">
+            <a:schemeClr val="accent1"/>
+          </a:effectRef>
+          <a:fontRef idx="minor">
+            <a:schemeClr val="lt1"/>
+          </a:fontRef>
+        </p:style>
+        <p:txBody>
+          <a:bodyPr rtlCol="0" anchor="ctr"/>
+          <a:lstStyle/>
+          <a:p>
+            <a:pPr algn="ctr"/>
+            <a:endParaRPr lang="ko-KR" altLang="en-US"/>
+          </a:p>
+        </p:txBody>
+      </p:sp>
+      <p:sp>
+        <p:nvSpPr>
+          <p:cNvPr id="27" name="직사각형 26"/>
+          <p:cNvSpPr/>
+          <p:nvPr/>
+        </p:nvSpPr>
+        <p:spPr>
+          <a:xfrm>
+            <a:off x="6182914" y="2091834"/>
+            <a:ext cx="2710719" cy="2197690"/>
+          </a:xfrm>
+          <a:prstGeom prst="rect">
+            <a:avLst/>
+          </a:prstGeom>
+          <a:solidFill>
+            <a:schemeClr val="accent2">
+              <a:lumMod val="40000"/>
+              <a:lumOff val="60000"/>
+            </a:schemeClr>
+          </a:solidFill>
+          <a:ln>
+            <a:noFill/>
+          </a:ln>
+        </p:spPr>
+        <p:style>
+          <a:lnRef idx="2">
+            <a:schemeClr val="accent1">
+              <a:shade val="50000"/>
+            </a:schemeClr>
+          </a:lnRef>
+          <a:fillRef idx="1">
+            <a:schemeClr val="accent1"/>
+          </a:fillRef>
+          <a:effectRef idx="0">
+            <a:schemeClr val="accent1"/>
+          </a:effectRef>
+          <a:fontRef idx="minor">
+            <a:schemeClr val="lt1"/>
+          </a:fontRef>
+        </p:style>
+        <p:txBody>
+          <a:bodyPr rtlCol="0" anchor="ctr"/>
+          <a:lstStyle/>
+          <a:p>
+            <a:pPr algn="ctr"/>
+            <a:endParaRPr lang="ko-KR" altLang="en-US"/>
+          </a:p>
+        </p:txBody>
+      </p:sp>
+      <p:sp>
+        <p:nvSpPr>
+          <p:cNvPr id="28" name="TextBox 27"/>
+          <p:cNvSpPr txBox="1"/>
+          <p:nvPr/>
+        </p:nvSpPr>
+        <p:spPr>
+          <a:xfrm>
+            <a:off x="6185660" y="2176224"/>
+            <a:ext cx="2706820" cy="3693319"/>
+          </a:xfrm>
+          <a:prstGeom prst="rect">
+            <a:avLst/>
+          </a:prstGeom>
+          <a:noFill/>
+        </p:spPr>
+        <p:txBody>
+          <a:bodyPr wrap="square" rtlCol="0">
+            <a:spAutoFit/>
+          </a:bodyPr>
+          <a:lstStyle/>
+          <a:p>
+            <a:r>
+              <a:rPr lang="en-US" altLang="ko-KR" dirty="0" smtClean="0"/>
+              <a:t>Node front;</a:t>
+            </a:r>
+          </a:p>
+          <a:p>
+            <a:r>
+              <a:rPr lang="en-US" altLang="ko-KR" dirty="0" smtClean="0"/>
+              <a:t>Node rear;</a:t>
+            </a:r>
+          </a:p>
+          <a:p>
+            <a:endParaRPr lang="en-US" altLang="ko-KR" dirty="0"/>
+          </a:p>
+          <a:p>
+            <a:endParaRPr lang="en-US" altLang="ko-KR" dirty="0" smtClean="0"/>
+          </a:p>
+          <a:p>
+            <a:endParaRPr lang="en-US" altLang="ko-KR" dirty="0"/>
+          </a:p>
+          <a:p>
+            <a:endParaRPr lang="en-US" altLang="ko-KR" dirty="0" smtClean="0"/>
+          </a:p>
+          <a:p>
+            <a:endParaRPr lang="en-US" altLang="ko-KR" dirty="0"/>
+          </a:p>
+          <a:p>
+            <a:endParaRPr lang="en-US" altLang="ko-KR" dirty="0" smtClean="0"/>
+          </a:p>
+          <a:p>
+            <a:r>
+              <a:rPr lang="en-US" altLang="ko-KR" dirty="0" err="1" smtClean="0"/>
+              <a:t>isEmpty</a:t>
+            </a:r>
+            <a:r>
+              <a:rPr lang="en-US" altLang="ko-KR" dirty="0" smtClean="0"/>
+              <a:t>() :bool</a:t>
+            </a:r>
+          </a:p>
+          <a:p>
+            <a:r>
+              <a:rPr lang="en-US" altLang="ko-KR" dirty="0" err="1" smtClean="0"/>
+              <a:t>Enqueue</a:t>
+            </a:r>
+            <a:r>
+              <a:rPr lang="en-US" altLang="ko-KR" dirty="0" smtClean="0"/>
+              <a:t>(node):void</a:t>
+            </a:r>
+          </a:p>
+          <a:p>
+            <a:r>
+              <a:rPr lang="en-US" altLang="ko-KR" dirty="0" err="1" smtClean="0"/>
+              <a:t>Dequeue</a:t>
+            </a:r>
+            <a:r>
+              <a:rPr lang="en-US" altLang="ko-KR" dirty="0" smtClean="0"/>
+              <a:t>() :Node</a:t>
+            </a:r>
+          </a:p>
+          <a:p>
+            <a:r>
+              <a:rPr lang="en-US" altLang="ko-KR" dirty="0" smtClean="0"/>
+              <a:t>Peek() :Node</a:t>
+            </a:r>
+          </a:p>
+          <a:p>
+            <a:r>
+              <a:rPr lang="en-US" altLang="ko-KR" dirty="0" smtClean="0"/>
+              <a:t>Display() : void</a:t>
+            </a:r>
+          </a:p>
+        </p:txBody>
+      </p:sp>
+      <p:sp>
+        <p:nvSpPr>
+          <p:cNvPr id="29" name="TextBox 28"/>
+          <p:cNvSpPr txBox="1"/>
+          <p:nvPr/>
+        </p:nvSpPr>
+        <p:spPr>
+          <a:xfrm>
+            <a:off x="6182914" y="1709869"/>
+            <a:ext cx="2304370" cy="369332"/>
+          </a:xfrm>
+          <a:prstGeom prst="rect">
+            <a:avLst/>
+          </a:prstGeom>
+          <a:noFill/>
+        </p:spPr>
+        <p:txBody>
+          <a:bodyPr wrap="square" rtlCol="0">
+            <a:spAutoFit/>
+          </a:bodyPr>
+          <a:lstStyle/>
+          <a:p>
+            <a:r>
+              <a:rPr lang="en-US" altLang="ko-KR" dirty="0" err="1" smtClean="0"/>
+              <a:t>LinkedQueue</a:t>
+            </a:r>
+            <a:r>
+              <a:rPr lang="en-US" altLang="ko-KR" dirty="0" smtClean="0"/>
+              <a:t> class</a:t>
+            </a:r>
+            <a:endParaRPr lang="ko-KR" altLang="en-US" dirty="0"/>
+          </a:p>
+        </p:txBody>
+      </p:sp>
       <p:pic>
         <p:nvPicPr>
-          <p:cNvPr id="6" name="그림 5"/>
+          <p:cNvPr id="5" name="그림 4"/>
           <p:cNvPicPr>
             <a:picLocks noChangeAspect="1"/>
           </p:cNvPicPr>
           <p:nvPr/>
         </p:nvPicPr>
         <p:blipFill>
-          <a:blip r:embed="rId3">
-            <a:extLst>
-              <a:ext uri="{28A0092B-C50C-407E-A947-70E740481C1C}">
-                <a14:useLocalDpi xmlns:a14="http://schemas.microsoft.com/office/drawing/2010/main" val="0"/>
-              </a:ext>
-            </a:extLst>
-          </a:blip>
+          <a:blip r:embed="rId3"/>
           <a:stretch>
             <a:fillRect/>
           </a:stretch>
         </p:blipFill>
         <p:spPr>
           <a:xfrm>
-            <a:off x="652463" y="1556740"/>
-            <a:ext cx="7839075" cy="4800600"/>
+            <a:off x="5652120" y="168894"/>
+            <a:ext cx="2676678" cy="1515709"/>
           </a:xfrm>
           <a:prstGeom prst="rect">
             <a:avLst/>
@@ -4179,7 +6538,7 @@
     </p:spTree>
     <p:extLst>
       <p:ext uri="{BB962C8B-B14F-4D97-AF65-F5344CB8AC3E}">
-        <p14:creationId xmlns:p14="http://schemas.microsoft.com/office/powerpoint/2010/main" val="1884829186"/>
+        <p14:creationId xmlns:p14="http://schemas.microsoft.com/office/powerpoint/2010/main" val="3760542929"/>
       </p:ext>
     </p:extLst>
   </p:cSld>
@@ -4208,7 +6567,7 @@
       </p:grpSpPr>
       <p:pic>
         <p:nvPicPr>
-          <p:cNvPr id="6" name="그림 5"/>
+          <p:cNvPr id="7" name="그림 6"/>
           <p:cNvPicPr>
             <a:picLocks noChangeAspect="1"/>
           </p:cNvPicPr>
@@ -4245,7 +6604,7 @@
         <p:spPr>
           <a:xfrm>
             <a:off x="467430" y="426076"/>
-            <a:ext cx="545342" cy="338554"/>
+            <a:ext cx="545342" cy="584775"/>
           </a:xfrm>
           <a:prstGeom prst="rect">
             <a:avLst/>
@@ -4267,6 +6626,16 @@
           <a:lstStyle/>
           <a:p>
             <a:r>
+              <a:rPr lang="en-US" altLang="ko-KR" sz="1600" dirty="0">
+                <a:solidFill>
+                  <a:srgbClr val="FF3399"/>
+                </a:solidFill>
+                <a:latin typeface="Noto Sans CJK SC Bold" pitchFamily="34" charset="-127"/>
+                <a:ea typeface="Noto Sans CJK SC Bold" pitchFamily="34" charset="-127"/>
+              </a:rPr>
+              <a:t>#</a:t>
+            </a:r>
+            <a:r>
               <a:rPr lang="en-US" altLang="ko-KR" sz="1600" dirty="0" smtClean="0">
                 <a:solidFill>
                   <a:srgbClr val="FF3399"/>
@@ -4274,7 +6643,7 @@
                 <a:latin typeface="Noto Sans CJK SC Bold" pitchFamily="34" charset="-127"/>
                 <a:ea typeface="Noto Sans CJK SC Bold" pitchFamily="34" charset="-127"/>
               </a:rPr>
-              <a:t>#04</a:t>
+              <a:t>02</a:t>
             </a:r>
             <a:endParaRPr lang="ko-KR" altLang="en-US" sz="1600" dirty="0">
               <a:solidFill>
@@ -4284,6 +6653,15 @@
               <a:ea typeface="Noto Sans CJK SC Bold" pitchFamily="34" charset="-127"/>
             </a:endParaRPr>
           </a:p>
+          <a:p>
+            <a:endParaRPr lang="ko-KR" altLang="en-US" sz="1600" dirty="0">
+              <a:solidFill>
+                <a:srgbClr val="FF3399"/>
+              </a:solidFill>
+              <a:latin typeface="Noto Sans CJK SC Bold" pitchFamily="34" charset="-127"/>
+              <a:ea typeface="Noto Sans CJK SC Bold" pitchFamily="34" charset="-127"/>
+            </a:endParaRPr>
+          </a:p>
         </p:txBody>
       </p:sp>
       <p:sp>
@@ -4294,8 +6672,8 @@
         </p:nvSpPr>
         <p:spPr>
           <a:xfrm>
-            <a:off x="467430" y="764630"/>
-            <a:ext cx="1152367" cy="461665"/>
+            <a:off x="935596" y="364520"/>
+            <a:ext cx="4766048" cy="461665"/>
           </a:xfrm>
           <a:prstGeom prst="rect">
             <a:avLst/>
@@ -4308,6 +6686,16 @@
           </a:bodyPr>
           <a:lstStyle/>
           <a:p>
+            <a:r>
+              <a:rPr lang="ko-KR" altLang="en-US" sz="2400" dirty="0" smtClean="0">
+                <a:solidFill>
+                  <a:srgbClr val="FF3399"/>
+                </a:solidFill>
+                <a:latin typeface="Noto Sans CJK SC Bold" pitchFamily="34" charset="-127"/>
+                <a:ea typeface="Noto Sans CJK SC Bold" pitchFamily="34" charset="-127"/>
+              </a:rPr>
+              <a:t>클래스 구성 </a:t>
+            </a:r>
             <a:r>
               <a:rPr lang="en-US" altLang="ko-KR" sz="2400" dirty="0" smtClean="0">
                 <a:solidFill>
@@ -4316,7 +6704,7 @@
                 <a:latin typeface="Noto Sans CJK SC Bold" pitchFamily="34" charset="-127"/>
                 <a:ea typeface="Noto Sans CJK SC Bold" pitchFamily="34" charset="-127"/>
               </a:rPr>
-              <a:t>IMAGE</a:t>
+              <a:t>: Resource directory</a:t>
             </a:r>
             <a:endParaRPr lang="ko-KR" altLang="en-US" sz="2400" dirty="0">
               <a:solidFill>
@@ -4328,30 +6716,240 @@
           </a:p>
         </p:txBody>
       </p:sp>
+      <p:sp>
+        <p:nvSpPr>
+          <p:cNvPr id="26" name="직사각형 25"/>
+          <p:cNvSpPr/>
+          <p:nvPr/>
+        </p:nvSpPr>
+        <p:spPr>
+          <a:xfrm>
+            <a:off x="575556" y="1671970"/>
+            <a:ext cx="2710719" cy="4932548"/>
+          </a:xfrm>
+          <a:prstGeom prst="rect">
+            <a:avLst/>
+          </a:prstGeom>
+          <a:solidFill>
+            <a:schemeClr val="accent2">
+              <a:lumMod val="60000"/>
+              <a:lumOff val="40000"/>
+            </a:schemeClr>
+          </a:solidFill>
+          <a:ln>
+            <a:noFill/>
+          </a:ln>
+        </p:spPr>
+        <p:style>
+          <a:lnRef idx="2">
+            <a:schemeClr val="accent1">
+              <a:shade val="50000"/>
+            </a:schemeClr>
+          </a:lnRef>
+          <a:fillRef idx="1">
+            <a:schemeClr val="accent1"/>
+          </a:fillRef>
+          <a:effectRef idx="0">
+            <a:schemeClr val="accent1"/>
+          </a:effectRef>
+          <a:fontRef idx="minor">
+            <a:schemeClr val="lt1"/>
+          </a:fontRef>
+        </p:style>
+        <p:txBody>
+          <a:bodyPr rtlCol="0" anchor="ctr"/>
+          <a:lstStyle/>
+          <a:p>
+            <a:pPr algn="ctr"/>
+            <a:endParaRPr lang="ko-KR" altLang="en-US"/>
+          </a:p>
+        </p:txBody>
+      </p:sp>
+      <p:sp>
+        <p:nvSpPr>
+          <p:cNvPr id="27" name="직사각형 26"/>
+          <p:cNvSpPr/>
+          <p:nvPr/>
+        </p:nvSpPr>
+        <p:spPr>
+          <a:xfrm>
+            <a:off x="575556" y="2066568"/>
+            <a:ext cx="2710719" cy="2197690"/>
+          </a:xfrm>
+          <a:prstGeom prst="rect">
+            <a:avLst/>
+          </a:prstGeom>
+          <a:solidFill>
+            <a:schemeClr val="accent2">
+              <a:lumMod val="40000"/>
+              <a:lumOff val="60000"/>
+            </a:schemeClr>
+          </a:solidFill>
+          <a:ln>
+            <a:noFill/>
+          </a:ln>
+        </p:spPr>
+        <p:style>
+          <a:lnRef idx="2">
+            <a:schemeClr val="accent1">
+              <a:shade val="50000"/>
+            </a:schemeClr>
+          </a:lnRef>
+          <a:fillRef idx="1">
+            <a:schemeClr val="accent1"/>
+          </a:fillRef>
+          <a:effectRef idx="0">
+            <a:schemeClr val="accent1"/>
+          </a:effectRef>
+          <a:fontRef idx="minor">
+            <a:schemeClr val="lt1"/>
+          </a:fontRef>
+        </p:style>
+        <p:txBody>
+          <a:bodyPr rtlCol="0" anchor="ctr"/>
+          <a:lstStyle/>
+          <a:p>
+            <a:pPr algn="ctr"/>
+            <a:endParaRPr lang="ko-KR" altLang="en-US"/>
+          </a:p>
+        </p:txBody>
+      </p:sp>
+      <p:sp>
+        <p:nvSpPr>
+          <p:cNvPr id="28" name="TextBox 27"/>
+          <p:cNvSpPr txBox="1"/>
+          <p:nvPr/>
+        </p:nvSpPr>
+        <p:spPr>
+          <a:xfrm>
+            <a:off x="578302" y="2150958"/>
+            <a:ext cx="2706820" cy="3693319"/>
+          </a:xfrm>
+          <a:prstGeom prst="rect">
+            <a:avLst/>
+          </a:prstGeom>
+          <a:noFill/>
+        </p:spPr>
+        <p:txBody>
+          <a:bodyPr wrap="square" rtlCol="0">
+            <a:spAutoFit/>
+          </a:bodyPr>
+          <a:lstStyle/>
+          <a:p>
+            <a:r>
+              <a:rPr lang="en-US" altLang="ko-KR" dirty="0" smtClean="0"/>
+              <a:t>Node top</a:t>
+            </a:r>
+          </a:p>
+          <a:p>
+            <a:endParaRPr lang="en-US" altLang="ko-KR" dirty="0"/>
+          </a:p>
+          <a:p>
+            <a:endParaRPr lang="en-US" altLang="ko-KR" dirty="0" smtClean="0"/>
+          </a:p>
+          <a:p>
+            <a:endParaRPr lang="en-US" altLang="ko-KR" dirty="0"/>
+          </a:p>
+          <a:p>
+            <a:endParaRPr lang="en-US" altLang="ko-KR" dirty="0" smtClean="0"/>
+          </a:p>
+          <a:p>
+            <a:endParaRPr lang="en-US" altLang="ko-KR" dirty="0"/>
+          </a:p>
+          <a:p>
+            <a:endParaRPr lang="en-US" altLang="ko-KR" dirty="0" smtClean="0"/>
+          </a:p>
+          <a:p>
+            <a:endParaRPr lang="en-US" altLang="ko-KR" dirty="0"/>
+          </a:p>
+          <a:p>
+            <a:r>
+              <a:rPr lang="en-US" altLang="ko-KR" dirty="0" err="1" smtClean="0"/>
+              <a:t>isEmpty</a:t>
+            </a:r>
+            <a:r>
+              <a:rPr lang="en-US" altLang="ko-KR" dirty="0" smtClean="0"/>
+              <a:t>():bool</a:t>
+            </a:r>
+          </a:p>
+          <a:p>
+            <a:r>
+              <a:rPr lang="en-US" altLang="ko-KR" dirty="0" smtClean="0"/>
+              <a:t>Push(Node) :void</a:t>
+            </a:r>
+          </a:p>
+          <a:p>
+            <a:r>
+              <a:rPr lang="en-US" altLang="ko-KR" dirty="0" smtClean="0"/>
+              <a:t>Pop() : Node</a:t>
+            </a:r>
+          </a:p>
+          <a:p>
+            <a:r>
+              <a:rPr lang="en-US" altLang="ko-KR" dirty="0" smtClean="0"/>
+              <a:t>Peek() :Node</a:t>
+            </a:r>
+          </a:p>
+          <a:p>
+            <a:r>
+              <a:rPr lang="en-US" altLang="ko-KR" dirty="0" smtClean="0"/>
+              <a:t>Display():void</a:t>
+            </a:r>
+          </a:p>
+        </p:txBody>
+      </p:sp>
+      <p:sp>
+        <p:nvSpPr>
+          <p:cNvPr id="29" name="TextBox 28"/>
+          <p:cNvSpPr txBox="1"/>
+          <p:nvPr/>
+        </p:nvSpPr>
+        <p:spPr>
+          <a:xfrm>
+            <a:off x="575556" y="1684603"/>
+            <a:ext cx="2304370" cy="369332"/>
+          </a:xfrm>
+          <a:prstGeom prst="rect">
+            <a:avLst/>
+          </a:prstGeom>
+          <a:noFill/>
+        </p:spPr>
+        <p:txBody>
+          <a:bodyPr wrap="square" rtlCol="0">
+            <a:spAutoFit/>
+          </a:bodyPr>
+          <a:lstStyle/>
+          <a:p>
+            <a:r>
+              <a:rPr lang="en-US" altLang="ko-KR" dirty="0" err="1" smtClean="0"/>
+              <a:t>LinkedStack</a:t>
+            </a:r>
+            <a:r>
+              <a:rPr lang="en-US" altLang="ko-KR" dirty="0" smtClean="0"/>
+              <a:t> class</a:t>
+            </a:r>
+            <a:endParaRPr lang="ko-KR" altLang="en-US" dirty="0"/>
+          </a:p>
+        </p:txBody>
+      </p:sp>
       <p:pic>
         <p:nvPicPr>
-          <p:cNvPr id="4" name="그림 3"/>
+          <p:cNvPr id="5" name="그림 4"/>
           <p:cNvPicPr>
             <a:picLocks noChangeAspect="1"/>
           </p:cNvPicPr>
           <p:nvPr/>
         </p:nvPicPr>
         <p:blipFill>
-          <a:blip r:embed="rId3">
-            <a:extLst>
-              <a:ext uri="{28A0092B-C50C-407E-A947-70E740481C1C}">
-                <a14:useLocalDpi xmlns:a14="http://schemas.microsoft.com/office/drawing/2010/main" val="0"/>
-              </a:ext>
-            </a:extLst>
-          </a:blip>
+          <a:blip r:embed="rId3"/>
           <a:stretch>
             <a:fillRect/>
           </a:stretch>
         </p:blipFill>
         <p:spPr>
           <a:xfrm>
-            <a:off x="2771750" y="1556740"/>
-            <a:ext cx="5715000" cy="3810000"/>
+            <a:off x="5652120" y="168894"/>
+            <a:ext cx="2676678" cy="1515709"/>
           </a:xfrm>
           <a:prstGeom prst="rect">
             <a:avLst/>
@@ -4361,7 +6959,7 @@
     </p:spTree>
     <p:extLst>
       <p:ext uri="{BB962C8B-B14F-4D97-AF65-F5344CB8AC3E}">
-        <p14:creationId xmlns:p14="http://schemas.microsoft.com/office/powerpoint/2010/main" val="1774824213"/>
+        <p14:creationId xmlns:p14="http://schemas.microsoft.com/office/powerpoint/2010/main" val="2355866265"/>
       </p:ext>
     </p:extLst>
   </p:cSld>
@@ -4390,7 +6988,7 @@
       </p:grpSpPr>
       <p:pic>
         <p:nvPicPr>
-          <p:cNvPr id="4" name="그림 3"/>
+          <p:cNvPr id="7" name="그림 6"/>
           <p:cNvPicPr>
             <a:picLocks noChangeAspect="1"/>
           </p:cNvPicPr>
@@ -4418,21 +7016,194 @@
           </a:prstGeom>
         </p:spPr>
       </p:pic>
-      <p:sp>
-        <p:nvSpPr>
-          <p:cNvPr id="8" name="TextBox 7"/>
+      <p:grpSp>
+        <p:nvGrpSpPr>
+          <p:cNvPr id="32" name="그룹 31"/>
+          <p:cNvGrpSpPr/>
+          <p:nvPr/>
+        </p:nvGrpSpPr>
+        <p:grpSpPr>
+          <a:xfrm>
+            <a:off x="6035728" y="1695809"/>
+            <a:ext cx="3082582" cy="4932548"/>
+            <a:chOff x="354707" y="1685836"/>
+            <a:chExt cx="2022434" cy="4932548"/>
+          </a:xfrm>
+        </p:grpSpPr>
+        <p:sp>
+          <p:nvSpPr>
+            <p:cNvPr id="33" name="직사각형 32"/>
+            <p:cNvSpPr/>
+            <p:nvPr/>
+          </p:nvSpPr>
+          <p:spPr>
+            <a:xfrm>
+              <a:off x="354707" y="1685836"/>
+              <a:ext cx="1908212" cy="4932548"/>
+            </a:xfrm>
+            <a:prstGeom prst="rect">
+              <a:avLst/>
+            </a:prstGeom>
+            <a:solidFill>
+              <a:schemeClr val="accent2">
+                <a:lumMod val="60000"/>
+                <a:lumOff val="40000"/>
+              </a:schemeClr>
+            </a:solidFill>
+            <a:ln>
+              <a:noFill/>
+            </a:ln>
+          </p:spPr>
+          <p:style>
+            <a:lnRef idx="2">
+              <a:schemeClr val="accent1">
+                <a:shade val="50000"/>
+              </a:schemeClr>
+            </a:lnRef>
+            <a:fillRef idx="1">
+              <a:schemeClr val="accent1"/>
+            </a:fillRef>
+            <a:effectRef idx="0">
+              <a:schemeClr val="accent1"/>
+            </a:effectRef>
+            <a:fontRef idx="minor">
+              <a:schemeClr val="lt1"/>
+            </a:fontRef>
+          </p:style>
+          <p:txBody>
+            <a:bodyPr rtlCol="0" anchor="ctr"/>
+            <a:lstStyle/>
+            <a:p>
+              <a:pPr algn="ctr"/>
+              <a:endParaRPr lang="ko-KR" altLang="en-US"/>
+            </a:p>
+          </p:txBody>
+        </p:sp>
+        <p:sp>
+          <p:nvSpPr>
+            <p:cNvPr id="36" name="TextBox 35"/>
+            <p:cNvSpPr txBox="1"/>
+            <p:nvPr/>
+          </p:nvSpPr>
+          <p:spPr>
+            <a:xfrm>
+              <a:off x="366130" y="2989527"/>
+              <a:ext cx="2011011" cy="1754326"/>
+            </a:xfrm>
+            <a:prstGeom prst="rect">
+              <a:avLst/>
+            </a:prstGeom>
+            <a:noFill/>
+          </p:spPr>
+          <p:txBody>
+            <a:bodyPr wrap="square" rtlCol="0">
+              <a:spAutoFit/>
+            </a:bodyPr>
+            <a:lstStyle/>
+            <a:p>
+              <a:r>
+                <a:rPr lang="en-US" altLang="ko-KR" dirty="0" err="1" smtClean="0"/>
+                <a:t>SelectedChange</a:t>
+              </a:r>
+              <a:r>
+                <a:rPr lang="en-US" altLang="ko-KR" dirty="0" smtClean="0"/>
+                <a:t>(</a:t>
+              </a:r>
+              <a:r>
+                <a:rPr lang="en-US" altLang="ko-KR" dirty="0" err="1" smtClean="0"/>
+                <a:t>int</a:t>
+              </a:r>
+              <a:r>
+                <a:rPr lang="en-US" altLang="ko-KR" dirty="0" smtClean="0"/>
+                <a:t>) :void</a:t>
+              </a:r>
+            </a:p>
+            <a:p>
+              <a:r>
+                <a:rPr lang="en-US" altLang="ko-KR" dirty="0" err="1" smtClean="0"/>
+                <a:t>isValidLoc</a:t>
+              </a:r>
+              <a:r>
+                <a:rPr lang="en-US" altLang="ko-KR" dirty="0" smtClean="0"/>
+                <a:t>(</a:t>
+              </a:r>
+              <a:r>
+                <a:rPr lang="en-US" altLang="ko-KR" dirty="0" err="1" smtClean="0"/>
+                <a:t>int,int</a:t>
+              </a:r>
+              <a:r>
+                <a:rPr lang="en-US" altLang="ko-KR" dirty="0" smtClean="0"/>
+                <a:t>):bool</a:t>
+              </a:r>
+            </a:p>
+            <a:p>
+              <a:r>
+                <a:rPr lang="en-US" altLang="ko-KR" dirty="0" err="1" smtClean="0"/>
+                <a:t>isValidLoc</a:t>
+              </a:r>
+              <a:r>
+                <a:rPr lang="en-US" altLang="ko-KR" dirty="0" smtClean="0"/>
+                <a:t>(</a:t>
+              </a:r>
+              <a:r>
+                <a:rPr lang="en-US" altLang="ko-KR" dirty="0" err="1" smtClean="0"/>
+                <a:t>int,int</a:t>
+              </a:r>
+              <a:r>
+                <a:rPr lang="en-US" altLang="ko-KR" dirty="0" smtClean="0"/>
+                <a:t>):bool</a:t>
+              </a:r>
+            </a:p>
+            <a:p>
+              <a:r>
+                <a:rPr lang="en-US" altLang="ko-KR" dirty="0" err="1" smtClean="0"/>
+                <a:t>EscapeMaze_BFS</a:t>
+              </a:r>
+              <a:r>
+                <a:rPr lang="en-US" altLang="ko-KR" dirty="0" smtClean="0"/>
+                <a:t>():void</a:t>
+              </a:r>
+            </a:p>
+            <a:p>
+              <a:r>
+                <a:rPr lang="en-US" altLang="ko-KR" dirty="0" err="1" smtClean="0"/>
+                <a:t>EscapeMaze_DFS</a:t>
+              </a:r>
+              <a:r>
+                <a:rPr lang="en-US" altLang="ko-KR" dirty="0"/>
+                <a:t>():void</a:t>
+              </a:r>
+              <a:endParaRPr lang="en-US" altLang="ko-KR" dirty="0" smtClean="0"/>
+            </a:p>
+            <a:p>
+              <a:endParaRPr lang="en-US" altLang="ko-KR" dirty="0" smtClean="0"/>
+            </a:p>
+          </p:txBody>
+        </p:sp>
+      </p:grpSp>
+      <p:sp>
+        <p:nvSpPr>
+          <p:cNvPr id="9" name="TextBox 8"/>
           <p:cNvSpPr txBox="1"/>
           <p:nvPr/>
         </p:nvSpPr>
         <p:spPr>
           <a:xfrm>
-            <a:off x="2866437" y="3013502"/>
-            <a:ext cx="3411127" cy="830997"/>
+            <a:off x="467430" y="426076"/>
+            <a:ext cx="545342" cy="584775"/>
           </a:xfrm>
           <a:prstGeom prst="rect">
             <a:avLst/>
           </a:prstGeom>
           <a:noFill/>
+          <a:ln>
+            <a:noFill/>
+          </a:ln>
+          <a:effectLst>
+            <a:outerShdw blurRad="50800" dist="50800" dir="5400000" sx="1000" sy="1000" algn="ctr" rotWithShape="0">
+              <a:srgbClr val="000000"/>
+            </a:outerShdw>
+          </a:effectLst>
         </p:spPr>
         <p:txBody>
           <a:bodyPr wrap="none" rtlCol="0">
@@ -4440,31 +7211,683 @@
           </a:bodyPr>
           <a:lstStyle/>
           <a:p>
-            <a:pPr algn="ctr"/>
-            <a:r>
-              <a:rPr lang="en-US" altLang="ko-KR" sz="4800" dirty="0" smtClean="0">
+            <a:r>
+              <a:rPr lang="en-US" altLang="ko-KR" sz="1600" dirty="0">
                 <a:solidFill>
                   <a:srgbClr val="FF3399"/>
                 </a:solidFill>
-                <a:latin typeface="Noto Sans CJK SC Thin" pitchFamily="34" charset="-127"/>
-                <a:ea typeface="Noto Sans CJK SC Thin" pitchFamily="34" charset="-127"/>
+                <a:latin typeface="Noto Sans CJK SC Bold" pitchFamily="34" charset="-127"/>
+                <a:ea typeface="Noto Sans CJK SC Bold" pitchFamily="34" charset="-127"/>
               </a:rPr>
-              <a:t>THANK YOU</a:t>
-            </a:r>
-            <a:endParaRPr lang="ko-KR" altLang="en-US" sz="4800" dirty="0">
+              <a:t>#</a:t>
+            </a:r>
+            <a:r>
+              <a:rPr lang="en-US" altLang="ko-KR" sz="1600" dirty="0" smtClean="0">
+                <a:solidFill>
+                  <a:srgbClr val="FF3399"/>
+                </a:solidFill>
+                <a:latin typeface="Noto Sans CJK SC Bold" pitchFamily="34" charset="-127"/>
+                <a:ea typeface="Noto Sans CJK SC Bold" pitchFamily="34" charset="-127"/>
+              </a:rPr>
+              <a:t>02</a:t>
+            </a:r>
+            <a:endParaRPr lang="ko-KR" altLang="en-US" sz="1600" dirty="0">
               <a:solidFill>
                 <a:srgbClr val="FF3399"/>
               </a:solidFill>
-              <a:latin typeface="Noto Sans CJK SC Thin" pitchFamily="34" charset="-127"/>
-              <a:ea typeface="Noto Sans CJK SC Thin" pitchFamily="34" charset="-127"/>
+              <a:latin typeface="Noto Sans CJK SC Bold" pitchFamily="34" charset="-127"/>
+              <a:ea typeface="Noto Sans CJK SC Bold" pitchFamily="34" charset="-127"/>
             </a:endParaRPr>
           </a:p>
-        </p:txBody>
-      </p:sp>
+          <a:p>
+            <a:endParaRPr lang="ko-KR" altLang="en-US" sz="1600" dirty="0">
+              <a:solidFill>
+                <a:srgbClr val="FF3399"/>
+              </a:solidFill>
+              <a:latin typeface="Noto Sans CJK SC Bold" pitchFamily="34" charset="-127"/>
+              <a:ea typeface="Noto Sans CJK SC Bold" pitchFamily="34" charset="-127"/>
+            </a:endParaRPr>
+          </a:p>
+        </p:txBody>
+      </p:sp>
+      <p:sp>
+        <p:nvSpPr>
+          <p:cNvPr id="10" name="TextBox 9"/>
+          <p:cNvSpPr txBox="1"/>
+          <p:nvPr/>
+        </p:nvSpPr>
+        <p:spPr>
+          <a:xfrm>
+            <a:off x="935596" y="364520"/>
+            <a:ext cx="5034776" cy="461665"/>
+          </a:xfrm>
+          <a:prstGeom prst="rect">
+            <a:avLst/>
+          </a:prstGeom>
+          <a:noFill/>
+        </p:spPr>
+        <p:txBody>
+          <a:bodyPr wrap="none" rtlCol="0">
+            <a:spAutoFit/>
+          </a:bodyPr>
+          <a:lstStyle/>
+          <a:p>
+            <a:r>
+              <a:rPr lang="ko-KR" altLang="en-US" sz="2400" dirty="0" smtClean="0">
+                <a:solidFill>
+                  <a:srgbClr val="FF3399"/>
+                </a:solidFill>
+                <a:latin typeface="Noto Sans CJK SC Bold" pitchFamily="34" charset="-127"/>
+                <a:ea typeface="Noto Sans CJK SC Bold" pitchFamily="34" charset="-127"/>
+              </a:rPr>
+              <a:t>클래스 구성 </a:t>
+            </a:r>
+            <a:r>
+              <a:rPr lang="en-US" altLang="ko-KR" sz="2400" dirty="0" smtClean="0">
+                <a:solidFill>
+                  <a:srgbClr val="FF3399"/>
+                </a:solidFill>
+                <a:latin typeface="Noto Sans CJK SC Bold" pitchFamily="34" charset="-127"/>
+                <a:ea typeface="Noto Sans CJK SC Bold" pitchFamily="34" charset="-127"/>
+              </a:rPr>
+              <a:t>: </a:t>
+            </a:r>
+            <a:r>
+              <a:rPr lang="en-US" altLang="ko-KR" sz="2400" dirty="0" err="1" smtClean="0">
+                <a:solidFill>
+                  <a:srgbClr val="FF3399"/>
+                </a:solidFill>
+                <a:latin typeface="Noto Sans CJK SC Bold" pitchFamily="34" charset="-127"/>
+                <a:ea typeface="Noto Sans CJK SC Bold" pitchFamily="34" charset="-127"/>
+              </a:rPr>
+              <a:t>ViewModel</a:t>
+            </a:r>
+            <a:r>
+              <a:rPr lang="en-US" altLang="ko-KR" sz="2400" dirty="0" smtClean="0">
+                <a:solidFill>
+                  <a:srgbClr val="FF3399"/>
+                </a:solidFill>
+                <a:latin typeface="Noto Sans CJK SC Bold" pitchFamily="34" charset="-127"/>
+                <a:ea typeface="Noto Sans CJK SC Bold" pitchFamily="34" charset="-127"/>
+              </a:rPr>
+              <a:t> directory</a:t>
+            </a:r>
+            <a:endParaRPr lang="ko-KR" altLang="en-US" sz="2400" dirty="0">
+              <a:solidFill>
+                <a:srgbClr val="FF3399"/>
+              </a:solidFill>
+              <a:latin typeface="Noto Sans CJK SC Bold" pitchFamily="34" charset="-127"/>
+              <a:ea typeface="Noto Sans CJK SC Bold" pitchFamily="34" charset="-127"/>
+            </a:endParaRPr>
+          </a:p>
+        </p:txBody>
+      </p:sp>
+      <p:grpSp>
+        <p:nvGrpSpPr>
+          <p:cNvPr id="4" name="그룹 3"/>
+          <p:cNvGrpSpPr/>
+          <p:nvPr/>
+        </p:nvGrpSpPr>
+        <p:grpSpPr>
+          <a:xfrm>
+            <a:off x="71500" y="1695809"/>
+            <a:ext cx="3384376" cy="4932548"/>
+            <a:chOff x="323528" y="1700808"/>
+            <a:chExt cx="2304370" cy="4932548"/>
+          </a:xfrm>
+        </p:grpSpPr>
+        <p:sp>
+          <p:nvSpPr>
+            <p:cNvPr id="2" name="직사각형 1"/>
+            <p:cNvSpPr/>
+            <p:nvPr/>
+          </p:nvSpPr>
+          <p:spPr>
+            <a:xfrm>
+              <a:off x="323528" y="1700808"/>
+              <a:ext cx="1908212" cy="4932548"/>
+            </a:xfrm>
+            <a:prstGeom prst="rect">
+              <a:avLst/>
+            </a:prstGeom>
+            <a:solidFill>
+              <a:schemeClr val="accent2">
+                <a:lumMod val="60000"/>
+                <a:lumOff val="40000"/>
+              </a:schemeClr>
+            </a:solidFill>
+            <a:ln>
+              <a:noFill/>
+            </a:ln>
+          </p:spPr>
+          <p:style>
+            <a:lnRef idx="2">
+              <a:schemeClr val="accent1">
+                <a:shade val="50000"/>
+              </a:schemeClr>
+            </a:lnRef>
+            <a:fillRef idx="1">
+              <a:schemeClr val="accent1"/>
+            </a:fillRef>
+            <a:effectRef idx="0">
+              <a:schemeClr val="accent1"/>
+            </a:effectRef>
+            <a:fontRef idx="minor">
+              <a:schemeClr val="lt1"/>
+            </a:fontRef>
+          </p:style>
+          <p:txBody>
+            <a:bodyPr rtlCol="0" anchor="ctr"/>
+            <a:lstStyle/>
+            <a:p>
+              <a:pPr algn="ctr"/>
+              <a:endParaRPr lang="ko-KR" altLang="en-US"/>
+            </a:p>
+          </p:txBody>
+        </p:sp>
+        <p:sp>
+          <p:nvSpPr>
+            <p:cNvPr id="15" name="TextBox 14"/>
+            <p:cNvSpPr txBox="1"/>
+            <p:nvPr/>
+          </p:nvSpPr>
+          <p:spPr>
+            <a:xfrm>
+              <a:off x="323528" y="1701223"/>
+              <a:ext cx="2304370" cy="369332"/>
+            </a:xfrm>
+            <a:prstGeom prst="rect">
+              <a:avLst/>
+            </a:prstGeom>
+            <a:noFill/>
+          </p:spPr>
+          <p:txBody>
+            <a:bodyPr wrap="square" rtlCol="0">
+              <a:spAutoFit/>
+            </a:bodyPr>
+            <a:lstStyle/>
+            <a:p>
+              <a:r>
+                <a:rPr lang="en-US" altLang="ko-KR" dirty="0" err="1" smtClean="0"/>
+                <a:t>ViewModelBase</a:t>
+              </a:r>
+              <a:r>
+                <a:rPr lang="en-US" altLang="ko-KR" dirty="0" smtClean="0"/>
+                <a:t> class</a:t>
+              </a:r>
+              <a:endParaRPr lang="ko-KR" altLang="en-US" dirty="0"/>
+            </a:p>
+          </p:txBody>
+        </p:sp>
+        <p:sp>
+          <p:nvSpPr>
+            <p:cNvPr id="16" name="직사각형 15"/>
+            <p:cNvSpPr/>
+            <p:nvPr/>
+          </p:nvSpPr>
+          <p:spPr>
+            <a:xfrm>
+              <a:off x="323528" y="2095406"/>
+              <a:ext cx="1908212" cy="2197690"/>
+            </a:xfrm>
+            <a:prstGeom prst="rect">
+              <a:avLst/>
+            </a:prstGeom>
+            <a:solidFill>
+              <a:schemeClr val="accent2">
+                <a:lumMod val="40000"/>
+                <a:lumOff val="60000"/>
+              </a:schemeClr>
+            </a:solidFill>
+            <a:ln>
+              <a:noFill/>
+            </a:ln>
+          </p:spPr>
+          <p:style>
+            <a:lnRef idx="2">
+              <a:schemeClr val="accent1">
+                <a:shade val="50000"/>
+              </a:schemeClr>
+            </a:lnRef>
+            <a:fillRef idx="1">
+              <a:schemeClr val="accent1"/>
+            </a:fillRef>
+            <a:effectRef idx="0">
+              <a:schemeClr val="accent1"/>
+            </a:effectRef>
+            <a:fontRef idx="minor">
+              <a:schemeClr val="lt1"/>
+            </a:fontRef>
+          </p:style>
+          <p:txBody>
+            <a:bodyPr rtlCol="0" anchor="ctr"/>
+            <a:lstStyle/>
+            <a:p>
+              <a:pPr algn="ctr"/>
+              <a:endParaRPr lang="ko-KR" altLang="en-US"/>
+            </a:p>
+          </p:txBody>
+        </p:sp>
+        <p:sp>
+          <p:nvSpPr>
+            <p:cNvPr id="18" name="TextBox 17"/>
+            <p:cNvSpPr txBox="1"/>
+            <p:nvPr/>
+          </p:nvSpPr>
+          <p:spPr>
+            <a:xfrm>
+              <a:off x="326273" y="2179796"/>
+              <a:ext cx="2011011" cy="2862322"/>
+            </a:xfrm>
+            <a:prstGeom prst="rect">
+              <a:avLst/>
+            </a:prstGeom>
+            <a:noFill/>
+          </p:spPr>
+          <p:txBody>
+            <a:bodyPr wrap="square" rtlCol="0">
+              <a:spAutoFit/>
+            </a:bodyPr>
+            <a:lstStyle/>
+            <a:p>
+              <a:r>
+                <a:rPr lang="en-US" altLang="ko-KR" dirty="0" err="1"/>
+                <a:t>PropertyChangedEventHandler</a:t>
+              </a:r>
+              <a:r>
+                <a:rPr lang="en-US" altLang="ko-KR" dirty="0"/>
+                <a:t> </a:t>
+              </a:r>
+              <a:r>
+                <a:rPr lang="en-US" altLang="ko-KR" dirty="0" err="1" smtClean="0"/>
+                <a:t>PropertyChanged</a:t>
+              </a:r>
+              <a:endParaRPr lang="en-US" altLang="ko-KR" dirty="0" smtClean="0"/>
+            </a:p>
+            <a:p>
+              <a:endParaRPr lang="en-US" altLang="ko-KR" dirty="0"/>
+            </a:p>
+            <a:p>
+              <a:endParaRPr lang="en-US" altLang="ko-KR" dirty="0" smtClean="0"/>
+            </a:p>
+            <a:p>
+              <a:endParaRPr lang="en-US" altLang="ko-KR" dirty="0"/>
+            </a:p>
+            <a:p>
+              <a:endParaRPr lang="en-US" altLang="ko-KR" dirty="0" smtClean="0"/>
+            </a:p>
+            <a:p>
+              <a:endParaRPr lang="en-US" altLang="ko-KR" dirty="0" smtClean="0"/>
+            </a:p>
+            <a:p>
+              <a:endParaRPr lang="en-US" altLang="ko-KR" dirty="0"/>
+            </a:p>
+            <a:p>
+              <a:r>
+                <a:rPr lang="en-US" altLang="ko-KR" dirty="0" err="1" smtClean="0"/>
+                <a:t>OnPropertyChanged</a:t>
+              </a:r>
+              <a:r>
+                <a:rPr lang="en-US" altLang="ko-KR" dirty="0" smtClean="0"/>
+                <a:t>(string):void</a:t>
+              </a:r>
+            </a:p>
+          </p:txBody>
+        </p:sp>
+      </p:grpSp>
+      <p:pic>
+        <p:nvPicPr>
+          <p:cNvPr id="3" name="그림 2"/>
+          <p:cNvPicPr>
+            <a:picLocks noChangeAspect="1"/>
+          </p:cNvPicPr>
+          <p:nvPr/>
+        </p:nvPicPr>
+        <p:blipFill>
+          <a:blip r:embed="rId3"/>
+          <a:stretch>
+            <a:fillRect/>
+          </a:stretch>
+        </p:blipFill>
+        <p:spPr>
+          <a:xfrm>
+            <a:off x="5761008" y="267846"/>
+            <a:ext cx="3418952" cy="1277958"/>
+          </a:xfrm>
+          <a:prstGeom prst="rect">
+            <a:avLst/>
+          </a:prstGeom>
+        </p:spPr>
+      </p:pic>
+      <p:grpSp>
+        <p:nvGrpSpPr>
+          <p:cNvPr id="20" name="그룹 19"/>
+          <p:cNvGrpSpPr/>
+          <p:nvPr/>
+        </p:nvGrpSpPr>
+        <p:grpSpPr>
+          <a:xfrm>
+            <a:off x="2946614" y="1691988"/>
+            <a:ext cx="5153778" cy="5003303"/>
+            <a:chOff x="323528" y="1700808"/>
+            <a:chExt cx="3179525" cy="5003303"/>
+          </a:xfrm>
+        </p:grpSpPr>
+        <p:sp>
+          <p:nvSpPr>
+            <p:cNvPr id="21" name="직사각형 20"/>
+            <p:cNvSpPr/>
+            <p:nvPr/>
+          </p:nvSpPr>
+          <p:spPr>
+            <a:xfrm>
+              <a:off x="323528" y="1700808"/>
+              <a:ext cx="1908212" cy="4932548"/>
+            </a:xfrm>
+            <a:prstGeom prst="rect">
+              <a:avLst/>
+            </a:prstGeom>
+            <a:solidFill>
+              <a:schemeClr val="accent2">
+                <a:lumMod val="60000"/>
+                <a:lumOff val="40000"/>
+              </a:schemeClr>
+            </a:solidFill>
+            <a:ln>
+              <a:noFill/>
+            </a:ln>
+          </p:spPr>
+          <p:style>
+            <a:lnRef idx="2">
+              <a:schemeClr val="accent1">
+                <a:shade val="50000"/>
+              </a:schemeClr>
+            </a:lnRef>
+            <a:fillRef idx="1">
+              <a:schemeClr val="accent1"/>
+            </a:fillRef>
+            <a:effectRef idx="0">
+              <a:schemeClr val="accent1"/>
+            </a:effectRef>
+            <a:fontRef idx="minor">
+              <a:schemeClr val="lt1"/>
+            </a:fontRef>
+          </p:style>
+          <p:txBody>
+            <a:bodyPr rtlCol="0" anchor="ctr"/>
+            <a:lstStyle/>
+            <a:p>
+              <a:pPr algn="ctr"/>
+              <a:endParaRPr lang="ko-KR" altLang="en-US"/>
+            </a:p>
+          </p:txBody>
+        </p:sp>
+        <p:sp>
+          <p:nvSpPr>
+            <p:cNvPr id="30" name="직사각형 29"/>
+            <p:cNvSpPr/>
+            <p:nvPr/>
+          </p:nvSpPr>
+          <p:spPr>
+            <a:xfrm>
+              <a:off x="323528" y="2095406"/>
+              <a:ext cx="1908212" cy="3250626"/>
+            </a:xfrm>
+            <a:prstGeom prst="rect">
+              <a:avLst/>
+            </a:prstGeom>
+            <a:solidFill>
+              <a:schemeClr val="accent2">
+                <a:lumMod val="40000"/>
+                <a:lumOff val="60000"/>
+              </a:schemeClr>
+            </a:solidFill>
+            <a:ln>
+              <a:noFill/>
+            </a:ln>
+          </p:spPr>
+          <p:style>
+            <a:lnRef idx="2">
+              <a:schemeClr val="accent1">
+                <a:shade val="50000"/>
+              </a:schemeClr>
+            </a:lnRef>
+            <a:fillRef idx="1">
+              <a:schemeClr val="accent1"/>
+            </a:fillRef>
+            <a:effectRef idx="0">
+              <a:schemeClr val="accent1"/>
+            </a:effectRef>
+            <a:fontRef idx="minor">
+              <a:schemeClr val="lt1"/>
+            </a:fontRef>
+          </p:style>
+          <p:txBody>
+            <a:bodyPr rtlCol="0" anchor="ctr"/>
+            <a:lstStyle/>
+            <a:p>
+              <a:pPr algn="ctr"/>
+              <a:endParaRPr lang="ko-KR" altLang="en-US"/>
+            </a:p>
+          </p:txBody>
+        </p:sp>
+        <p:sp>
+          <p:nvSpPr>
+            <p:cNvPr id="31" name="TextBox 30"/>
+            <p:cNvSpPr txBox="1"/>
+            <p:nvPr/>
+          </p:nvSpPr>
+          <p:spPr>
+            <a:xfrm>
+              <a:off x="326273" y="2179796"/>
+              <a:ext cx="2011011" cy="4524315"/>
+            </a:xfrm>
+            <a:prstGeom prst="rect">
+              <a:avLst/>
+            </a:prstGeom>
+            <a:noFill/>
+          </p:spPr>
+          <p:txBody>
+            <a:bodyPr wrap="square" rtlCol="0">
+              <a:spAutoFit/>
+            </a:bodyPr>
+            <a:lstStyle/>
+            <a:p>
+              <a:r>
+                <a:rPr lang="en-US" altLang="ko-KR" dirty="0" smtClean="0"/>
+                <a:t>Command </a:t>
+              </a:r>
+              <a:r>
+                <a:rPr lang="en-US" altLang="ko-KR" dirty="0" err="1" smtClean="0"/>
+                <a:t>escapeCommand</a:t>
+              </a:r>
+              <a:endParaRPr lang="en-US" altLang="ko-KR" dirty="0" smtClean="0"/>
+            </a:p>
+            <a:p>
+              <a:r>
+                <a:rPr lang="en-US" altLang="ko-KR" dirty="0" smtClean="0"/>
+                <a:t>Command </a:t>
+              </a:r>
+              <a:r>
+                <a:rPr lang="en-US" altLang="ko-KR" dirty="0" err="1" smtClean="0"/>
+                <a:t>StopCommand</a:t>
+              </a:r>
+              <a:endParaRPr lang="en-US" altLang="ko-KR" dirty="0" smtClean="0"/>
+            </a:p>
+            <a:p>
+              <a:r>
+                <a:rPr lang="en-US" altLang="ko-KR" dirty="0" smtClean="0"/>
+                <a:t>Command </a:t>
+              </a:r>
+              <a:r>
+                <a:rPr lang="en-US" altLang="ko-KR" dirty="0" err="1" smtClean="0"/>
+                <a:t>RestartCommand</a:t>
+              </a:r>
+              <a:endParaRPr lang="en-US" altLang="ko-KR" dirty="0" smtClean="0"/>
+            </a:p>
+            <a:p>
+              <a:r>
+                <a:rPr lang="en-US" altLang="ko-KR" dirty="0" smtClean="0"/>
+                <a:t>Command </a:t>
+              </a:r>
+              <a:r>
+                <a:rPr lang="en-US" altLang="ko-KR" dirty="0" err="1" smtClean="0"/>
+                <a:t>ResetCommand</a:t>
+              </a:r>
+              <a:endParaRPr lang="en-US" altLang="ko-KR" dirty="0" smtClean="0"/>
+            </a:p>
+            <a:p>
+              <a:r>
+                <a:rPr lang="en-US" altLang="ko-KR" dirty="0" smtClean="0"/>
+                <a:t>Char[][] Miro</a:t>
+              </a:r>
+            </a:p>
+            <a:p>
+              <a:r>
+                <a:rPr lang="en-US" altLang="ko-KR" dirty="0" smtClean="0"/>
+                <a:t>String </a:t>
+              </a:r>
+              <a:r>
+                <a:rPr lang="en-US" altLang="ko-KR" dirty="0" err="1" smtClean="0"/>
+                <a:t>mazefile</a:t>
+              </a:r>
+              <a:endParaRPr lang="en-US" altLang="ko-KR" dirty="0" smtClean="0"/>
+            </a:p>
+            <a:p>
+              <a:r>
+                <a:rPr lang="en-US" altLang="ko-KR" dirty="0" smtClean="0"/>
+                <a:t>String filename</a:t>
+              </a:r>
+            </a:p>
+            <a:p>
+              <a:r>
+                <a:rPr lang="en-US" altLang="ko-KR" dirty="0" err="1" smtClean="0"/>
+                <a:t>Int</a:t>
+              </a:r>
+              <a:r>
+                <a:rPr lang="en-US" altLang="ko-KR" dirty="0" smtClean="0"/>
+                <a:t> row</a:t>
+              </a:r>
+            </a:p>
+            <a:p>
+              <a:r>
+                <a:rPr lang="en-US" altLang="ko-KR" dirty="0" err="1" smtClean="0"/>
+                <a:t>Int</a:t>
+              </a:r>
+              <a:r>
+                <a:rPr lang="en-US" altLang="ko-KR" dirty="0" smtClean="0"/>
+                <a:t> col</a:t>
+              </a:r>
+            </a:p>
+            <a:p>
+              <a:r>
+                <a:rPr lang="en-US" altLang="ko-KR" dirty="0" err="1" smtClean="0"/>
+                <a:t>Int</a:t>
+              </a:r>
+              <a:r>
+                <a:rPr lang="en-US" altLang="ko-KR" dirty="0" smtClean="0"/>
+                <a:t> index</a:t>
+              </a:r>
+            </a:p>
+            <a:p>
+              <a:r>
+                <a:rPr lang="en-US" altLang="ko-KR" dirty="0" smtClean="0"/>
+                <a:t>String </a:t>
+              </a:r>
+              <a:r>
+                <a:rPr lang="en-US" altLang="ko-KR" dirty="0" err="1" smtClean="0"/>
+                <a:t>msg</a:t>
+              </a:r>
+              <a:endParaRPr lang="en-US" altLang="ko-KR" dirty="0" smtClean="0"/>
+            </a:p>
+            <a:p>
+              <a:endParaRPr lang="en-US" altLang="ko-KR" dirty="0"/>
+            </a:p>
+            <a:p>
+              <a:r>
+                <a:rPr lang="en-US" altLang="ko-KR" dirty="0" err="1" smtClean="0"/>
+                <a:t>EscapeMethod</a:t>
+              </a:r>
+              <a:r>
+                <a:rPr lang="en-US" altLang="ko-KR" dirty="0" smtClean="0"/>
+                <a:t>(object) :void</a:t>
+              </a:r>
+            </a:p>
+            <a:p>
+              <a:r>
+                <a:rPr lang="en-US" altLang="ko-KR" dirty="0" err="1" smtClean="0"/>
+                <a:t>ResetMethod</a:t>
+              </a:r>
+              <a:r>
+                <a:rPr lang="en-US" altLang="ko-KR" dirty="0" smtClean="0"/>
+                <a:t>(object):void</a:t>
+              </a:r>
+            </a:p>
+            <a:p>
+              <a:r>
+                <a:rPr lang="en-US" altLang="ko-KR" dirty="0" err="1" smtClean="0"/>
+                <a:t>StopMethod</a:t>
+              </a:r>
+              <a:r>
+                <a:rPr lang="en-US" altLang="ko-KR" dirty="0" smtClean="0"/>
+                <a:t>(object) :void</a:t>
+              </a:r>
+            </a:p>
+            <a:p>
+              <a:r>
+                <a:rPr lang="en-US" altLang="ko-KR" dirty="0" err="1" smtClean="0"/>
+                <a:t>RestartMethod</a:t>
+              </a:r>
+              <a:r>
+                <a:rPr lang="en-US" altLang="ko-KR" dirty="0" smtClean="0"/>
+                <a:t>(object):void</a:t>
+              </a:r>
+            </a:p>
+          </p:txBody>
+        </p:sp>
+        <p:sp>
+          <p:nvSpPr>
+            <p:cNvPr id="22" name="TextBox 21"/>
+            <p:cNvSpPr txBox="1"/>
+            <p:nvPr/>
+          </p:nvSpPr>
+          <p:spPr>
+            <a:xfrm>
+              <a:off x="323528" y="1701223"/>
+              <a:ext cx="3179525" cy="369332"/>
+            </a:xfrm>
+            <a:prstGeom prst="rect">
+              <a:avLst/>
+            </a:prstGeom>
+            <a:noFill/>
+          </p:spPr>
+          <p:txBody>
+            <a:bodyPr wrap="square" rtlCol="0">
+              <a:spAutoFit/>
+            </a:bodyPr>
+            <a:lstStyle/>
+            <a:p>
+              <a:r>
+                <a:rPr lang="en-US" altLang="ko-KR" dirty="0" err="1" smtClean="0"/>
+                <a:t>EscapeMiroViewModel</a:t>
+              </a:r>
+              <a:r>
+                <a:rPr lang="en-US" altLang="ko-KR" dirty="0" smtClean="0"/>
+                <a:t> class : </a:t>
+              </a:r>
+              <a:r>
+                <a:rPr lang="en-US" altLang="ko-KR" dirty="0" err="1" smtClean="0"/>
+                <a:t>ViewModelBase</a:t>
+              </a:r>
+              <a:endParaRPr lang="ko-KR" altLang="en-US" dirty="0"/>
+            </a:p>
+          </p:txBody>
+        </p:sp>
+      </p:grpSp>
     </p:spTree>
     <p:extLst>
       <p:ext uri="{BB962C8B-B14F-4D97-AF65-F5344CB8AC3E}">
-        <p14:creationId xmlns:p14="http://schemas.microsoft.com/office/powerpoint/2010/main" val="2744372728"/>
+        <p14:creationId xmlns:p14="http://schemas.microsoft.com/office/powerpoint/2010/main" val="3058165116"/>
       </p:ext>
     </p:extLst>
   </p:cSld>
@@ -4493,7 +7916,7 @@
       </p:grpSpPr>
       <p:pic>
         <p:nvPicPr>
-          <p:cNvPr id="3" name="그림 2"/>
+          <p:cNvPr id="7" name="그림 6"/>
           <p:cNvPicPr>
             <a:picLocks noChangeAspect="1"/>
           </p:cNvPicPr>
@@ -4521,10 +7944,448 @@
           </a:prstGeom>
         </p:spPr>
       </p:pic>
+      <p:sp>
+        <p:nvSpPr>
+          <p:cNvPr id="9" name="TextBox 8"/>
+          <p:cNvSpPr txBox="1"/>
+          <p:nvPr/>
+        </p:nvSpPr>
+        <p:spPr>
+          <a:xfrm>
+            <a:off x="467430" y="426076"/>
+            <a:ext cx="545342" cy="584775"/>
+          </a:xfrm>
+          <a:prstGeom prst="rect">
+            <a:avLst/>
+          </a:prstGeom>
+          <a:noFill/>
+          <a:ln>
+            <a:noFill/>
+          </a:ln>
+          <a:effectLst>
+            <a:outerShdw blurRad="50800" dist="50800" dir="5400000" sx="1000" sy="1000" algn="ctr" rotWithShape="0">
+              <a:srgbClr val="000000"/>
+            </a:outerShdw>
+          </a:effectLst>
+        </p:spPr>
+        <p:txBody>
+          <a:bodyPr wrap="none" rtlCol="0">
+            <a:spAutoFit/>
+          </a:bodyPr>
+          <a:lstStyle/>
+          <a:p>
+            <a:r>
+              <a:rPr lang="en-US" altLang="ko-KR" sz="1600" dirty="0">
+                <a:solidFill>
+                  <a:srgbClr val="FF3399"/>
+                </a:solidFill>
+                <a:latin typeface="Noto Sans CJK SC Bold" pitchFamily="34" charset="-127"/>
+                <a:ea typeface="Noto Sans CJK SC Bold" pitchFamily="34" charset="-127"/>
+              </a:rPr>
+              <a:t>#</a:t>
+            </a:r>
+            <a:r>
+              <a:rPr lang="en-US" altLang="ko-KR" sz="1600" dirty="0" smtClean="0">
+                <a:solidFill>
+                  <a:srgbClr val="FF3399"/>
+                </a:solidFill>
+                <a:latin typeface="Noto Sans CJK SC Bold" pitchFamily="34" charset="-127"/>
+                <a:ea typeface="Noto Sans CJK SC Bold" pitchFamily="34" charset="-127"/>
+              </a:rPr>
+              <a:t>02</a:t>
+            </a:r>
+            <a:endParaRPr lang="ko-KR" altLang="en-US" sz="1600" dirty="0">
+              <a:solidFill>
+                <a:srgbClr val="FF3399"/>
+              </a:solidFill>
+              <a:latin typeface="Noto Sans CJK SC Bold" pitchFamily="34" charset="-127"/>
+              <a:ea typeface="Noto Sans CJK SC Bold" pitchFamily="34" charset="-127"/>
+            </a:endParaRPr>
+          </a:p>
+          <a:p>
+            <a:endParaRPr lang="ko-KR" altLang="en-US" sz="1600" dirty="0">
+              <a:solidFill>
+                <a:srgbClr val="FF3399"/>
+              </a:solidFill>
+              <a:latin typeface="Noto Sans CJK SC Bold" pitchFamily="34" charset="-127"/>
+              <a:ea typeface="Noto Sans CJK SC Bold" pitchFamily="34" charset="-127"/>
+            </a:endParaRPr>
+          </a:p>
+        </p:txBody>
+      </p:sp>
+      <p:sp>
+        <p:nvSpPr>
+          <p:cNvPr id="10" name="TextBox 9"/>
+          <p:cNvSpPr txBox="1"/>
+          <p:nvPr/>
+        </p:nvSpPr>
+        <p:spPr>
+          <a:xfrm>
+            <a:off x="935596" y="364520"/>
+            <a:ext cx="5034776" cy="461665"/>
+          </a:xfrm>
+          <a:prstGeom prst="rect">
+            <a:avLst/>
+          </a:prstGeom>
+          <a:noFill/>
+        </p:spPr>
+        <p:txBody>
+          <a:bodyPr wrap="none" rtlCol="0">
+            <a:spAutoFit/>
+          </a:bodyPr>
+          <a:lstStyle/>
+          <a:p>
+            <a:r>
+              <a:rPr lang="ko-KR" altLang="en-US" sz="2400" dirty="0" smtClean="0">
+                <a:solidFill>
+                  <a:srgbClr val="FF3399"/>
+                </a:solidFill>
+                <a:latin typeface="Noto Sans CJK SC Bold" pitchFamily="34" charset="-127"/>
+                <a:ea typeface="Noto Sans CJK SC Bold" pitchFamily="34" charset="-127"/>
+              </a:rPr>
+              <a:t>클래스 구성 </a:t>
+            </a:r>
+            <a:r>
+              <a:rPr lang="en-US" altLang="ko-KR" sz="2400" dirty="0" smtClean="0">
+                <a:solidFill>
+                  <a:srgbClr val="FF3399"/>
+                </a:solidFill>
+                <a:latin typeface="Noto Sans CJK SC Bold" pitchFamily="34" charset="-127"/>
+                <a:ea typeface="Noto Sans CJK SC Bold" pitchFamily="34" charset="-127"/>
+              </a:rPr>
+              <a:t>:</a:t>
+            </a:r>
+            <a:r>
+              <a:rPr lang="ko-KR" altLang="en-US" sz="2400" dirty="0" smtClean="0">
+                <a:solidFill>
+                  <a:srgbClr val="FF3399"/>
+                </a:solidFill>
+                <a:latin typeface="Noto Sans CJK SC Bold" pitchFamily="34" charset="-127"/>
+                <a:ea typeface="Noto Sans CJK SC Bold" pitchFamily="34" charset="-127"/>
+              </a:rPr>
+              <a:t> </a:t>
+            </a:r>
+            <a:r>
+              <a:rPr lang="en-US" altLang="ko-KR" sz="2400" dirty="0" err="1" smtClean="0">
+                <a:solidFill>
+                  <a:srgbClr val="FF3399"/>
+                </a:solidFill>
+                <a:latin typeface="Noto Sans CJK SC Bold" pitchFamily="34" charset="-127"/>
+                <a:ea typeface="Noto Sans CJK SC Bold" pitchFamily="34" charset="-127"/>
+              </a:rPr>
+              <a:t>ViewModel</a:t>
+            </a:r>
+            <a:r>
+              <a:rPr lang="en-US" altLang="ko-KR" sz="2400" dirty="0" smtClean="0">
+                <a:solidFill>
+                  <a:srgbClr val="FF3399"/>
+                </a:solidFill>
+                <a:latin typeface="Noto Sans CJK SC Bold" pitchFamily="34" charset="-127"/>
+                <a:ea typeface="Noto Sans CJK SC Bold" pitchFamily="34" charset="-127"/>
+              </a:rPr>
+              <a:t> directory</a:t>
+            </a:r>
+            <a:endParaRPr lang="ko-KR" altLang="en-US" sz="2400" dirty="0">
+              <a:solidFill>
+                <a:srgbClr val="FF3399"/>
+              </a:solidFill>
+              <a:latin typeface="Noto Sans CJK SC Bold" pitchFamily="34" charset="-127"/>
+              <a:ea typeface="Noto Sans CJK SC Bold" pitchFamily="34" charset="-127"/>
+            </a:endParaRPr>
+          </a:p>
+        </p:txBody>
+      </p:sp>
+      <p:pic>
+        <p:nvPicPr>
+          <p:cNvPr id="3" name="그림 2"/>
+          <p:cNvPicPr>
+            <a:picLocks noChangeAspect="1"/>
+          </p:cNvPicPr>
+          <p:nvPr/>
+        </p:nvPicPr>
+        <p:blipFill>
+          <a:blip r:embed="rId3"/>
+          <a:stretch>
+            <a:fillRect/>
+          </a:stretch>
+        </p:blipFill>
+        <p:spPr>
+          <a:xfrm>
+            <a:off x="5761008" y="267846"/>
+            <a:ext cx="3418952" cy="1277958"/>
+          </a:xfrm>
+          <a:prstGeom prst="rect">
+            <a:avLst/>
+          </a:prstGeom>
+        </p:spPr>
+      </p:pic>
+      <p:grpSp>
+        <p:nvGrpSpPr>
+          <p:cNvPr id="20" name="그룹 19"/>
+          <p:cNvGrpSpPr/>
+          <p:nvPr/>
+        </p:nvGrpSpPr>
+        <p:grpSpPr>
+          <a:xfrm>
+            <a:off x="836784" y="1736812"/>
+            <a:ext cx="3735216" cy="4932548"/>
+            <a:chOff x="323528" y="1700808"/>
+            <a:chExt cx="2304370" cy="4932548"/>
+          </a:xfrm>
+        </p:grpSpPr>
+        <p:sp>
+          <p:nvSpPr>
+            <p:cNvPr id="21" name="직사각형 20"/>
+            <p:cNvSpPr/>
+            <p:nvPr/>
+          </p:nvSpPr>
+          <p:spPr>
+            <a:xfrm>
+              <a:off x="323528" y="1700808"/>
+              <a:ext cx="1908212" cy="4932548"/>
+            </a:xfrm>
+            <a:prstGeom prst="rect">
+              <a:avLst/>
+            </a:prstGeom>
+            <a:solidFill>
+              <a:schemeClr val="accent2">
+                <a:lumMod val="60000"/>
+                <a:lumOff val="40000"/>
+              </a:schemeClr>
+            </a:solidFill>
+            <a:ln>
+              <a:noFill/>
+            </a:ln>
+          </p:spPr>
+          <p:style>
+            <a:lnRef idx="2">
+              <a:schemeClr val="accent1">
+                <a:shade val="50000"/>
+              </a:schemeClr>
+            </a:lnRef>
+            <a:fillRef idx="1">
+              <a:schemeClr val="accent1"/>
+            </a:fillRef>
+            <a:effectRef idx="0">
+              <a:schemeClr val="accent1"/>
+            </a:effectRef>
+            <a:fontRef idx="minor">
+              <a:schemeClr val="lt1"/>
+            </a:fontRef>
+          </p:style>
+          <p:txBody>
+            <a:bodyPr rtlCol="0" anchor="ctr"/>
+            <a:lstStyle/>
+            <a:p>
+              <a:pPr algn="ctr"/>
+              <a:endParaRPr lang="ko-KR" altLang="en-US"/>
+            </a:p>
+          </p:txBody>
+        </p:sp>
+        <p:sp>
+          <p:nvSpPr>
+            <p:cNvPr id="22" name="TextBox 21"/>
+            <p:cNvSpPr txBox="1"/>
+            <p:nvPr/>
+          </p:nvSpPr>
+          <p:spPr>
+            <a:xfrm>
+              <a:off x="323528" y="1701223"/>
+              <a:ext cx="2304370" cy="369332"/>
+            </a:xfrm>
+            <a:prstGeom prst="rect">
+              <a:avLst/>
+            </a:prstGeom>
+            <a:noFill/>
+          </p:spPr>
+          <p:txBody>
+            <a:bodyPr wrap="square" rtlCol="0">
+              <a:spAutoFit/>
+            </a:bodyPr>
+            <a:lstStyle/>
+            <a:p>
+              <a:r>
+                <a:rPr lang="en-US" altLang="ko-KR" dirty="0" err="1" smtClean="0"/>
+                <a:t>CreateMiroViewModel</a:t>
+              </a:r>
+              <a:r>
+                <a:rPr lang="en-US" altLang="ko-KR" dirty="0" smtClean="0"/>
+                <a:t> class</a:t>
+              </a:r>
+              <a:endParaRPr lang="ko-KR" altLang="en-US" dirty="0"/>
+            </a:p>
+          </p:txBody>
+        </p:sp>
+        <p:sp>
+          <p:nvSpPr>
+            <p:cNvPr id="30" name="직사각형 29"/>
+            <p:cNvSpPr/>
+            <p:nvPr/>
+          </p:nvSpPr>
+          <p:spPr>
+            <a:xfrm>
+              <a:off x="323528" y="2095406"/>
+              <a:ext cx="1908212" cy="2162244"/>
+            </a:xfrm>
+            <a:prstGeom prst="rect">
+              <a:avLst/>
+            </a:prstGeom>
+            <a:solidFill>
+              <a:schemeClr val="accent2">
+                <a:lumMod val="40000"/>
+                <a:lumOff val="60000"/>
+              </a:schemeClr>
+            </a:solidFill>
+            <a:ln>
+              <a:noFill/>
+            </a:ln>
+          </p:spPr>
+          <p:style>
+            <a:lnRef idx="2">
+              <a:schemeClr val="accent1">
+                <a:shade val="50000"/>
+              </a:schemeClr>
+            </a:lnRef>
+            <a:fillRef idx="1">
+              <a:schemeClr val="accent1"/>
+            </a:fillRef>
+            <a:effectRef idx="0">
+              <a:schemeClr val="accent1"/>
+            </a:effectRef>
+            <a:fontRef idx="minor">
+              <a:schemeClr val="lt1"/>
+            </a:fontRef>
+          </p:style>
+          <p:txBody>
+            <a:bodyPr rtlCol="0" anchor="ctr"/>
+            <a:lstStyle/>
+            <a:p>
+              <a:pPr algn="ctr"/>
+              <a:endParaRPr lang="ko-KR" altLang="en-US"/>
+            </a:p>
+          </p:txBody>
+        </p:sp>
+        <p:sp>
+          <p:nvSpPr>
+            <p:cNvPr id="31" name="TextBox 30"/>
+            <p:cNvSpPr txBox="1"/>
+            <p:nvPr/>
+          </p:nvSpPr>
+          <p:spPr>
+            <a:xfrm>
+              <a:off x="326273" y="2179796"/>
+              <a:ext cx="2011011" cy="2862322"/>
+            </a:xfrm>
+            <a:prstGeom prst="rect">
+              <a:avLst/>
+            </a:prstGeom>
+            <a:noFill/>
+          </p:spPr>
+          <p:txBody>
+            <a:bodyPr wrap="square" rtlCol="0">
+              <a:spAutoFit/>
+            </a:bodyPr>
+            <a:lstStyle/>
+            <a:p>
+              <a:r>
+                <a:rPr lang="en-US" altLang="ko-KR" dirty="0" smtClean="0"/>
+                <a:t>Command </a:t>
+              </a:r>
+              <a:r>
+                <a:rPr lang="en-US" altLang="ko-KR" dirty="0" err="1" smtClean="0"/>
+                <a:t>CreateCommand</a:t>
+              </a:r>
+              <a:endParaRPr lang="en-US" altLang="ko-KR" dirty="0" smtClean="0"/>
+            </a:p>
+            <a:p>
+              <a:r>
+                <a:rPr lang="en-US" altLang="ko-KR" dirty="0" smtClean="0"/>
+                <a:t>Command </a:t>
+              </a:r>
+              <a:r>
+                <a:rPr lang="en-US" altLang="ko-KR" dirty="0" err="1" smtClean="0"/>
+                <a:t>SaveCommand</a:t>
+              </a:r>
+              <a:endParaRPr lang="en-US" altLang="ko-KR" dirty="0" smtClean="0"/>
+            </a:p>
+            <a:p>
+              <a:r>
+                <a:rPr lang="en-US" altLang="ko-KR" dirty="0" smtClean="0"/>
+                <a:t>String </a:t>
+              </a:r>
+              <a:r>
+                <a:rPr lang="en-US" altLang="ko-KR" dirty="0" err="1" smtClean="0"/>
+                <a:t>mazefile</a:t>
+              </a:r>
+              <a:endParaRPr lang="en-US" altLang="ko-KR" dirty="0" smtClean="0"/>
+            </a:p>
+            <a:p>
+              <a:r>
+                <a:rPr lang="en-US" altLang="ko-KR" dirty="0" smtClean="0"/>
+                <a:t>String filename</a:t>
+              </a:r>
+            </a:p>
+            <a:p>
+              <a:r>
+                <a:rPr lang="en-US" altLang="ko-KR" dirty="0" err="1" smtClean="0"/>
+                <a:t>Int</a:t>
+              </a:r>
+              <a:r>
+                <a:rPr lang="en-US" altLang="ko-KR" dirty="0" smtClean="0"/>
+                <a:t> row</a:t>
+              </a:r>
+            </a:p>
+            <a:p>
+              <a:r>
+                <a:rPr lang="en-US" altLang="ko-KR" dirty="0" err="1" smtClean="0"/>
+                <a:t>Int</a:t>
+              </a:r>
+              <a:r>
+                <a:rPr lang="en-US" altLang="ko-KR" dirty="0" smtClean="0"/>
+                <a:t> col</a:t>
+              </a:r>
+            </a:p>
+            <a:p>
+              <a:r>
+                <a:rPr lang="en-US" altLang="ko-KR" dirty="0" smtClean="0"/>
+                <a:t>String </a:t>
+              </a:r>
+              <a:r>
+                <a:rPr lang="en-US" altLang="ko-KR" dirty="0" err="1" smtClean="0"/>
+                <a:t>msg</a:t>
+              </a:r>
+              <a:endParaRPr lang="en-US" altLang="ko-KR" dirty="0" smtClean="0"/>
+            </a:p>
+            <a:p>
+              <a:endParaRPr lang="en-US" altLang="ko-KR" dirty="0"/>
+            </a:p>
+            <a:p>
+              <a:r>
+                <a:rPr lang="en-US" altLang="ko-KR" dirty="0" err="1" smtClean="0"/>
+                <a:t>SaveMethod</a:t>
+              </a:r>
+              <a:r>
+                <a:rPr lang="en-US" altLang="ko-KR" dirty="0" smtClean="0"/>
+                <a:t>(object) :void</a:t>
+              </a:r>
+            </a:p>
+            <a:p>
+              <a:r>
+                <a:rPr lang="en-US" altLang="ko-KR" dirty="0" err="1" smtClean="0"/>
+                <a:t>CreateMethod</a:t>
+              </a:r>
+              <a:r>
+                <a:rPr lang="en-US" altLang="ko-KR" dirty="0" smtClean="0"/>
+                <a:t>(object):void</a:t>
+              </a:r>
+            </a:p>
+          </p:txBody>
+        </p:sp>
+      </p:grpSp>
     </p:spTree>
     <p:extLst>
       <p:ext uri="{BB962C8B-B14F-4D97-AF65-F5344CB8AC3E}">
-        <p14:creationId xmlns:p14="http://schemas.microsoft.com/office/powerpoint/2010/main" val="3018043975"/>
+        <p14:creationId xmlns:p14="http://schemas.microsoft.com/office/powerpoint/2010/main" val="4102608930"/>
       </p:ext>
     </p:extLst>
   </p:cSld>
@@ -4553,7 +8414,7 @@
       </p:grpSpPr>
       <p:pic>
         <p:nvPicPr>
-          <p:cNvPr id="4" name="그림 3"/>
+          <p:cNvPr id="7" name="그림 6"/>
           <p:cNvPicPr>
             <a:picLocks noChangeAspect="1"/>
           </p:cNvPicPr>
@@ -4581,10 +8442,363 @@
           </a:prstGeom>
         </p:spPr>
       </p:pic>
+      <p:sp>
+        <p:nvSpPr>
+          <p:cNvPr id="9" name="TextBox 8"/>
+          <p:cNvSpPr txBox="1"/>
+          <p:nvPr/>
+        </p:nvSpPr>
+        <p:spPr>
+          <a:xfrm>
+            <a:off x="467430" y="426076"/>
+            <a:ext cx="545342" cy="584775"/>
+          </a:xfrm>
+          <a:prstGeom prst="rect">
+            <a:avLst/>
+          </a:prstGeom>
+          <a:noFill/>
+          <a:ln>
+            <a:noFill/>
+          </a:ln>
+          <a:effectLst>
+            <a:outerShdw blurRad="50800" dist="50800" dir="5400000" sx="1000" sy="1000" algn="ctr" rotWithShape="0">
+              <a:srgbClr val="000000"/>
+            </a:outerShdw>
+          </a:effectLst>
+        </p:spPr>
+        <p:txBody>
+          <a:bodyPr wrap="none" rtlCol="0">
+            <a:spAutoFit/>
+          </a:bodyPr>
+          <a:lstStyle/>
+          <a:p>
+            <a:r>
+              <a:rPr lang="en-US" altLang="ko-KR" sz="1600" dirty="0">
+                <a:solidFill>
+                  <a:srgbClr val="FF3399"/>
+                </a:solidFill>
+                <a:latin typeface="Noto Sans CJK SC Bold" pitchFamily="34" charset="-127"/>
+                <a:ea typeface="Noto Sans CJK SC Bold" pitchFamily="34" charset="-127"/>
+              </a:rPr>
+              <a:t>#</a:t>
+            </a:r>
+            <a:r>
+              <a:rPr lang="en-US" altLang="ko-KR" sz="1600" dirty="0" smtClean="0">
+                <a:solidFill>
+                  <a:srgbClr val="FF3399"/>
+                </a:solidFill>
+                <a:latin typeface="Noto Sans CJK SC Bold" pitchFamily="34" charset="-127"/>
+                <a:ea typeface="Noto Sans CJK SC Bold" pitchFamily="34" charset="-127"/>
+              </a:rPr>
+              <a:t>02</a:t>
+            </a:r>
+            <a:endParaRPr lang="ko-KR" altLang="en-US" sz="1600" dirty="0">
+              <a:solidFill>
+                <a:srgbClr val="FF3399"/>
+              </a:solidFill>
+              <a:latin typeface="Noto Sans CJK SC Bold" pitchFamily="34" charset="-127"/>
+              <a:ea typeface="Noto Sans CJK SC Bold" pitchFamily="34" charset="-127"/>
+            </a:endParaRPr>
+          </a:p>
+          <a:p>
+            <a:endParaRPr lang="ko-KR" altLang="en-US" sz="1600" dirty="0">
+              <a:solidFill>
+                <a:srgbClr val="FF3399"/>
+              </a:solidFill>
+              <a:latin typeface="Noto Sans CJK SC Bold" pitchFamily="34" charset="-127"/>
+              <a:ea typeface="Noto Sans CJK SC Bold" pitchFamily="34" charset="-127"/>
+            </a:endParaRPr>
+          </a:p>
+        </p:txBody>
+      </p:sp>
+      <p:sp>
+        <p:nvSpPr>
+          <p:cNvPr id="10" name="TextBox 9"/>
+          <p:cNvSpPr txBox="1"/>
+          <p:nvPr/>
+        </p:nvSpPr>
+        <p:spPr>
+          <a:xfrm>
+            <a:off x="935596" y="364520"/>
+            <a:ext cx="4105035" cy="461665"/>
+          </a:xfrm>
+          <a:prstGeom prst="rect">
+            <a:avLst/>
+          </a:prstGeom>
+          <a:noFill/>
+        </p:spPr>
+        <p:txBody>
+          <a:bodyPr wrap="none" rtlCol="0">
+            <a:spAutoFit/>
+          </a:bodyPr>
+          <a:lstStyle/>
+          <a:p>
+            <a:r>
+              <a:rPr lang="ko-KR" altLang="en-US" sz="2400" dirty="0" smtClean="0">
+                <a:solidFill>
+                  <a:srgbClr val="FF3399"/>
+                </a:solidFill>
+                <a:latin typeface="Noto Sans CJK SC Bold" pitchFamily="34" charset="-127"/>
+                <a:ea typeface="Noto Sans CJK SC Bold" pitchFamily="34" charset="-127"/>
+              </a:rPr>
+              <a:t>클래스 구성 </a:t>
+            </a:r>
+            <a:r>
+              <a:rPr lang="en-US" altLang="ko-KR" sz="2400" dirty="0" smtClean="0">
+                <a:solidFill>
+                  <a:srgbClr val="FF3399"/>
+                </a:solidFill>
+                <a:latin typeface="Noto Sans CJK SC Bold" pitchFamily="34" charset="-127"/>
+                <a:ea typeface="Noto Sans CJK SC Bold" pitchFamily="34" charset="-127"/>
+              </a:rPr>
+              <a:t>:</a:t>
+            </a:r>
+            <a:r>
+              <a:rPr lang="ko-KR" altLang="en-US" sz="2400" dirty="0" smtClean="0">
+                <a:solidFill>
+                  <a:srgbClr val="FF3399"/>
+                </a:solidFill>
+                <a:latin typeface="Noto Sans CJK SC Bold" pitchFamily="34" charset="-127"/>
+                <a:ea typeface="Noto Sans CJK SC Bold" pitchFamily="34" charset="-127"/>
+              </a:rPr>
+              <a:t> </a:t>
+            </a:r>
+            <a:r>
+              <a:rPr lang="en-US" altLang="ko-KR" sz="2400" dirty="0" smtClean="0">
+                <a:solidFill>
+                  <a:srgbClr val="FF3399"/>
+                </a:solidFill>
+                <a:latin typeface="Noto Sans CJK SC Bold" pitchFamily="34" charset="-127"/>
+                <a:ea typeface="Noto Sans CJK SC Bold" pitchFamily="34" charset="-127"/>
+              </a:rPr>
+              <a:t>View directory</a:t>
+            </a:r>
+            <a:endParaRPr lang="ko-KR" altLang="en-US" sz="2400" dirty="0">
+              <a:solidFill>
+                <a:srgbClr val="FF3399"/>
+              </a:solidFill>
+              <a:latin typeface="Noto Sans CJK SC Bold" pitchFamily="34" charset="-127"/>
+              <a:ea typeface="Noto Sans CJK SC Bold" pitchFamily="34" charset="-127"/>
+            </a:endParaRPr>
+          </a:p>
+        </p:txBody>
+      </p:sp>
+      <p:grpSp>
+        <p:nvGrpSpPr>
+          <p:cNvPr id="20" name="그룹 19"/>
+          <p:cNvGrpSpPr/>
+          <p:nvPr/>
+        </p:nvGrpSpPr>
+        <p:grpSpPr>
+          <a:xfrm>
+            <a:off x="468679" y="2924944"/>
+            <a:ext cx="3735216" cy="2196244"/>
+            <a:chOff x="323528" y="1700808"/>
+            <a:chExt cx="2304370" cy="4932548"/>
+          </a:xfrm>
+        </p:grpSpPr>
+        <p:sp>
+          <p:nvSpPr>
+            <p:cNvPr id="21" name="직사각형 20"/>
+            <p:cNvSpPr/>
+            <p:nvPr/>
+          </p:nvSpPr>
+          <p:spPr>
+            <a:xfrm>
+              <a:off x="323528" y="1700808"/>
+              <a:ext cx="1908212" cy="4932548"/>
+            </a:xfrm>
+            <a:prstGeom prst="rect">
+              <a:avLst/>
+            </a:prstGeom>
+            <a:solidFill>
+              <a:schemeClr val="accent2">
+                <a:lumMod val="60000"/>
+                <a:lumOff val="40000"/>
+              </a:schemeClr>
+            </a:solidFill>
+            <a:ln>
+              <a:noFill/>
+            </a:ln>
+          </p:spPr>
+          <p:style>
+            <a:lnRef idx="2">
+              <a:schemeClr val="accent1">
+                <a:shade val="50000"/>
+              </a:schemeClr>
+            </a:lnRef>
+            <a:fillRef idx="1">
+              <a:schemeClr val="accent1"/>
+            </a:fillRef>
+            <a:effectRef idx="0">
+              <a:schemeClr val="accent1"/>
+            </a:effectRef>
+            <a:fontRef idx="minor">
+              <a:schemeClr val="lt1"/>
+            </a:fontRef>
+          </p:style>
+          <p:txBody>
+            <a:bodyPr rtlCol="0" anchor="ctr"/>
+            <a:lstStyle/>
+            <a:p>
+              <a:pPr algn="ctr"/>
+              <a:endParaRPr lang="ko-KR" altLang="en-US"/>
+            </a:p>
+          </p:txBody>
+        </p:sp>
+        <p:sp>
+          <p:nvSpPr>
+            <p:cNvPr id="22" name="TextBox 21"/>
+            <p:cNvSpPr txBox="1"/>
+            <p:nvPr/>
+          </p:nvSpPr>
+          <p:spPr>
+            <a:xfrm>
+              <a:off x="323528" y="1701223"/>
+              <a:ext cx="2304370" cy="369332"/>
+            </a:xfrm>
+            <a:prstGeom prst="rect">
+              <a:avLst/>
+            </a:prstGeom>
+            <a:noFill/>
+          </p:spPr>
+          <p:txBody>
+            <a:bodyPr wrap="square" rtlCol="0">
+              <a:spAutoFit/>
+            </a:bodyPr>
+            <a:lstStyle/>
+            <a:p>
+              <a:r>
+                <a:rPr lang="en-US" altLang="ko-KR" dirty="0" err="1" smtClean="0"/>
+                <a:t>CreateMiroView.xaml</a:t>
+              </a:r>
+              <a:endParaRPr lang="ko-KR" altLang="en-US" dirty="0"/>
+            </a:p>
+          </p:txBody>
+        </p:sp>
+      </p:grpSp>
+      <p:grpSp>
+        <p:nvGrpSpPr>
+          <p:cNvPr id="11" name="그룹 10"/>
+          <p:cNvGrpSpPr/>
+          <p:nvPr/>
+        </p:nvGrpSpPr>
+        <p:grpSpPr>
+          <a:xfrm>
+            <a:off x="3886021" y="2937932"/>
+            <a:ext cx="3735216" cy="2183256"/>
+            <a:chOff x="323528" y="1700808"/>
+            <a:chExt cx="2304370" cy="4932548"/>
+          </a:xfrm>
+        </p:grpSpPr>
+        <p:sp>
+          <p:nvSpPr>
+            <p:cNvPr id="12" name="직사각형 11"/>
+            <p:cNvSpPr/>
+            <p:nvPr/>
+          </p:nvSpPr>
+          <p:spPr>
+            <a:xfrm>
+              <a:off x="323528" y="1700808"/>
+              <a:ext cx="1908212" cy="4932548"/>
+            </a:xfrm>
+            <a:prstGeom prst="rect">
+              <a:avLst/>
+            </a:prstGeom>
+            <a:solidFill>
+              <a:schemeClr val="accent2">
+                <a:lumMod val="60000"/>
+                <a:lumOff val="40000"/>
+              </a:schemeClr>
+            </a:solidFill>
+            <a:ln>
+              <a:noFill/>
+            </a:ln>
+          </p:spPr>
+          <p:style>
+            <a:lnRef idx="2">
+              <a:schemeClr val="accent1">
+                <a:shade val="50000"/>
+              </a:schemeClr>
+            </a:lnRef>
+            <a:fillRef idx="1">
+              <a:schemeClr val="accent1"/>
+            </a:fillRef>
+            <a:effectRef idx="0">
+              <a:schemeClr val="accent1"/>
+            </a:effectRef>
+            <a:fontRef idx="minor">
+              <a:schemeClr val="lt1"/>
+            </a:fontRef>
+          </p:style>
+          <p:txBody>
+            <a:bodyPr rtlCol="0" anchor="ctr"/>
+            <a:lstStyle/>
+            <a:p>
+              <a:pPr algn="ctr"/>
+              <a:endParaRPr lang="ko-KR" altLang="en-US"/>
+            </a:p>
+          </p:txBody>
+        </p:sp>
+        <p:sp>
+          <p:nvSpPr>
+            <p:cNvPr id="13" name="TextBox 12"/>
+            <p:cNvSpPr txBox="1"/>
+            <p:nvPr/>
+          </p:nvSpPr>
+          <p:spPr>
+            <a:xfrm>
+              <a:off x="323528" y="1701223"/>
+              <a:ext cx="2304370" cy="369332"/>
+            </a:xfrm>
+            <a:prstGeom prst="rect">
+              <a:avLst/>
+            </a:prstGeom>
+            <a:noFill/>
+          </p:spPr>
+          <p:txBody>
+            <a:bodyPr wrap="square" rtlCol="0">
+              <a:spAutoFit/>
+            </a:bodyPr>
+            <a:lstStyle/>
+            <a:p>
+              <a:r>
+                <a:rPr lang="en-US" altLang="ko-KR" dirty="0" err="1" smtClean="0"/>
+                <a:t>EscapeMiroView.xaml</a:t>
+              </a:r>
+              <a:endParaRPr lang="ko-KR" altLang="en-US" dirty="0"/>
+            </a:p>
+          </p:txBody>
+        </p:sp>
+      </p:grpSp>
+      <p:pic>
+        <p:nvPicPr>
+          <p:cNvPr id="2" name="그림 1"/>
+          <p:cNvPicPr>
+            <a:picLocks noChangeAspect="1"/>
+          </p:cNvPicPr>
+          <p:nvPr/>
+        </p:nvPicPr>
+        <p:blipFill>
+          <a:blip r:embed="rId3"/>
+          <a:stretch>
+            <a:fillRect/>
+          </a:stretch>
+        </p:blipFill>
+        <p:spPr>
+          <a:xfrm>
+            <a:off x="1907704" y="1016732"/>
+            <a:ext cx="3929036" cy="1205736"/>
+          </a:xfrm>
+          <a:prstGeom prst="rect">
+            <a:avLst/>
+          </a:prstGeom>
+        </p:spPr>
+      </p:pic>
     </p:spTree>
     <p:extLst>
       <p:ext uri="{BB962C8B-B14F-4D97-AF65-F5344CB8AC3E}">
-        <p14:creationId xmlns:p14="http://schemas.microsoft.com/office/powerpoint/2010/main" val="2380490383"/>
+        <p14:creationId xmlns:p14="http://schemas.microsoft.com/office/powerpoint/2010/main" val="3152347835"/>
       </p:ext>
     </p:extLst>
   </p:cSld>
@@ -4595,41 +8809,41 @@
 </file>
 
 <file path=ppt/theme/theme1.xml><?xml version="1.0" encoding="utf-8"?>
-<a:theme xmlns:r="http://schemas.openxmlformats.org/officeDocument/2006/relationships" xmlns:c="http://schemas.openxmlformats.org/drawingml/2006/chart" xmlns:dgm="http://schemas.openxmlformats.org/drawingml/2006/diagram" xmlns:dsp="http://schemas.microsoft.com/office/drawing/2008/diagram" xmlns:a="http://schemas.openxmlformats.org/drawingml/2006/main" xmlns:pic="http://schemas.openxmlformats.org/drawingml/2006/picture" xmlns:wp="http://schemas.openxmlformats.org/drawingml/2006/wordprocessingDrawing" xmlns:xdr="http://schemas.openxmlformats.org/drawingml/2006/spreadsheetDrawing" name="Office 테마">
+<a:theme xmlns:a="http://schemas.openxmlformats.org/drawingml/2006/main" name="Office 테마">
   <a:themeElements>
     <a:clrScheme name="Office">
       <a:dk1>
         <a:sysClr val="windowText" lastClr="000000"/>
       </a:dk1>
       <a:lt1>
-        <a:sysClr val="window" lastClr="ffffff"/>
+        <a:sysClr val="window" lastClr="FFFFFF"/>
       </a:lt1>
       <a:dk2>
-        <a:srgbClr val="1f497d"/>
+        <a:srgbClr val="1F497D"/>
       </a:dk2>
       <a:lt2>
-        <a:srgbClr val="eeece1"/>
+        <a:srgbClr val="EEECE1"/>
       </a:lt2>
       <a:accent1>
-        <a:srgbClr val="4f81bd"/>
+        <a:srgbClr val="4F81BD"/>
       </a:accent1>
       <a:accent2>
-        <a:srgbClr val="c0504d"/>
+        <a:srgbClr val="C0504D"/>
       </a:accent2>
       <a:accent3>
-        <a:srgbClr val="9bbb59"/>
+        <a:srgbClr val="9BBB59"/>
       </a:accent3>
       <a:accent4>
-        <a:srgbClr val="8064a2"/>
+        <a:srgbClr val="8064A2"/>
       </a:accent4>
       <a:accent5>
-        <a:srgbClr val="4bacc6"/>
+        <a:srgbClr val="4BACC6"/>
       </a:accent5>
       <a:accent6>
-        <a:srgbClr val="f79646"/>
+        <a:srgbClr val="F79646"/>
       </a:accent6>
       <a:hlink>
-        <a:srgbClr val="0000ff"/>
+        <a:srgbClr val="0000FF"/>
       </a:hlink>
       <a:folHlink>
         <a:srgbClr val="800080"/>
@@ -4863,5 +9077,7 @@
       </a:bgFillStyleLst>
     </a:fmtScheme>
   </a:themeElements>
+  <a:objectDefaults/>
+  <a:extraClrSchemeLst/>
 </a:theme>
 </file>